--- a/Bilder/Bilder.pptx
+++ b/Bilder/Bilder.pptx
@@ -22,6 +22,8 @@
     <p:sldId id="270" r:id="rId16"/>
     <p:sldId id="272" r:id="rId17"/>
     <p:sldId id="273" r:id="rId18"/>
+    <p:sldId id="274" r:id="rId19"/>
+    <p:sldId id="275" r:id="rId20"/>
   </p:sldIdLst>
   <p:sldSz cx="12192000" cy="6858000"/>
   <p:notesSz cx="6858000" cy="9144000"/>
@@ -912,7 +914,6 @@
     </c:legend>
     <c:plotVisOnly val="1"/>
     <c:dispBlanksAs val="gap"/>
-    <c:showDLblsOverMax val="0"/>
     <c:extLst>
       <c:ext xmlns:c16r3="http://schemas.microsoft.com/office/drawing/2017/03/chart" uri="{56B9EC1D-385E-4148-901F-78D8002777C0}">
         <c16r3:dataDisplayOptions16>
@@ -920,6 +921,7 @@
         </c16r3:dataDisplayOptions16>
       </c:ext>
     </c:extLst>
+    <c:showDLblsOverMax val="0"/>
   </c:chart>
   <c:spPr>
     <a:noFill/>
@@ -1667,7 +1669,6 @@
     </c:legend>
     <c:plotVisOnly val="1"/>
     <c:dispBlanksAs val="gap"/>
-    <c:showDLblsOverMax val="0"/>
     <c:extLst>
       <c:ext xmlns:c16r3="http://schemas.microsoft.com/office/drawing/2017/03/chart" uri="{56B9EC1D-385E-4148-901F-78D8002777C0}">
         <c16r3:dataDisplayOptions16>
@@ -1675,6 +1676,7 @@
         </c16r3:dataDisplayOptions16>
       </c:ext>
     </c:extLst>
+    <c:showDLblsOverMax val="0"/>
   </c:chart>
   <c:spPr>
     <a:noFill/>
@@ -2437,7 +2439,6 @@
     </c:legend>
     <c:plotVisOnly val="1"/>
     <c:dispBlanksAs val="gap"/>
-    <c:showDLblsOverMax val="0"/>
     <c:extLst>
       <c:ext xmlns:c16r3="http://schemas.microsoft.com/office/drawing/2017/03/chart" uri="{56B9EC1D-385E-4148-901F-78D8002777C0}">
         <c16r3:dataDisplayOptions16>
@@ -2445,6 +2446,7 @@
         </c16r3:dataDisplayOptions16>
       </c:ext>
     </c:extLst>
+    <c:showDLblsOverMax val="0"/>
   </c:chart>
   <c:spPr>
     <a:noFill/>
@@ -3207,7 +3209,6 @@
     </c:legend>
     <c:plotVisOnly val="1"/>
     <c:dispBlanksAs val="gap"/>
-    <c:showDLblsOverMax val="0"/>
     <c:extLst>
       <c:ext xmlns:c16r3="http://schemas.microsoft.com/office/drawing/2017/03/chart" uri="{56B9EC1D-385E-4148-901F-78D8002777C0}">
         <c16r3:dataDisplayOptions16>
@@ -3215,6 +3216,7 @@
         </c16r3:dataDisplayOptions16>
       </c:ext>
     </c:extLst>
+    <c:showDLblsOverMax val="0"/>
   </c:chart>
   <c:spPr>
     <a:noFill/>
@@ -3705,7 +3707,6 @@
     </c:legend>
     <c:plotVisOnly val="1"/>
     <c:dispBlanksAs val="gap"/>
-    <c:showDLblsOverMax val="0"/>
     <c:extLst>
       <c:ext xmlns:c16r3="http://schemas.microsoft.com/office/drawing/2017/03/chart" uri="{56B9EC1D-385E-4148-901F-78D8002777C0}">
         <c16r3:dataDisplayOptions16>
@@ -3713,6 +3714,7 @@
         </c16r3:dataDisplayOptions16>
       </c:ext>
     </c:extLst>
+    <c:showDLblsOverMax val="0"/>
   </c:chart>
   <c:spPr>
     <a:noFill/>
@@ -4460,7 +4462,6 @@
     </c:legend>
     <c:plotVisOnly val="1"/>
     <c:dispBlanksAs val="gap"/>
-    <c:showDLblsOverMax val="0"/>
     <c:extLst>
       <c:ext xmlns:c16r3="http://schemas.microsoft.com/office/drawing/2017/03/chart" uri="{56B9EC1D-385E-4148-901F-78D8002777C0}">
         <c16r3:dataDisplayOptions16>
@@ -4468,6 +4469,7 @@
         </c16r3:dataDisplayOptions16>
       </c:ext>
     </c:extLst>
+    <c:showDLblsOverMax val="0"/>
   </c:chart>
   <c:spPr>
     <a:noFill/>
@@ -5215,7 +5217,6 @@
     </c:legend>
     <c:plotVisOnly val="1"/>
     <c:dispBlanksAs val="gap"/>
-    <c:showDLblsOverMax val="0"/>
     <c:extLst>
       <c:ext xmlns:c16r3="http://schemas.microsoft.com/office/drawing/2017/03/chart" uri="{56B9EC1D-385E-4148-901F-78D8002777C0}">
         <c16r3:dataDisplayOptions16>
@@ -5223,6 +5224,7 @@
         </c16r3:dataDisplayOptions16>
       </c:ext>
     </c:extLst>
+    <c:showDLblsOverMax val="0"/>
   </c:chart>
   <c:spPr>
     <a:noFill/>
@@ -5970,7 +5972,6 @@
     </c:legend>
     <c:plotVisOnly val="1"/>
     <c:dispBlanksAs val="gap"/>
-    <c:showDLblsOverMax val="0"/>
     <c:extLst>
       <c:ext xmlns:c16r3="http://schemas.microsoft.com/office/drawing/2017/03/chart" uri="{56B9EC1D-385E-4148-901F-78D8002777C0}">
         <c16r3:dataDisplayOptions16>
@@ -5978,6 +5979,7 @@
         </c16r3:dataDisplayOptions16>
       </c:ext>
     </c:extLst>
+    <c:showDLblsOverMax val="0"/>
   </c:chart>
   <c:spPr>
     <a:noFill/>
@@ -6725,7 +6727,6 @@
     </c:legend>
     <c:plotVisOnly val="1"/>
     <c:dispBlanksAs val="gap"/>
-    <c:showDLblsOverMax val="0"/>
     <c:extLst>
       <c:ext xmlns:c16r3="http://schemas.microsoft.com/office/drawing/2017/03/chart" uri="{56B9EC1D-385E-4148-901F-78D8002777C0}">
         <c16r3:dataDisplayOptions16>
@@ -6733,6 +6734,7 @@
         </c16r3:dataDisplayOptions16>
       </c:ext>
     </c:extLst>
+    <c:showDLblsOverMax val="0"/>
   </c:chart>
   <c:spPr>
     <a:noFill/>
@@ -7480,7 +7482,6 @@
     </c:legend>
     <c:plotVisOnly val="1"/>
     <c:dispBlanksAs val="gap"/>
-    <c:showDLblsOverMax val="0"/>
     <c:extLst>
       <c:ext xmlns:c16r3="http://schemas.microsoft.com/office/drawing/2017/03/chart" uri="{56B9EC1D-385E-4148-901F-78D8002777C0}">
         <c16r3:dataDisplayOptions16>
@@ -7488,6 +7489,7 @@
         </c16r3:dataDisplayOptions16>
       </c:ext>
     </c:extLst>
+    <c:showDLblsOverMax val="0"/>
   </c:chart>
   <c:spPr>
     <a:noFill/>
@@ -12979,7 +12981,7 @@
           <a:p>
             <a:fld id="{A5466E53-A59D-4D07-ADCC-EAAE632957C9}" type="datetimeFigureOut">
               <a:rPr lang="de-DE" smtClean="0"/>
-              <a:t>30.05.2023</a:t>
+              <a:t>31.05.2023</a:t>
             </a:fld>
             <a:endParaRPr lang="de-DE"/>
           </a:p>
@@ -13177,7 +13179,7 @@
           <a:p>
             <a:fld id="{A5466E53-A59D-4D07-ADCC-EAAE632957C9}" type="datetimeFigureOut">
               <a:rPr lang="de-DE" smtClean="0"/>
-              <a:t>30.05.2023</a:t>
+              <a:t>31.05.2023</a:t>
             </a:fld>
             <a:endParaRPr lang="de-DE"/>
           </a:p>
@@ -13385,7 +13387,7 @@
           <a:p>
             <a:fld id="{A5466E53-A59D-4D07-ADCC-EAAE632957C9}" type="datetimeFigureOut">
               <a:rPr lang="de-DE" smtClean="0"/>
-              <a:t>30.05.2023</a:t>
+              <a:t>31.05.2023</a:t>
             </a:fld>
             <a:endParaRPr lang="de-DE"/>
           </a:p>
@@ -13583,7 +13585,7 @@
           <a:p>
             <a:fld id="{A5466E53-A59D-4D07-ADCC-EAAE632957C9}" type="datetimeFigureOut">
               <a:rPr lang="de-DE" smtClean="0"/>
-              <a:t>30.05.2023</a:t>
+              <a:t>31.05.2023</a:t>
             </a:fld>
             <a:endParaRPr lang="de-DE"/>
           </a:p>
@@ -13858,7 +13860,7 @@
           <a:p>
             <a:fld id="{A5466E53-A59D-4D07-ADCC-EAAE632957C9}" type="datetimeFigureOut">
               <a:rPr lang="de-DE" smtClean="0"/>
-              <a:t>30.05.2023</a:t>
+              <a:t>31.05.2023</a:t>
             </a:fld>
             <a:endParaRPr lang="de-DE"/>
           </a:p>
@@ -14123,7 +14125,7 @@
           <a:p>
             <a:fld id="{A5466E53-A59D-4D07-ADCC-EAAE632957C9}" type="datetimeFigureOut">
               <a:rPr lang="de-DE" smtClean="0"/>
-              <a:t>30.05.2023</a:t>
+              <a:t>31.05.2023</a:t>
             </a:fld>
             <a:endParaRPr lang="de-DE"/>
           </a:p>
@@ -14535,7 +14537,7 @@
           <a:p>
             <a:fld id="{A5466E53-A59D-4D07-ADCC-EAAE632957C9}" type="datetimeFigureOut">
               <a:rPr lang="de-DE" smtClean="0"/>
-              <a:t>30.05.2023</a:t>
+              <a:t>31.05.2023</a:t>
             </a:fld>
             <a:endParaRPr lang="de-DE"/>
           </a:p>
@@ -14676,7 +14678,7 @@
           <a:p>
             <a:fld id="{A5466E53-A59D-4D07-ADCC-EAAE632957C9}" type="datetimeFigureOut">
               <a:rPr lang="de-DE" smtClean="0"/>
-              <a:t>30.05.2023</a:t>
+              <a:t>31.05.2023</a:t>
             </a:fld>
             <a:endParaRPr lang="de-DE"/>
           </a:p>
@@ -14789,7 +14791,7 @@
           <a:p>
             <a:fld id="{A5466E53-A59D-4D07-ADCC-EAAE632957C9}" type="datetimeFigureOut">
               <a:rPr lang="de-DE" smtClean="0"/>
-              <a:t>30.05.2023</a:t>
+              <a:t>31.05.2023</a:t>
             </a:fld>
             <a:endParaRPr lang="de-DE"/>
           </a:p>
@@ -15100,7 +15102,7 @@
           <a:p>
             <a:fld id="{A5466E53-A59D-4D07-ADCC-EAAE632957C9}" type="datetimeFigureOut">
               <a:rPr lang="de-DE" smtClean="0"/>
-              <a:t>30.05.2023</a:t>
+              <a:t>31.05.2023</a:t>
             </a:fld>
             <a:endParaRPr lang="de-DE"/>
           </a:p>
@@ -15388,7 +15390,7 @@
           <a:p>
             <a:fld id="{A5466E53-A59D-4D07-ADCC-EAAE632957C9}" type="datetimeFigureOut">
               <a:rPr lang="de-DE" smtClean="0"/>
-              <a:t>30.05.2023</a:t>
+              <a:t>31.05.2023</a:t>
             </a:fld>
             <a:endParaRPr lang="de-DE"/>
           </a:p>
@@ -15629,7 +15631,7 @@
           <a:p>
             <a:fld id="{A5466E53-A59D-4D07-ADCC-EAAE632957C9}" type="datetimeFigureOut">
               <a:rPr lang="de-DE" smtClean="0"/>
-              <a:t>30.05.2023</a:t>
+              <a:t>31.05.2023</a:t>
             </a:fld>
             <a:endParaRPr lang="de-DE"/>
           </a:p>
@@ -16067,7 +16069,7 @@
                 <a14:useLocalDpi xmlns:a14="http://schemas.microsoft.com/office/drawing/2010/main" val="0"/>
               </a:ext>
               <a:ext uri="{96DAC541-7B7A-43D3-8B79-37D633B846F1}">
-                <asvg:svgBlip xmlns="" xmlns:asvg="http://schemas.microsoft.com/office/drawing/2016/SVG/main" r:embed="rId3"/>
+                <asvg:svgBlip xmlns:asvg="http://schemas.microsoft.com/office/drawing/2016/SVG/main" r:embed="rId3"/>
               </a:ext>
             </a:extLst>
           </a:blip>
@@ -16177,7 +16179,7 @@
                 <a:hlinkClick r:id="rId5">
                   <a:extLst>
                     <a:ext uri="{A12FA001-AC4F-418D-AE19-62706E023703}">
-                      <ahyp:hlinkClr xmlns="" xmlns:ahyp="http://schemas.microsoft.com/office/drawing/2018/hyperlinkcolor" val="tx"/>
+                      <ahyp:hlinkClr xmlns:ahyp="http://schemas.microsoft.com/office/drawing/2018/hyperlinkcolor" val="tx"/>
                     </a:ext>
                   </a:extLst>
                 </a:hlinkClick>
@@ -16757,7 +16759,7 @@
                 <a14:useLocalDpi xmlns:a14="http://schemas.microsoft.com/office/drawing/2010/main" val="0"/>
               </a:ext>
               <a:ext uri="{837473B0-CC2E-450A-ABE3-18F120FF3D39}">
-                <a1611:picAttrSrcUrl xmlns="" xmlns:a1611="http://schemas.microsoft.com/office/drawing/2016/11/main" r:id="rId22"/>
+                <a1611:picAttrSrcUrl xmlns:a1611="http://schemas.microsoft.com/office/drawing/2016/11/main" r:id="rId22"/>
               </a:ext>
             </a:extLst>
           </a:blip>
@@ -17410,6 +17412,5362 @@
 </p:sld>
 </file>
 
+<file path=ppt/slides/slide18.xml><?xml version="1.0" encoding="utf-8"?>
+<p:sld xmlns:a="http://schemas.openxmlformats.org/drawingml/2006/main" xmlns:r="http://schemas.openxmlformats.org/officeDocument/2006/relationships" xmlns:p="http://schemas.openxmlformats.org/presentationml/2006/main">
+  <p:cSld>
+    <p:spTree>
+      <p:nvGrpSpPr>
+        <p:cNvPr id="1" name=""/>
+        <p:cNvGrpSpPr/>
+        <p:nvPr/>
+      </p:nvGrpSpPr>
+      <p:grpSpPr>
+        <a:xfrm>
+          <a:off x="0" y="0"/>
+          <a:ext cx="0" cy="0"/>
+          <a:chOff x="0" y="0"/>
+          <a:chExt cx="0" cy="0"/>
+        </a:xfrm>
+      </p:grpSpPr>
+      <p:graphicFrame>
+        <p:nvGraphicFramePr>
+          <p:cNvPr id="4" name="Tabelle 4">
+            <a:extLst>
+              <a:ext uri="{FF2B5EF4-FFF2-40B4-BE49-F238E27FC236}">
+                <a16:creationId xmlns:a16="http://schemas.microsoft.com/office/drawing/2014/main" id="{65D4F47C-2AEF-DC14-555B-A85F2CE094E8}"/>
+              </a:ext>
+            </a:extLst>
+          </p:cNvPr>
+          <p:cNvGraphicFramePr>
+            <a:graphicFrameLocks noGrp="1"/>
+          </p:cNvGraphicFramePr>
+          <p:nvPr>
+            <p:extLst>
+              <p:ext uri="{D42A27DB-BD31-4B8C-83A1-F6EECF244321}">
+                <p14:modId xmlns:p14="http://schemas.microsoft.com/office/powerpoint/2010/main" val="1094139788"/>
+              </p:ext>
+            </p:extLst>
+          </p:nvPr>
+        </p:nvGraphicFramePr>
+        <p:xfrm>
+          <a:off x="1889760" y="894080"/>
+          <a:ext cx="5354320" cy="3279775"/>
+        </p:xfrm>
+        <a:graphic>
+          <a:graphicData uri="http://schemas.openxmlformats.org/drawingml/2006/table">
+            <a:tbl>
+              <a:tblPr firstRow="1" firstCol="1" bandRow="1">
+                <a:tableStyleId>{0505E3EF-67EA-436B-97B2-0124C06EBD24}</a:tableStyleId>
+              </a:tblPr>
+              <a:tblGrid>
+                <a:gridCol w="1534160">
+                  <a:extLst>
+                    <a:ext uri="{9D8B030D-6E8A-4147-A177-3AD203B41FA5}">
+                      <a16:colId xmlns:a16="http://schemas.microsoft.com/office/drawing/2014/main" val="165236384"/>
+                    </a:ext>
+                  </a:extLst>
+                </a:gridCol>
+                <a:gridCol w="1143000">
+                  <a:extLst>
+                    <a:ext uri="{9D8B030D-6E8A-4147-A177-3AD203B41FA5}">
+                      <a16:colId xmlns:a16="http://schemas.microsoft.com/office/drawing/2014/main" val="757273108"/>
+                    </a:ext>
+                  </a:extLst>
+                </a:gridCol>
+                <a:gridCol w="1338580">
+                  <a:extLst>
+                    <a:ext uri="{9D8B030D-6E8A-4147-A177-3AD203B41FA5}">
+                      <a16:colId xmlns:a16="http://schemas.microsoft.com/office/drawing/2014/main" val="2630518519"/>
+                    </a:ext>
+                  </a:extLst>
+                </a:gridCol>
+                <a:gridCol w="1338580">
+                  <a:extLst>
+                    <a:ext uri="{9D8B030D-6E8A-4147-A177-3AD203B41FA5}">
+                      <a16:colId xmlns:a16="http://schemas.microsoft.com/office/drawing/2014/main" val="2804499025"/>
+                    </a:ext>
+                  </a:extLst>
+                </a:gridCol>
+              </a:tblGrid>
+              <a:tr h="436880">
+                <a:tc>
+                  <a:txBody>
+                    <a:bodyPr/>
+                    <a:lstStyle/>
+                    <a:p>
+                      <a:r>
+                        <a:rPr lang="de-DE" dirty="0">
+                          <a:solidFill>
+                            <a:schemeClr val="tx1">
+                              <a:lumMod val="85000"/>
+                              <a:lumOff val="15000"/>
+                            </a:schemeClr>
+                          </a:solidFill>
+                        </a:rPr>
+                        <a:t>Wahlergebnis</a:t>
+                      </a:r>
+                    </a:p>
+                  </a:txBody>
+                  <a:tcPr anchor="ctr">
+                    <a:lnL w="28575" cap="flat" cmpd="sng" algn="ctr">
+                      <a:solidFill>
+                        <a:schemeClr val="accent2">
+                          <a:lumMod val="75000"/>
+                        </a:schemeClr>
+                      </a:solidFill>
+                      <a:prstDash val="solid"/>
+                      <a:round/>
+                      <a:headEnd type="none" w="med" len="med"/>
+                      <a:tailEnd type="none" w="med" len="med"/>
+                    </a:lnL>
+                    <a:lnR w="12700" cmpd="sng">
+                      <a:noFill/>
+                    </a:lnR>
+                    <a:lnT w="28575" cap="flat" cmpd="sng" algn="ctr">
+                      <a:solidFill>
+                        <a:schemeClr val="accent2">
+                          <a:lumMod val="75000"/>
+                        </a:schemeClr>
+                      </a:solidFill>
+                      <a:prstDash val="solid"/>
+                      <a:round/>
+                      <a:headEnd type="none" w="med" len="med"/>
+                      <a:tailEnd type="none" w="med" len="med"/>
+                    </a:lnT>
+                    <a:lnB w="28575" cap="flat" cmpd="sng" algn="ctr">
+                      <a:solidFill>
+                        <a:schemeClr val="accent2">
+                          <a:lumMod val="75000"/>
+                        </a:schemeClr>
+                      </a:solidFill>
+                      <a:prstDash val="solid"/>
+                      <a:round/>
+                      <a:headEnd type="none" w="med" len="med"/>
+                      <a:tailEnd type="none" w="med" len="med"/>
+                    </a:lnB>
+                    <a:lnTlToBr w="12700" cmpd="sng">
+                      <a:noFill/>
+                      <a:prstDash val="solid"/>
+                    </a:lnTlToBr>
+                    <a:lnBlToTr w="12700" cmpd="sng">
+                      <a:noFill/>
+                      <a:prstDash val="solid"/>
+                    </a:lnBlToTr>
+                    <a:solidFill>
+                      <a:schemeClr val="accent2">
+                        <a:lumMod val="60000"/>
+                        <a:lumOff val="40000"/>
+                      </a:schemeClr>
+                    </a:solidFill>
+                  </a:tcPr>
+                </a:tc>
+                <a:tc>
+                  <a:txBody>
+                    <a:bodyPr/>
+                    <a:lstStyle/>
+                    <a:p>
+                      <a:pPr algn="ctr"/>
+                      <a:r>
+                        <a:rPr lang="de-DE" sz="2400" dirty="0">
+                          <a:solidFill>
+                            <a:schemeClr val="tx1">
+                              <a:lumMod val="85000"/>
+                              <a:lumOff val="15000"/>
+                            </a:schemeClr>
+                          </a:solidFill>
+                        </a:rPr>
+                        <a:t>74</a:t>
+                      </a:r>
+                    </a:p>
+                  </a:txBody>
+                  <a:tcPr>
+                    <a:lnL w="12700" cmpd="sng">
+                      <a:noFill/>
+                    </a:lnL>
+                    <a:lnR w="12700" cmpd="sng">
+                      <a:noFill/>
+                    </a:lnR>
+                    <a:lnT w="28575" cap="flat" cmpd="sng" algn="ctr">
+                      <a:solidFill>
+                        <a:schemeClr val="accent2">
+                          <a:lumMod val="75000"/>
+                        </a:schemeClr>
+                      </a:solidFill>
+                      <a:prstDash val="solid"/>
+                      <a:round/>
+                      <a:headEnd type="none" w="med" len="med"/>
+                      <a:tailEnd type="none" w="med" len="med"/>
+                    </a:lnT>
+                    <a:lnB w="28575" cap="flat" cmpd="sng" algn="ctr">
+                      <a:solidFill>
+                        <a:schemeClr val="accent2">
+                          <a:lumMod val="75000"/>
+                        </a:schemeClr>
+                      </a:solidFill>
+                      <a:prstDash val="solid"/>
+                      <a:round/>
+                      <a:headEnd type="none" w="med" len="med"/>
+                      <a:tailEnd type="none" w="med" len="med"/>
+                    </a:lnB>
+                    <a:lnTlToBr w="12700" cmpd="sng">
+                      <a:noFill/>
+                      <a:prstDash val="solid"/>
+                    </a:lnTlToBr>
+                    <a:lnBlToTr w="12700" cmpd="sng">
+                      <a:noFill/>
+                      <a:prstDash val="solid"/>
+                    </a:lnBlToTr>
+                    <a:solidFill>
+                      <a:schemeClr val="accent2">
+                        <a:lumMod val="60000"/>
+                        <a:lumOff val="40000"/>
+                      </a:schemeClr>
+                    </a:solidFill>
+                  </a:tcPr>
+                </a:tc>
+                <a:tc>
+                  <a:txBody>
+                    <a:bodyPr/>
+                    <a:lstStyle/>
+                    <a:p>
+                      <a:pPr algn="ctr"/>
+                      <a:r>
+                        <a:rPr lang="de-DE" sz="2400" dirty="0">
+                          <a:solidFill>
+                            <a:schemeClr val="tx1">
+                              <a:lumMod val="85000"/>
+                              <a:lumOff val="15000"/>
+                            </a:schemeClr>
+                          </a:solidFill>
+                        </a:rPr>
+                        <a:t>40</a:t>
+                      </a:r>
+                    </a:p>
+                  </a:txBody>
+                  <a:tcPr>
+                    <a:lnL w="12700" cmpd="sng">
+                      <a:noFill/>
+                    </a:lnL>
+                    <a:lnR w="12700" cmpd="sng">
+                      <a:noFill/>
+                    </a:lnR>
+                    <a:lnT w="28575" cap="flat" cmpd="sng" algn="ctr">
+                      <a:solidFill>
+                        <a:schemeClr val="accent2">
+                          <a:lumMod val="75000"/>
+                        </a:schemeClr>
+                      </a:solidFill>
+                      <a:prstDash val="solid"/>
+                      <a:round/>
+                      <a:headEnd type="none" w="med" len="med"/>
+                      <a:tailEnd type="none" w="med" len="med"/>
+                    </a:lnT>
+                    <a:lnB w="28575" cap="flat" cmpd="sng" algn="ctr">
+                      <a:solidFill>
+                        <a:schemeClr val="accent2">
+                          <a:lumMod val="75000"/>
+                        </a:schemeClr>
+                      </a:solidFill>
+                      <a:prstDash val="solid"/>
+                      <a:round/>
+                      <a:headEnd type="none" w="med" len="med"/>
+                      <a:tailEnd type="none" w="med" len="med"/>
+                    </a:lnB>
+                    <a:lnTlToBr w="12700" cmpd="sng">
+                      <a:noFill/>
+                      <a:prstDash val="solid"/>
+                    </a:lnTlToBr>
+                    <a:lnBlToTr w="12700" cmpd="sng">
+                      <a:noFill/>
+                      <a:prstDash val="solid"/>
+                    </a:lnBlToTr>
+                    <a:solidFill>
+                      <a:schemeClr val="accent2">
+                        <a:lumMod val="60000"/>
+                        <a:lumOff val="40000"/>
+                      </a:schemeClr>
+                    </a:solidFill>
+                  </a:tcPr>
+                </a:tc>
+                <a:tc>
+                  <a:txBody>
+                    <a:bodyPr/>
+                    <a:lstStyle/>
+                    <a:p>
+                      <a:pPr algn="ctr"/>
+                      <a:r>
+                        <a:rPr lang="de-DE" sz="2400" dirty="0">
+                          <a:solidFill>
+                            <a:schemeClr val="tx1">
+                              <a:lumMod val="85000"/>
+                              <a:lumOff val="15000"/>
+                            </a:schemeClr>
+                          </a:solidFill>
+                        </a:rPr>
+                        <a:t>6</a:t>
+                      </a:r>
+                    </a:p>
+                  </a:txBody>
+                  <a:tcPr>
+                    <a:lnL w="12700" cmpd="sng">
+                      <a:noFill/>
+                    </a:lnL>
+                    <a:lnR w="28575" cap="flat" cmpd="sng" algn="ctr">
+                      <a:solidFill>
+                        <a:schemeClr val="accent2">
+                          <a:lumMod val="75000"/>
+                        </a:schemeClr>
+                      </a:solidFill>
+                      <a:prstDash val="solid"/>
+                      <a:round/>
+                      <a:headEnd type="none" w="med" len="med"/>
+                      <a:tailEnd type="none" w="med" len="med"/>
+                    </a:lnR>
+                    <a:lnT w="28575" cap="flat" cmpd="sng" algn="ctr">
+                      <a:solidFill>
+                        <a:schemeClr val="accent2">
+                          <a:lumMod val="75000"/>
+                        </a:schemeClr>
+                      </a:solidFill>
+                      <a:prstDash val="solid"/>
+                      <a:round/>
+                      <a:headEnd type="none" w="med" len="med"/>
+                      <a:tailEnd type="none" w="med" len="med"/>
+                    </a:lnT>
+                    <a:lnB w="28575" cap="flat" cmpd="sng" algn="ctr">
+                      <a:solidFill>
+                        <a:schemeClr val="accent2">
+                          <a:lumMod val="75000"/>
+                        </a:schemeClr>
+                      </a:solidFill>
+                      <a:prstDash val="solid"/>
+                      <a:round/>
+                      <a:headEnd type="none" w="med" len="med"/>
+                      <a:tailEnd type="none" w="med" len="med"/>
+                    </a:lnB>
+                    <a:lnTlToBr w="12700" cmpd="sng">
+                      <a:noFill/>
+                      <a:prstDash val="solid"/>
+                    </a:lnTlToBr>
+                    <a:lnBlToTr w="12700" cmpd="sng">
+                      <a:noFill/>
+                      <a:prstDash val="solid"/>
+                    </a:lnBlToTr>
+                    <a:solidFill>
+                      <a:schemeClr val="accent2">
+                        <a:lumMod val="60000"/>
+                        <a:lumOff val="40000"/>
+                      </a:schemeClr>
+                    </a:solidFill>
+                  </a:tcPr>
+                </a:tc>
+                <a:extLst>
+                  <a:ext uri="{0D108BD9-81ED-4DB2-BD59-A6C34878D82A}">
+                    <a16:rowId xmlns:a16="http://schemas.microsoft.com/office/drawing/2014/main" val="3157480115"/>
+                  </a:ext>
+                </a:extLst>
+              </a:tr>
+              <a:tr h="403225">
+                <a:tc>
+                  <a:txBody>
+                    <a:bodyPr/>
+                    <a:lstStyle/>
+                    <a:p>
+                      <a:r>
+                        <a:rPr lang="de-DE" b="0" dirty="0"/>
+                        <a:t>Teiler</a:t>
+                      </a:r>
+                      <a:r>
+                        <a:rPr lang="de-DE" dirty="0"/>
+                        <a:t>: 0.5</a:t>
+                      </a:r>
+                    </a:p>
+                  </a:txBody>
+                  <a:tcPr anchor="ctr">
+                    <a:lnL w="28575" cap="flat" cmpd="sng" algn="ctr">
+                      <a:solidFill>
+                        <a:schemeClr val="accent2">
+                          <a:lumMod val="75000"/>
+                        </a:schemeClr>
+                      </a:solidFill>
+                      <a:prstDash val="solid"/>
+                      <a:round/>
+                      <a:headEnd type="none" w="med" len="med"/>
+                      <a:tailEnd type="none" w="med" len="med"/>
+                    </a:lnL>
+                    <a:lnR w="28575" cap="flat" cmpd="sng" algn="ctr">
+                      <a:solidFill>
+                        <a:schemeClr val="accent2">
+                          <a:lumMod val="75000"/>
+                        </a:schemeClr>
+                      </a:solidFill>
+                      <a:prstDash val="solid"/>
+                      <a:round/>
+                      <a:headEnd type="none" w="med" len="med"/>
+                      <a:tailEnd type="none" w="med" len="med"/>
+                    </a:lnR>
+                    <a:lnT w="28575" cap="flat" cmpd="sng" algn="ctr">
+                      <a:solidFill>
+                        <a:schemeClr val="accent2">
+                          <a:lumMod val="75000"/>
+                        </a:schemeClr>
+                      </a:solidFill>
+                      <a:prstDash val="solid"/>
+                      <a:round/>
+                      <a:headEnd type="none" w="med" len="med"/>
+                      <a:tailEnd type="none" w="med" len="med"/>
+                    </a:lnT>
+                    <a:lnB w="12700" cmpd="sng">
+                      <a:noFill/>
+                    </a:lnB>
+                    <a:lnTlToBr w="12700" cmpd="sng">
+                      <a:noFill/>
+                      <a:prstDash val="solid"/>
+                    </a:lnTlToBr>
+                    <a:lnBlToTr w="12700" cmpd="sng">
+                      <a:noFill/>
+                      <a:prstDash val="solid"/>
+                    </a:lnBlToTr>
+                    <a:solidFill>
+                      <a:schemeClr val="accent2">
+                        <a:lumMod val="40000"/>
+                        <a:lumOff val="60000"/>
+                      </a:schemeClr>
+                    </a:solidFill>
+                  </a:tcPr>
+                </a:tc>
+                <a:tc>
+                  <a:txBody>
+                    <a:bodyPr/>
+                    <a:lstStyle/>
+                    <a:p>
+                      <a:pPr marL="0" algn="ctr" defTabSz="914400" rtl="0" eaLnBrk="1" fontAlgn="b" latinLnBrk="0" hangingPunct="1"/>
+                      <a:r>
+                        <a:rPr lang="de-DE" sz="1800" b="0" i="0" u="none" strike="noStrike" kern="1200" dirty="0">
+                          <a:solidFill>
+                            <a:schemeClr val="accent2">
+                              <a:lumMod val="50000"/>
+                            </a:schemeClr>
+                          </a:solidFill>
+                          <a:effectLst/>
+                          <a:latin typeface="Calibri" panose="020F0502020204030204" pitchFamily="34" charset="0"/>
+                          <a:ea typeface="Calibri" panose="020F0502020204030204" pitchFamily="34" charset="0"/>
+                          <a:cs typeface="Calibri" panose="020F0502020204030204" pitchFamily="34" charset="0"/>
+                        </a:rPr>
+                        <a:t>148</a:t>
+                      </a:r>
+                    </a:p>
+                  </a:txBody>
+                  <a:tcPr marL="6350" marR="6350" marT="6350" marB="0" anchor="ctr">
+                    <a:lnL w="28575" cap="flat" cmpd="sng" algn="ctr">
+                      <a:solidFill>
+                        <a:schemeClr val="accent2">
+                          <a:lumMod val="75000"/>
+                        </a:schemeClr>
+                      </a:solidFill>
+                      <a:prstDash val="solid"/>
+                      <a:round/>
+                      <a:headEnd type="none" w="med" len="med"/>
+                      <a:tailEnd type="none" w="med" len="med"/>
+                    </a:lnL>
+                    <a:lnR w="6350" cap="flat" cmpd="sng" algn="ctr">
+                      <a:solidFill>
+                        <a:schemeClr val="accent2">
+                          <a:lumMod val="60000"/>
+                          <a:lumOff val="40000"/>
+                        </a:schemeClr>
+                      </a:solidFill>
+                      <a:prstDash val="solid"/>
+                      <a:round/>
+                      <a:headEnd type="none" w="med" len="med"/>
+                      <a:tailEnd type="none" w="med" len="med"/>
+                    </a:lnR>
+                    <a:lnT w="28575" cap="flat" cmpd="sng" algn="ctr">
+                      <a:solidFill>
+                        <a:schemeClr val="accent2">
+                          <a:lumMod val="75000"/>
+                        </a:schemeClr>
+                      </a:solidFill>
+                      <a:prstDash val="solid"/>
+                      <a:round/>
+                      <a:headEnd type="none" w="med" len="med"/>
+                      <a:tailEnd type="none" w="med" len="med"/>
+                    </a:lnT>
+                    <a:lnB w="6350" cap="flat" cmpd="sng" algn="ctr">
+                      <a:solidFill>
+                        <a:schemeClr val="accent2">
+                          <a:lumMod val="60000"/>
+                          <a:lumOff val="40000"/>
+                        </a:schemeClr>
+                      </a:solidFill>
+                      <a:prstDash val="solid"/>
+                      <a:round/>
+                      <a:headEnd type="none" w="med" len="med"/>
+                      <a:tailEnd type="none" w="med" len="med"/>
+                    </a:lnB>
+                    <a:lnTlToBr w="12700" cmpd="sng">
+                      <a:noFill/>
+                      <a:prstDash val="solid"/>
+                    </a:lnTlToBr>
+                    <a:lnBlToTr w="12700" cmpd="sng">
+                      <a:noFill/>
+                      <a:prstDash val="solid"/>
+                    </a:lnBlToTr>
+                    <a:solidFill>
+                      <a:schemeClr val="bg1">
+                        <a:lumMod val="95000"/>
+                      </a:schemeClr>
+                    </a:solidFill>
+                  </a:tcPr>
+                </a:tc>
+                <a:tc>
+                  <a:txBody>
+                    <a:bodyPr/>
+                    <a:lstStyle/>
+                    <a:p>
+                      <a:pPr marL="0" algn="ctr" defTabSz="914400" rtl="0" eaLnBrk="1" fontAlgn="b" latinLnBrk="0" hangingPunct="1"/>
+                      <a:r>
+                        <a:rPr lang="de-DE" sz="1800" b="0" i="0" u="none" strike="noStrike" kern="1200">
+                          <a:solidFill>
+                            <a:schemeClr val="accent2">
+                              <a:lumMod val="50000"/>
+                            </a:schemeClr>
+                          </a:solidFill>
+                          <a:effectLst/>
+                          <a:latin typeface="Calibri" panose="020F0502020204030204" pitchFamily="34" charset="0"/>
+                          <a:ea typeface="Calibri" panose="020F0502020204030204" pitchFamily="34" charset="0"/>
+                          <a:cs typeface="Calibri" panose="020F0502020204030204" pitchFamily="34" charset="0"/>
+                        </a:rPr>
+                        <a:t>80</a:t>
+                      </a:r>
+                    </a:p>
+                  </a:txBody>
+                  <a:tcPr marL="6350" marR="6350" marT="6350" marB="0" anchor="ctr">
+                    <a:lnL w="6350" cap="flat" cmpd="sng" algn="ctr">
+                      <a:solidFill>
+                        <a:schemeClr val="accent2">
+                          <a:lumMod val="60000"/>
+                          <a:lumOff val="40000"/>
+                        </a:schemeClr>
+                      </a:solidFill>
+                      <a:prstDash val="solid"/>
+                      <a:round/>
+                      <a:headEnd type="none" w="med" len="med"/>
+                      <a:tailEnd type="none" w="med" len="med"/>
+                    </a:lnL>
+                    <a:lnR w="6350" cap="flat" cmpd="sng" algn="ctr">
+                      <a:solidFill>
+                        <a:schemeClr val="accent2">
+                          <a:lumMod val="60000"/>
+                          <a:lumOff val="40000"/>
+                        </a:schemeClr>
+                      </a:solidFill>
+                      <a:prstDash val="solid"/>
+                      <a:round/>
+                      <a:headEnd type="none" w="med" len="med"/>
+                      <a:tailEnd type="none" w="med" len="med"/>
+                    </a:lnR>
+                    <a:lnT w="28575" cap="flat" cmpd="sng" algn="ctr">
+                      <a:solidFill>
+                        <a:schemeClr val="accent2">
+                          <a:lumMod val="75000"/>
+                        </a:schemeClr>
+                      </a:solidFill>
+                      <a:prstDash val="solid"/>
+                      <a:round/>
+                      <a:headEnd type="none" w="med" len="med"/>
+                      <a:tailEnd type="none" w="med" len="med"/>
+                    </a:lnT>
+                    <a:lnB w="6350" cap="flat" cmpd="sng" algn="ctr">
+                      <a:solidFill>
+                        <a:schemeClr val="accent2">
+                          <a:lumMod val="60000"/>
+                          <a:lumOff val="40000"/>
+                        </a:schemeClr>
+                      </a:solidFill>
+                      <a:prstDash val="solid"/>
+                      <a:round/>
+                      <a:headEnd type="none" w="med" len="med"/>
+                      <a:tailEnd type="none" w="med" len="med"/>
+                    </a:lnB>
+                    <a:lnTlToBr w="12700" cmpd="sng">
+                      <a:noFill/>
+                      <a:prstDash val="solid"/>
+                    </a:lnTlToBr>
+                    <a:lnBlToTr w="12700" cmpd="sng">
+                      <a:noFill/>
+                      <a:prstDash val="solid"/>
+                    </a:lnBlToTr>
+                    <a:solidFill>
+                      <a:schemeClr val="bg1">
+                        <a:lumMod val="95000"/>
+                      </a:schemeClr>
+                    </a:solidFill>
+                  </a:tcPr>
+                </a:tc>
+                <a:tc>
+                  <a:txBody>
+                    <a:bodyPr/>
+                    <a:lstStyle/>
+                    <a:p>
+                      <a:pPr marL="0" algn="ctr" defTabSz="914400" rtl="0" eaLnBrk="1" fontAlgn="b" latinLnBrk="0" hangingPunct="1"/>
+                      <a:r>
+                        <a:rPr lang="de-DE" sz="1800" b="0" i="0" u="none" strike="noStrike" kern="1200">
+                          <a:solidFill>
+                            <a:schemeClr val="accent2">
+                              <a:lumMod val="50000"/>
+                            </a:schemeClr>
+                          </a:solidFill>
+                          <a:effectLst/>
+                          <a:latin typeface="Calibri" panose="020F0502020204030204" pitchFamily="34" charset="0"/>
+                          <a:ea typeface="Calibri" panose="020F0502020204030204" pitchFamily="34" charset="0"/>
+                          <a:cs typeface="Calibri" panose="020F0502020204030204" pitchFamily="34" charset="0"/>
+                        </a:rPr>
+                        <a:t>12</a:t>
+                      </a:r>
+                    </a:p>
+                  </a:txBody>
+                  <a:tcPr marL="6350" marR="6350" marT="6350" marB="0" anchor="ctr">
+                    <a:lnL w="6350" cap="flat" cmpd="sng" algn="ctr">
+                      <a:solidFill>
+                        <a:schemeClr val="accent2">
+                          <a:lumMod val="60000"/>
+                          <a:lumOff val="40000"/>
+                        </a:schemeClr>
+                      </a:solidFill>
+                      <a:prstDash val="solid"/>
+                      <a:round/>
+                      <a:headEnd type="none" w="med" len="med"/>
+                      <a:tailEnd type="none" w="med" len="med"/>
+                    </a:lnL>
+                    <a:lnR w="28575" cap="flat" cmpd="sng" algn="ctr">
+                      <a:solidFill>
+                        <a:schemeClr val="accent2">
+                          <a:lumMod val="75000"/>
+                        </a:schemeClr>
+                      </a:solidFill>
+                      <a:prstDash val="solid"/>
+                      <a:round/>
+                      <a:headEnd type="none" w="med" len="med"/>
+                      <a:tailEnd type="none" w="med" len="med"/>
+                    </a:lnR>
+                    <a:lnT w="28575" cap="flat" cmpd="sng" algn="ctr">
+                      <a:solidFill>
+                        <a:schemeClr val="accent2">
+                          <a:lumMod val="75000"/>
+                        </a:schemeClr>
+                      </a:solidFill>
+                      <a:prstDash val="solid"/>
+                      <a:round/>
+                      <a:headEnd type="none" w="med" len="med"/>
+                      <a:tailEnd type="none" w="med" len="med"/>
+                    </a:lnT>
+                    <a:lnB w="6350" cap="flat" cmpd="sng" algn="ctr">
+                      <a:solidFill>
+                        <a:schemeClr val="accent2">
+                          <a:lumMod val="60000"/>
+                          <a:lumOff val="40000"/>
+                        </a:schemeClr>
+                      </a:solidFill>
+                      <a:prstDash val="solid"/>
+                      <a:round/>
+                      <a:headEnd type="none" w="med" len="med"/>
+                      <a:tailEnd type="none" w="med" len="med"/>
+                    </a:lnB>
+                    <a:lnTlToBr w="12700" cmpd="sng">
+                      <a:noFill/>
+                      <a:prstDash val="solid"/>
+                    </a:lnTlToBr>
+                    <a:lnBlToTr w="12700" cmpd="sng">
+                      <a:noFill/>
+                      <a:prstDash val="solid"/>
+                    </a:lnBlToTr>
+                    <a:solidFill>
+                      <a:schemeClr val="bg1">
+                        <a:lumMod val="95000"/>
+                      </a:schemeClr>
+                    </a:solidFill>
+                  </a:tcPr>
+                </a:tc>
+                <a:extLst>
+                  <a:ext uri="{0D108BD9-81ED-4DB2-BD59-A6C34878D82A}">
+                    <a16:rowId xmlns:a16="http://schemas.microsoft.com/office/drawing/2014/main" val="2969617481"/>
+                  </a:ext>
+                </a:extLst>
+              </a:tr>
+              <a:tr h="403225">
+                <a:tc>
+                  <a:txBody>
+                    <a:bodyPr/>
+                    <a:lstStyle/>
+                    <a:p>
+                      <a:r>
+                        <a:rPr lang="de-DE" b="0" dirty="0"/>
+                        <a:t>Teiler</a:t>
+                      </a:r>
+                      <a:r>
+                        <a:rPr lang="de-DE" dirty="0"/>
+                        <a:t>: 1.5</a:t>
+                      </a:r>
+                    </a:p>
+                  </a:txBody>
+                  <a:tcPr anchor="ctr">
+                    <a:lnL w="28575" cap="flat" cmpd="sng" algn="ctr">
+                      <a:solidFill>
+                        <a:schemeClr val="accent2">
+                          <a:lumMod val="75000"/>
+                        </a:schemeClr>
+                      </a:solidFill>
+                      <a:prstDash val="solid"/>
+                      <a:round/>
+                      <a:headEnd type="none" w="med" len="med"/>
+                      <a:tailEnd type="none" w="med" len="med"/>
+                    </a:lnL>
+                    <a:lnR w="28575" cap="flat" cmpd="sng" algn="ctr">
+                      <a:solidFill>
+                        <a:schemeClr val="accent2">
+                          <a:lumMod val="75000"/>
+                        </a:schemeClr>
+                      </a:solidFill>
+                      <a:prstDash val="solid"/>
+                      <a:round/>
+                      <a:headEnd type="none" w="med" len="med"/>
+                      <a:tailEnd type="none" w="med" len="med"/>
+                    </a:lnR>
+                    <a:lnT w="12700" cmpd="sng">
+                      <a:noFill/>
+                    </a:lnT>
+                    <a:lnB w="12700" cmpd="sng">
+                      <a:noFill/>
+                    </a:lnB>
+                    <a:lnTlToBr w="12700" cmpd="sng">
+                      <a:noFill/>
+                      <a:prstDash val="solid"/>
+                    </a:lnTlToBr>
+                    <a:lnBlToTr w="12700" cmpd="sng">
+                      <a:noFill/>
+                      <a:prstDash val="solid"/>
+                    </a:lnBlToTr>
+                    <a:solidFill>
+                      <a:schemeClr val="accent2">
+                        <a:lumMod val="40000"/>
+                        <a:lumOff val="60000"/>
+                      </a:schemeClr>
+                    </a:solidFill>
+                  </a:tcPr>
+                </a:tc>
+                <a:tc>
+                  <a:txBody>
+                    <a:bodyPr/>
+                    <a:lstStyle/>
+                    <a:p>
+                      <a:pPr marL="0" algn="ctr" defTabSz="914400" rtl="0" eaLnBrk="1" fontAlgn="b" latinLnBrk="0" hangingPunct="1"/>
+                      <a:r>
+                        <a:rPr lang="de-DE" sz="1800" b="0" i="0" u="none" strike="noStrike" kern="1200" dirty="0">
+                          <a:solidFill>
+                            <a:schemeClr val="accent2">
+                              <a:lumMod val="50000"/>
+                            </a:schemeClr>
+                          </a:solidFill>
+                          <a:effectLst/>
+                          <a:latin typeface="Calibri" panose="020F0502020204030204" pitchFamily="34" charset="0"/>
+                          <a:ea typeface="Calibri" panose="020F0502020204030204" pitchFamily="34" charset="0"/>
+                          <a:cs typeface="Calibri" panose="020F0502020204030204" pitchFamily="34" charset="0"/>
+                        </a:rPr>
+                        <a:t>49.33</a:t>
+                      </a:r>
+                    </a:p>
+                  </a:txBody>
+                  <a:tcPr marL="6350" marR="6350" marT="6350" marB="0" anchor="ctr">
+                    <a:lnL w="28575" cap="flat" cmpd="sng" algn="ctr">
+                      <a:solidFill>
+                        <a:schemeClr val="accent2">
+                          <a:lumMod val="75000"/>
+                        </a:schemeClr>
+                      </a:solidFill>
+                      <a:prstDash val="solid"/>
+                      <a:round/>
+                      <a:headEnd type="none" w="med" len="med"/>
+                      <a:tailEnd type="none" w="med" len="med"/>
+                    </a:lnL>
+                    <a:lnR w="6350" cap="flat" cmpd="sng" algn="ctr">
+                      <a:solidFill>
+                        <a:schemeClr val="accent2">
+                          <a:lumMod val="60000"/>
+                          <a:lumOff val="40000"/>
+                        </a:schemeClr>
+                      </a:solidFill>
+                      <a:prstDash val="solid"/>
+                      <a:round/>
+                      <a:headEnd type="none" w="med" len="med"/>
+                      <a:tailEnd type="none" w="med" len="med"/>
+                    </a:lnR>
+                    <a:lnT w="6350" cap="flat" cmpd="sng" algn="ctr">
+                      <a:solidFill>
+                        <a:schemeClr val="accent2">
+                          <a:lumMod val="60000"/>
+                          <a:lumOff val="40000"/>
+                        </a:schemeClr>
+                      </a:solidFill>
+                      <a:prstDash val="solid"/>
+                      <a:round/>
+                      <a:headEnd type="none" w="med" len="med"/>
+                      <a:tailEnd type="none" w="med" len="med"/>
+                    </a:lnT>
+                    <a:lnB w="6350" cap="flat" cmpd="sng" algn="ctr">
+                      <a:solidFill>
+                        <a:schemeClr val="accent2">
+                          <a:lumMod val="60000"/>
+                          <a:lumOff val="40000"/>
+                        </a:schemeClr>
+                      </a:solidFill>
+                      <a:prstDash val="solid"/>
+                      <a:round/>
+                      <a:headEnd type="none" w="med" len="med"/>
+                      <a:tailEnd type="none" w="med" len="med"/>
+                    </a:lnB>
+                    <a:lnTlToBr w="12700" cmpd="sng">
+                      <a:noFill/>
+                      <a:prstDash val="solid"/>
+                    </a:lnTlToBr>
+                    <a:lnBlToTr w="12700" cmpd="sng">
+                      <a:noFill/>
+                      <a:prstDash val="solid"/>
+                    </a:lnBlToTr>
+                    <a:solidFill>
+                      <a:schemeClr val="bg1">
+                        <a:lumMod val="95000"/>
+                      </a:schemeClr>
+                    </a:solidFill>
+                  </a:tcPr>
+                </a:tc>
+                <a:tc>
+                  <a:txBody>
+                    <a:bodyPr/>
+                    <a:lstStyle/>
+                    <a:p>
+                      <a:pPr marL="0" algn="ctr" defTabSz="914400" rtl="0" eaLnBrk="1" fontAlgn="b" latinLnBrk="0" hangingPunct="1"/>
+                      <a:r>
+                        <a:rPr lang="de-DE" sz="1800" b="0" i="0" u="none" strike="noStrike" kern="1200" dirty="0">
+                          <a:solidFill>
+                            <a:schemeClr val="accent2">
+                              <a:lumMod val="50000"/>
+                            </a:schemeClr>
+                          </a:solidFill>
+                          <a:effectLst/>
+                          <a:latin typeface="Calibri" panose="020F0502020204030204" pitchFamily="34" charset="0"/>
+                          <a:ea typeface="Calibri" panose="020F0502020204030204" pitchFamily="34" charset="0"/>
+                          <a:cs typeface="Calibri" panose="020F0502020204030204" pitchFamily="34" charset="0"/>
+                        </a:rPr>
+                        <a:t>26.67</a:t>
+                      </a:r>
+                    </a:p>
+                  </a:txBody>
+                  <a:tcPr marL="6350" marR="6350" marT="6350" marB="0" anchor="ctr">
+                    <a:lnL w="6350" cap="flat" cmpd="sng" algn="ctr">
+                      <a:solidFill>
+                        <a:schemeClr val="accent2">
+                          <a:lumMod val="60000"/>
+                          <a:lumOff val="40000"/>
+                        </a:schemeClr>
+                      </a:solidFill>
+                      <a:prstDash val="solid"/>
+                      <a:round/>
+                      <a:headEnd type="none" w="med" len="med"/>
+                      <a:tailEnd type="none" w="med" len="med"/>
+                    </a:lnL>
+                    <a:lnR w="6350" cap="flat" cmpd="sng" algn="ctr">
+                      <a:solidFill>
+                        <a:schemeClr val="accent2">
+                          <a:lumMod val="60000"/>
+                          <a:lumOff val="40000"/>
+                        </a:schemeClr>
+                      </a:solidFill>
+                      <a:prstDash val="solid"/>
+                      <a:round/>
+                      <a:headEnd type="none" w="med" len="med"/>
+                      <a:tailEnd type="none" w="med" len="med"/>
+                    </a:lnR>
+                    <a:lnT w="6350" cap="flat" cmpd="sng" algn="ctr">
+                      <a:solidFill>
+                        <a:schemeClr val="accent2">
+                          <a:lumMod val="60000"/>
+                          <a:lumOff val="40000"/>
+                        </a:schemeClr>
+                      </a:solidFill>
+                      <a:prstDash val="solid"/>
+                      <a:round/>
+                      <a:headEnd type="none" w="med" len="med"/>
+                      <a:tailEnd type="none" w="med" len="med"/>
+                    </a:lnT>
+                    <a:lnB w="6350" cap="flat" cmpd="sng" algn="ctr">
+                      <a:solidFill>
+                        <a:schemeClr val="accent2">
+                          <a:lumMod val="60000"/>
+                          <a:lumOff val="40000"/>
+                        </a:schemeClr>
+                      </a:solidFill>
+                      <a:prstDash val="solid"/>
+                      <a:round/>
+                      <a:headEnd type="none" w="med" len="med"/>
+                      <a:tailEnd type="none" w="med" len="med"/>
+                    </a:lnB>
+                    <a:lnTlToBr w="12700" cmpd="sng">
+                      <a:noFill/>
+                      <a:prstDash val="solid"/>
+                    </a:lnTlToBr>
+                    <a:lnBlToTr w="12700" cmpd="sng">
+                      <a:noFill/>
+                      <a:prstDash val="solid"/>
+                    </a:lnBlToTr>
+                    <a:solidFill>
+                      <a:schemeClr val="bg1">
+                        <a:lumMod val="95000"/>
+                      </a:schemeClr>
+                    </a:solidFill>
+                  </a:tcPr>
+                </a:tc>
+                <a:tc>
+                  <a:txBody>
+                    <a:bodyPr/>
+                    <a:lstStyle/>
+                    <a:p>
+                      <a:pPr marL="0" algn="ctr" defTabSz="914400" rtl="0" eaLnBrk="1" fontAlgn="b" latinLnBrk="0" hangingPunct="1"/>
+                      <a:r>
+                        <a:rPr lang="de-DE" sz="1800" b="0" i="0" u="none" strike="noStrike" kern="1200">
+                          <a:solidFill>
+                            <a:schemeClr val="accent2">
+                              <a:lumMod val="50000"/>
+                            </a:schemeClr>
+                          </a:solidFill>
+                          <a:effectLst/>
+                          <a:latin typeface="Calibri" panose="020F0502020204030204" pitchFamily="34" charset="0"/>
+                          <a:ea typeface="Calibri" panose="020F0502020204030204" pitchFamily="34" charset="0"/>
+                          <a:cs typeface="Calibri" panose="020F0502020204030204" pitchFamily="34" charset="0"/>
+                        </a:rPr>
+                        <a:t>4</a:t>
+                      </a:r>
+                    </a:p>
+                  </a:txBody>
+                  <a:tcPr marL="6350" marR="6350" marT="6350" marB="0" anchor="ctr">
+                    <a:lnL w="6350" cap="flat" cmpd="sng" algn="ctr">
+                      <a:solidFill>
+                        <a:schemeClr val="accent2">
+                          <a:lumMod val="60000"/>
+                          <a:lumOff val="40000"/>
+                        </a:schemeClr>
+                      </a:solidFill>
+                      <a:prstDash val="solid"/>
+                      <a:round/>
+                      <a:headEnd type="none" w="med" len="med"/>
+                      <a:tailEnd type="none" w="med" len="med"/>
+                    </a:lnL>
+                    <a:lnR w="28575" cap="flat" cmpd="sng" algn="ctr">
+                      <a:solidFill>
+                        <a:schemeClr val="accent2">
+                          <a:lumMod val="75000"/>
+                        </a:schemeClr>
+                      </a:solidFill>
+                      <a:prstDash val="solid"/>
+                      <a:round/>
+                      <a:headEnd type="none" w="med" len="med"/>
+                      <a:tailEnd type="none" w="med" len="med"/>
+                    </a:lnR>
+                    <a:lnT w="6350" cap="flat" cmpd="sng" algn="ctr">
+                      <a:solidFill>
+                        <a:schemeClr val="accent2">
+                          <a:lumMod val="60000"/>
+                          <a:lumOff val="40000"/>
+                        </a:schemeClr>
+                      </a:solidFill>
+                      <a:prstDash val="solid"/>
+                      <a:round/>
+                      <a:headEnd type="none" w="med" len="med"/>
+                      <a:tailEnd type="none" w="med" len="med"/>
+                    </a:lnT>
+                    <a:lnB w="6350" cap="flat" cmpd="sng" algn="ctr">
+                      <a:solidFill>
+                        <a:schemeClr val="accent2">
+                          <a:lumMod val="60000"/>
+                          <a:lumOff val="40000"/>
+                        </a:schemeClr>
+                      </a:solidFill>
+                      <a:prstDash val="solid"/>
+                      <a:round/>
+                      <a:headEnd type="none" w="med" len="med"/>
+                      <a:tailEnd type="none" w="med" len="med"/>
+                    </a:lnB>
+                    <a:lnTlToBr w="12700" cmpd="sng">
+                      <a:noFill/>
+                      <a:prstDash val="solid"/>
+                    </a:lnTlToBr>
+                    <a:lnBlToTr w="12700" cmpd="sng">
+                      <a:noFill/>
+                      <a:prstDash val="solid"/>
+                    </a:lnBlToTr>
+                    <a:solidFill>
+                      <a:schemeClr val="bg1">
+                        <a:lumMod val="95000"/>
+                      </a:schemeClr>
+                    </a:solidFill>
+                  </a:tcPr>
+                </a:tc>
+                <a:extLst>
+                  <a:ext uri="{0D108BD9-81ED-4DB2-BD59-A6C34878D82A}">
+                    <a16:rowId xmlns:a16="http://schemas.microsoft.com/office/drawing/2014/main" val="852952321"/>
+                  </a:ext>
+                </a:extLst>
+              </a:tr>
+              <a:tr h="403225">
+                <a:tc>
+                  <a:txBody>
+                    <a:bodyPr/>
+                    <a:lstStyle/>
+                    <a:p>
+                      <a:r>
+                        <a:rPr lang="de-DE" b="0" dirty="0"/>
+                        <a:t>Teiler</a:t>
+                      </a:r>
+                      <a:r>
+                        <a:rPr lang="de-DE" dirty="0"/>
+                        <a:t>: 2.5</a:t>
+                      </a:r>
+                    </a:p>
+                  </a:txBody>
+                  <a:tcPr anchor="ctr">
+                    <a:lnL w="28575" cap="flat" cmpd="sng" algn="ctr">
+                      <a:solidFill>
+                        <a:schemeClr val="accent2">
+                          <a:lumMod val="75000"/>
+                        </a:schemeClr>
+                      </a:solidFill>
+                      <a:prstDash val="solid"/>
+                      <a:round/>
+                      <a:headEnd type="none" w="med" len="med"/>
+                      <a:tailEnd type="none" w="med" len="med"/>
+                    </a:lnL>
+                    <a:lnR w="28575" cap="flat" cmpd="sng" algn="ctr">
+                      <a:solidFill>
+                        <a:schemeClr val="accent2">
+                          <a:lumMod val="75000"/>
+                        </a:schemeClr>
+                      </a:solidFill>
+                      <a:prstDash val="solid"/>
+                      <a:round/>
+                      <a:headEnd type="none" w="med" len="med"/>
+                      <a:tailEnd type="none" w="med" len="med"/>
+                    </a:lnR>
+                    <a:lnT w="12700" cmpd="sng">
+                      <a:noFill/>
+                    </a:lnT>
+                    <a:lnB w="12700" cmpd="sng">
+                      <a:noFill/>
+                    </a:lnB>
+                    <a:lnTlToBr w="12700" cmpd="sng">
+                      <a:noFill/>
+                      <a:prstDash val="solid"/>
+                    </a:lnTlToBr>
+                    <a:lnBlToTr w="12700" cmpd="sng">
+                      <a:noFill/>
+                      <a:prstDash val="solid"/>
+                    </a:lnBlToTr>
+                    <a:solidFill>
+                      <a:schemeClr val="accent2">
+                        <a:lumMod val="40000"/>
+                        <a:lumOff val="60000"/>
+                      </a:schemeClr>
+                    </a:solidFill>
+                  </a:tcPr>
+                </a:tc>
+                <a:tc>
+                  <a:txBody>
+                    <a:bodyPr/>
+                    <a:lstStyle/>
+                    <a:p>
+                      <a:pPr marL="0" algn="ctr" defTabSz="914400" rtl="0" eaLnBrk="1" fontAlgn="b" latinLnBrk="0" hangingPunct="1"/>
+                      <a:r>
+                        <a:rPr lang="de-DE" sz="1800" b="0" i="0" u="none" strike="noStrike" kern="1200" dirty="0">
+                          <a:solidFill>
+                            <a:schemeClr val="accent2">
+                              <a:lumMod val="50000"/>
+                            </a:schemeClr>
+                          </a:solidFill>
+                          <a:effectLst/>
+                          <a:latin typeface="Calibri" panose="020F0502020204030204" pitchFamily="34" charset="0"/>
+                          <a:ea typeface="Calibri" panose="020F0502020204030204" pitchFamily="34" charset="0"/>
+                          <a:cs typeface="Calibri" panose="020F0502020204030204" pitchFamily="34" charset="0"/>
+                        </a:rPr>
+                        <a:t>29.6</a:t>
+                      </a:r>
+                    </a:p>
+                  </a:txBody>
+                  <a:tcPr marL="6350" marR="6350" marT="6350" marB="0" anchor="ctr">
+                    <a:lnL w="28575" cap="flat" cmpd="sng" algn="ctr">
+                      <a:solidFill>
+                        <a:schemeClr val="accent2">
+                          <a:lumMod val="75000"/>
+                        </a:schemeClr>
+                      </a:solidFill>
+                      <a:prstDash val="solid"/>
+                      <a:round/>
+                      <a:headEnd type="none" w="med" len="med"/>
+                      <a:tailEnd type="none" w="med" len="med"/>
+                    </a:lnL>
+                    <a:lnR w="6350" cap="flat" cmpd="sng" algn="ctr">
+                      <a:solidFill>
+                        <a:schemeClr val="accent2">
+                          <a:lumMod val="60000"/>
+                          <a:lumOff val="40000"/>
+                        </a:schemeClr>
+                      </a:solidFill>
+                      <a:prstDash val="solid"/>
+                      <a:round/>
+                      <a:headEnd type="none" w="med" len="med"/>
+                      <a:tailEnd type="none" w="med" len="med"/>
+                    </a:lnR>
+                    <a:lnT w="6350" cap="flat" cmpd="sng" algn="ctr">
+                      <a:solidFill>
+                        <a:schemeClr val="accent2">
+                          <a:lumMod val="60000"/>
+                          <a:lumOff val="40000"/>
+                        </a:schemeClr>
+                      </a:solidFill>
+                      <a:prstDash val="solid"/>
+                      <a:round/>
+                      <a:headEnd type="none" w="med" len="med"/>
+                      <a:tailEnd type="none" w="med" len="med"/>
+                    </a:lnT>
+                    <a:lnB w="6350" cap="flat" cmpd="sng" algn="ctr">
+                      <a:solidFill>
+                        <a:schemeClr val="accent2">
+                          <a:lumMod val="60000"/>
+                          <a:lumOff val="40000"/>
+                        </a:schemeClr>
+                      </a:solidFill>
+                      <a:prstDash val="solid"/>
+                      <a:round/>
+                      <a:headEnd type="none" w="med" len="med"/>
+                      <a:tailEnd type="none" w="med" len="med"/>
+                    </a:lnB>
+                    <a:lnTlToBr w="12700" cmpd="sng">
+                      <a:noFill/>
+                      <a:prstDash val="solid"/>
+                    </a:lnTlToBr>
+                    <a:lnBlToTr w="12700" cmpd="sng">
+                      <a:noFill/>
+                      <a:prstDash val="solid"/>
+                    </a:lnBlToTr>
+                    <a:solidFill>
+                      <a:schemeClr val="bg1">
+                        <a:lumMod val="95000"/>
+                      </a:schemeClr>
+                    </a:solidFill>
+                  </a:tcPr>
+                </a:tc>
+                <a:tc>
+                  <a:txBody>
+                    <a:bodyPr/>
+                    <a:lstStyle/>
+                    <a:p>
+                      <a:pPr marL="0" algn="ctr" defTabSz="914400" rtl="0" eaLnBrk="1" fontAlgn="b" latinLnBrk="0" hangingPunct="1"/>
+                      <a:r>
+                        <a:rPr lang="de-DE" sz="1800" b="0" i="0" u="none" strike="noStrike" kern="1200" dirty="0">
+                          <a:solidFill>
+                            <a:schemeClr val="accent2">
+                              <a:lumMod val="50000"/>
+                            </a:schemeClr>
+                          </a:solidFill>
+                          <a:effectLst/>
+                          <a:latin typeface="Calibri" panose="020F0502020204030204" pitchFamily="34" charset="0"/>
+                          <a:ea typeface="Calibri" panose="020F0502020204030204" pitchFamily="34" charset="0"/>
+                          <a:cs typeface="Calibri" panose="020F0502020204030204" pitchFamily="34" charset="0"/>
+                        </a:rPr>
+                        <a:t>16</a:t>
+                      </a:r>
+                    </a:p>
+                  </a:txBody>
+                  <a:tcPr marL="6350" marR="6350" marT="6350" marB="0" anchor="ctr">
+                    <a:lnL w="6350" cap="flat" cmpd="sng" algn="ctr">
+                      <a:solidFill>
+                        <a:schemeClr val="accent2">
+                          <a:lumMod val="60000"/>
+                          <a:lumOff val="40000"/>
+                        </a:schemeClr>
+                      </a:solidFill>
+                      <a:prstDash val="solid"/>
+                      <a:round/>
+                      <a:headEnd type="none" w="med" len="med"/>
+                      <a:tailEnd type="none" w="med" len="med"/>
+                    </a:lnL>
+                    <a:lnR w="6350" cap="flat" cmpd="sng" algn="ctr">
+                      <a:solidFill>
+                        <a:schemeClr val="accent2">
+                          <a:lumMod val="60000"/>
+                          <a:lumOff val="40000"/>
+                        </a:schemeClr>
+                      </a:solidFill>
+                      <a:prstDash val="solid"/>
+                      <a:round/>
+                      <a:headEnd type="none" w="med" len="med"/>
+                      <a:tailEnd type="none" w="med" len="med"/>
+                    </a:lnR>
+                    <a:lnT w="6350" cap="flat" cmpd="sng" algn="ctr">
+                      <a:solidFill>
+                        <a:schemeClr val="accent2">
+                          <a:lumMod val="60000"/>
+                          <a:lumOff val="40000"/>
+                        </a:schemeClr>
+                      </a:solidFill>
+                      <a:prstDash val="solid"/>
+                      <a:round/>
+                      <a:headEnd type="none" w="med" len="med"/>
+                      <a:tailEnd type="none" w="med" len="med"/>
+                    </a:lnT>
+                    <a:lnB w="6350" cap="flat" cmpd="sng" algn="ctr">
+                      <a:solidFill>
+                        <a:schemeClr val="accent2">
+                          <a:lumMod val="60000"/>
+                          <a:lumOff val="40000"/>
+                        </a:schemeClr>
+                      </a:solidFill>
+                      <a:prstDash val="solid"/>
+                      <a:round/>
+                      <a:headEnd type="none" w="med" len="med"/>
+                      <a:tailEnd type="none" w="med" len="med"/>
+                    </a:lnB>
+                    <a:lnTlToBr w="12700" cmpd="sng">
+                      <a:noFill/>
+                      <a:prstDash val="solid"/>
+                    </a:lnTlToBr>
+                    <a:lnBlToTr w="12700" cmpd="sng">
+                      <a:noFill/>
+                      <a:prstDash val="solid"/>
+                    </a:lnBlToTr>
+                    <a:solidFill>
+                      <a:schemeClr val="bg1">
+                        <a:lumMod val="95000"/>
+                      </a:schemeClr>
+                    </a:solidFill>
+                  </a:tcPr>
+                </a:tc>
+                <a:tc>
+                  <a:txBody>
+                    <a:bodyPr/>
+                    <a:lstStyle/>
+                    <a:p>
+                      <a:pPr marL="0" algn="ctr" defTabSz="914400" rtl="0" eaLnBrk="1" fontAlgn="b" latinLnBrk="0" hangingPunct="1"/>
+                      <a:r>
+                        <a:rPr lang="de-DE" sz="1800" b="0" i="0" u="none" strike="noStrike" kern="1200">
+                          <a:solidFill>
+                            <a:schemeClr val="accent2">
+                              <a:lumMod val="50000"/>
+                            </a:schemeClr>
+                          </a:solidFill>
+                          <a:effectLst/>
+                          <a:latin typeface="Calibri" panose="020F0502020204030204" pitchFamily="34" charset="0"/>
+                          <a:ea typeface="Calibri" panose="020F0502020204030204" pitchFamily="34" charset="0"/>
+                          <a:cs typeface="Calibri" panose="020F0502020204030204" pitchFamily="34" charset="0"/>
+                        </a:rPr>
+                        <a:t>2.4</a:t>
+                      </a:r>
+                    </a:p>
+                  </a:txBody>
+                  <a:tcPr marL="6350" marR="6350" marT="6350" marB="0" anchor="ctr">
+                    <a:lnL w="6350" cap="flat" cmpd="sng" algn="ctr">
+                      <a:solidFill>
+                        <a:schemeClr val="accent2">
+                          <a:lumMod val="60000"/>
+                          <a:lumOff val="40000"/>
+                        </a:schemeClr>
+                      </a:solidFill>
+                      <a:prstDash val="solid"/>
+                      <a:round/>
+                      <a:headEnd type="none" w="med" len="med"/>
+                      <a:tailEnd type="none" w="med" len="med"/>
+                    </a:lnL>
+                    <a:lnR w="28575" cap="flat" cmpd="sng" algn="ctr">
+                      <a:solidFill>
+                        <a:schemeClr val="accent2">
+                          <a:lumMod val="75000"/>
+                        </a:schemeClr>
+                      </a:solidFill>
+                      <a:prstDash val="solid"/>
+                      <a:round/>
+                      <a:headEnd type="none" w="med" len="med"/>
+                      <a:tailEnd type="none" w="med" len="med"/>
+                    </a:lnR>
+                    <a:lnT w="6350" cap="flat" cmpd="sng" algn="ctr">
+                      <a:solidFill>
+                        <a:schemeClr val="accent2">
+                          <a:lumMod val="60000"/>
+                          <a:lumOff val="40000"/>
+                        </a:schemeClr>
+                      </a:solidFill>
+                      <a:prstDash val="solid"/>
+                      <a:round/>
+                      <a:headEnd type="none" w="med" len="med"/>
+                      <a:tailEnd type="none" w="med" len="med"/>
+                    </a:lnT>
+                    <a:lnB w="6350" cap="flat" cmpd="sng" algn="ctr">
+                      <a:solidFill>
+                        <a:schemeClr val="accent2">
+                          <a:lumMod val="60000"/>
+                          <a:lumOff val="40000"/>
+                        </a:schemeClr>
+                      </a:solidFill>
+                      <a:prstDash val="solid"/>
+                      <a:round/>
+                      <a:headEnd type="none" w="med" len="med"/>
+                      <a:tailEnd type="none" w="med" len="med"/>
+                    </a:lnB>
+                    <a:lnTlToBr w="12700" cmpd="sng">
+                      <a:noFill/>
+                      <a:prstDash val="solid"/>
+                    </a:lnTlToBr>
+                    <a:lnBlToTr w="12700" cmpd="sng">
+                      <a:noFill/>
+                      <a:prstDash val="solid"/>
+                    </a:lnBlToTr>
+                    <a:solidFill>
+                      <a:schemeClr val="bg1">
+                        <a:lumMod val="95000"/>
+                      </a:schemeClr>
+                    </a:solidFill>
+                  </a:tcPr>
+                </a:tc>
+                <a:extLst>
+                  <a:ext uri="{0D108BD9-81ED-4DB2-BD59-A6C34878D82A}">
+                    <a16:rowId xmlns:a16="http://schemas.microsoft.com/office/drawing/2014/main" val="87273936"/>
+                  </a:ext>
+                </a:extLst>
+              </a:tr>
+              <a:tr h="403225">
+                <a:tc>
+                  <a:txBody>
+                    <a:bodyPr/>
+                    <a:lstStyle/>
+                    <a:p>
+                      <a:r>
+                        <a:rPr lang="de-DE" b="0" dirty="0"/>
+                        <a:t>Teiler</a:t>
+                      </a:r>
+                      <a:r>
+                        <a:rPr lang="de-DE" dirty="0"/>
+                        <a:t>: 3.5</a:t>
+                      </a:r>
+                    </a:p>
+                  </a:txBody>
+                  <a:tcPr anchor="ctr">
+                    <a:lnL w="28575" cap="flat" cmpd="sng" algn="ctr">
+                      <a:solidFill>
+                        <a:schemeClr val="accent2">
+                          <a:lumMod val="75000"/>
+                        </a:schemeClr>
+                      </a:solidFill>
+                      <a:prstDash val="solid"/>
+                      <a:round/>
+                      <a:headEnd type="none" w="med" len="med"/>
+                      <a:tailEnd type="none" w="med" len="med"/>
+                    </a:lnL>
+                    <a:lnR w="28575" cap="flat" cmpd="sng" algn="ctr">
+                      <a:solidFill>
+                        <a:schemeClr val="accent2">
+                          <a:lumMod val="75000"/>
+                        </a:schemeClr>
+                      </a:solidFill>
+                      <a:prstDash val="solid"/>
+                      <a:round/>
+                      <a:headEnd type="none" w="med" len="med"/>
+                      <a:tailEnd type="none" w="med" len="med"/>
+                    </a:lnR>
+                    <a:lnT w="12700" cmpd="sng">
+                      <a:noFill/>
+                    </a:lnT>
+                    <a:lnB w="12700" cmpd="sng">
+                      <a:noFill/>
+                    </a:lnB>
+                    <a:lnTlToBr w="12700" cmpd="sng">
+                      <a:noFill/>
+                      <a:prstDash val="solid"/>
+                    </a:lnTlToBr>
+                    <a:lnBlToTr w="12700" cmpd="sng">
+                      <a:noFill/>
+                      <a:prstDash val="solid"/>
+                    </a:lnBlToTr>
+                    <a:solidFill>
+                      <a:schemeClr val="accent2">
+                        <a:lumMod val="40000"/>
+                        <a:lumOff val="60000"/>
+                      </a:schemeClr>
+                    </a:solidFill>
+                  </a:tcPr>
+                </a:tc>
+                <a:tc>
+                  <a:txBody>
+                    <a:bodyPr/>
+                    <a:lstStyle/>
+                    <a:p>
+                      <a:pPr marL="0" algn="ctr" defTabSz="914400" rtl="0" eaLnBrk="1" fontAlgn="b" latinLnBrk="0" hangingPunct="1"/>
+                      <a:r>
+                        <a:rPr lang="de-DE" sz="1800" b="0" i="0" u="none" strike="noStrike" kern="1200" dirty="0">
+                          <a:solidFill>
+                            <a:schemeClr val="accent2">
+                              <a:lumMod val="50000"/>
+                            </a:schemeClr>
+                          </a:solidFill>
+                          <a:effectLst/>
+                          <a:latin typeface="Calibri" panose="020F0502020204030204" pitchFamily="34" charset="0"/>
+                          <a:ea typeface="Calibri" panose="020F0502020204030204" pitchFamily="34" charset="0"/>
+                          <a:cs typeface="Calibri" panose="020F0502020204030204" pitchFamily="34" charset="0"/>
+                        </a:rPr>
+                        <a:t>21.14</a:t>
+                      </a:r>
+                    </a:p>
+                  </a:txBody>
+                  <a:tcPr marL="6350" marR="6350" marT="6350" marB="0" anchor="ctr">
+                    <a:lnL w="28575" cap="flat" cmpd="sng" algn="ctr">
+                      <a:solidFill>
+                        <a:schemeClr val="accent2">
+                          <a:lumMod val="75000"/>
+                        </a:schemeClr>
+                      </a:solidFill>
+                      <a:prstDash val="solid"/>
+                      <a:round/>
+                      <a:headEnd type="none" w="med" len="med"/>
+                      <a:tailEnd type="none" w="med" len="med"/>
+                    </a:lnL>
+                    <a:lnR w="6350" cap="flat" cmpd="sng" algn="ctr">
+                      <a:solidFill>
+                        <a:schemeClr val="accent2">
+                          <a:lumMod val="60000"/>
+                          <a:lumOff val="40000"/>
+                        </a:schemeClr>
+                      </a:solidFill>
+                      <a:prstDash val="solid"/>
+                      <a:round/>
+                      <a:headEnd type="none" w="med" len="med"/>
+                      <a:tailEnd type="none" w="med" len="med"/>
+                    </a:lnR>
+                    <a:lnT w="6350" cap="flat" cmpd="sng" algn="ctr">
+                      <a:solidFill>
+                        <a:schemeClr val="accent2">
+                          <a:lumMod val="60000"/>
+                          <a:lumOff val="40000"/>
+                        </a:schemeClr>
+                      </a:solidFill>
+                      <a:prstDash val="solid"/>
+                      <a:round/>
+                      <a:headEnd type="none" w="med" len="med"/>
+                      <a:tailEnd type="none" w="med" len="med"/>
+                    </a:lnT>
+                    <a:lnB w="6350" cap="flat" cmpd="sng" algn="ctr">
+                      <a:solidFill>
+                        <a:schemeClr val="accent2">
+                          <a:lumMod val="60000"/>
+                          <a:lumOff val="40000"/>
+                        </a:schemeClr>
+                      </a:solidFill>
+                      <a:prstDash val="solid"/>
+                      <a:round/>
+                      <a:headEnd type="none" w="med" len="med"/>
+                      <a:tailEnd type="none" w="med" len="med"/>
+                    </a:lnB>
+                    <a:lnTlToBr w="12700" cmpd="sng">
+                      <a:noFill/>
+                      <a:prstDash val="solid"/>
+                    </a:lnTlToBr>
+                    <a:lnBlToTr w="12700" cmpd="sng">
+                      <a:noFill/>
+                      <a:prstDash val="solid"/>
+                    </a:lnBlToTr>
+                    <a:solidFill>
+                      <a:schemeClr val="bg1">
+                        <a:lumMod val="95000"/>
+                      </a:schemeClr>
+                    </a:solidFill>
+                  </a:tcPr>
+                </a:tc>
+                <a:tc>
+                  <a:txBody>
+                    <a:bodyPr/>
+                    <a:lstStyle/>
+                    <a:p>
+                      <a:pPr marL="0" algn="ctr" defTabSz="914400" rtl="0" eaLnBrk="1" fontAlgn="b" latinLnBrk="0" hangingPunct="1"/>
+                      <a:r>
+                        <a:rPr lang="de-DE" sz="1800" b="0" i="0" u="none" strike="noStrike" kern="1200" dirty="0">
+                          <a:solidFill>
+                            <a:schemeClr val="accent2">
+                              <a:lumMod val="50000"/>
+                            </a:schemeClr>
+                          </a:solidFill>
+                          <a:effectLst/>
+                          <a:latin typeface="Calibri" panose="020F0502020204030204" pitchFamily="34" charset="0"/>
+                          <a:ea typeface="Calibri" panose="020F0502020204030204" pitchFamily="34" charset="0"/>
+                          <a:cs typeface="Calibri" panose="020F0502020204030204" pitchFamily="34" charset="0"/>
+                        </a:rPr>
+                        <a:t>11.43</a:t>
+                      </a:r>
+                    </a:p>
+                  </a:txBody>
+                  <a:tcPr marL="6350" marR="6350" marT="6350" marB="0" anchor="ctr">
+                    <a:lnL w="6350" cap="flat" cmpd="sng" algn="ctr">
+                      <a:solidFill>
+                        <a:schemeClr val="accent2">
+                          <a:lumMod val="60000"/>
+                          <a:lumOff val="40000"/>
+                        </a:schemeClr>
+                      </a:solidFill>
+                      <a:prstDash val="solid"/>
+                      <a:round/>
+                      <a:headEnd type="none" w="med" len="med"/>
+                      <a:tailEnd type="none" w="med" len="med"/>
+                    </a:lnL>
+                    <a:lnR w="6350" cap="flat" cmpd="sng" algn="ctr">
+                      <a:solidFill>
+                        <a:schemeClr val="accent2">
+                          <a:lumMod val="60000"/>
+                          <a:lumOff val="40000"/>
+                        </a:schemeClr>
+                      </a:solidFill>
+                      <a:prstDash val="solid"/>
+                      <a:round/>
+                      <a:headEnd type="none" w="med" len="med"/>
+                      <a:tailEnd type="none" w="med" len="med"/>
+                    </a:lnR>
+                    <a:lnT w="6350" cap="flat" cmpd="sng" algn="ctr">
+                      <a:solidFill>
+                        <a:schemeClr val="accent2">
+                          <a:lumMod val="60000"/>
+                          <a:lumOff val="40000"/>
+                        </a:schemeClr>
+                      </a:solidFill>
+                      <a:prstDash val="solid"/>
+                      <a:round/>
+                      <a:headEnd type="none" w="med" len="med"/>
+                      <a:tailEnd type="none" w="med" len="med"/>
+                    </a:lnT>
+                    <a:lnB w="6350" cap="flat" cmpd="sng" algn="ctr">
+                      <a:solidFill>
+                        <a:schemeClr val="accent2">
+                          <a:lumMod val="60000"/>
+                          <a:lumOff val="40000"/>
+                        </a:schemeClr>
+                      </a:solidFill>
+                      <a:prstDash val="solid"/>
+                      <a:round/>
+                      <a:headEnd type="none" w="med" len="med"/>
+                      <a:tailEnd type="none" w="med" len="med"/>
+                    </a:lnB>
+                    <a:lnTlToBr w="12700" cmpd="sng">
+                      <a:noFill/>
+                      <a:prstDash val="solid"/>
+                    </a:lnTlToBr>
+                    <a:lnBlToTr w="12700" cmpd="sng">
+                      <a:noFill/>
+                      <a:prstDash val="solid"/>
+                    </a:lnBlToTr>
+                    <a:solidFill>
+                      <a:schemeClr val="bg1">
+                        <a:lumMod val="95000"/>
+                      </a:schemeClr>
+                    </a:solidFill>
+                  </a:tcPr>
+                </a:tc>
+                <a:tc>
+                  <a:txBody>
+                    <a:bodyPr/>
+                    <a:lstStyle/>
+                    <a:p>
+                      <a:pPr marL="0" algn="ctr" defTabSz="914400" rtl="0" eaLnBrk="1" fontAlgn="b" latinLnBrk="0" hangingPunct="1"/>
+                      <a:r>
+                        <a:rPr lang="de-DE" sz="1800" b="0" i="0" u="none" strike="noStrike" kern="1200" dirty="0">
+                          <a:solidFill>
+                            <a:schemeClr val="accent2">
+                              <a:lumMod val="50000"/>
+                            </a:schemeClr>
+                          </a:solidFill>
+                          <a:effectLst/>
+                          <a:latin typeface="Calibri" panose="020F0502020204030204" pitchFamily="34" charset="0"/>
+                          <a:ea typeface="Calibri" panose="020F0502020204030204" pitchFamily="34" charset="0"/>
+                          <a:cs typeface="Calibri" panose="020F0502020204030204" pitchFamily="34" charset="0"/>
+                        </a:rPr>
+                        <a:t>1.71</a:t>
+                      </a:r>
+                    </a:p>
+                  </a:txBody>
+                  <a:tcPr marL="6350" marR="6350" marT="6350" marB="0" anchor="ctr">
+                    <a:lnL w="6350" cap="flat" cmpd="sng" algn="ctr">
+                      <a:solidFill>
+                        <a:schemeClr val="accent2">
+                          <a:lumMod val="60000"/>
+                          <a:lumOff val="40000"/>
+                        </a:schemeClr>
+                      </a:solidFill>
+                      <a:prstDash val="solid"/>
+                      <a:round/>
+                      <a:headEnd type="none" w="med" len="med"/>
+                      <a:tailEnd type="none" w="med" len="med"/>
+                    </a:lnL>
+                    <a:lnR w="28575" cap="flat" cmpd="sng" algn="ctr">
+                      <a:solidFill>
+                        <a:schemeClr val="accent2">
+                          <a:lumMod val="75000"/>
+                        </a:schemeClr>
+                      </a:solidFill>
+                      <a:prstDash val="solid"/>
+                      <a:round/>
+                      <a:headEnd type="none" w="med" len="med"/>
+                      <a:tailEnd type="none" w="med" len="med"/>
+                    </a:lnR>
+                    <a:lnT w="6350" cap="flat" cmpd="sng" algn="ctr">
+                      <a:solidFill>
+                        <a:schemeClr val="accent2">
+                          <a:lumMod val="60000"/>
+                          <a:lumOff val="40000"/>
+                        </a:schemeClr>
+                      </a:solidFill>
+                      <a:prstDash val="solid"/>
+                      <a:round/>
+                      <a:headEnd type="none" w="med" len="med"/>
+                      <a:tailEnd type="none" w="med" len="med"/>
+                    </a:lnT>
+                    <a:lnB w="6350" cap="flat" cmpd="sng" algn="ctr">
+                      <a:solidFill>
+                        <a:schemeClr val="accent2">
+                          <a:lumMod val="60000"/>
+                          <a:lumOff val="40000"/>
+                        </a:schemeClr>
+                      </a:solidFill>
+                      <a:prstDash val="solid"/>
+                      <a:round/>
+                      <a:headEnd type="none" w="med" len="med"/>
+                      <a:tailEnd type="none" w="med" len="med"/>
+                    </a:lnB>
+                    <a:lnTlToBr w="12700" cmpd="sng">
+                      <a:noFill/>
+                      <a:prstDash val="solid"/>
+                    </a:lnTlToBr>
+                    <a:lnBlToTr w="12700" cmpd="sng">
+                      <a:noFill/>
+                      <a:prstDash val="solid"/>
+                    </a:lnBlToTr>
+                    <a:solidFill>
+                      <a:schemeClr val="bg1">
+                        <a:lumMod val="95000"/>
+                      </a:schemeClr>
+                    </a:solidFill>
+                  </a:tcPr>
+                </a:tc>
+                <a:extLst>
+                  <a:ext uri="{0D108BD9-81ED-4DB2-BD59-A6C34878D82A}">
+                    <a16:rowId xmlns:a16="http://schemas.microsoft.com/office/drawing/2014/main" val="603571528"/>
+                  </a:ext>
+                </a:extLst>
+              </a:tr>
+              <a:tr h="403225">
+                <a:tc>
+                  <a:txBody>
+                    <a:bodyPr/>
+                    <a:lstStyle/>
+                    <a:p>
+                      <a:r>
+                        <a:rPr lang="de-DE" b="0" dirty="0"/>
+                        <a:t>Teiler</a:t>
+                      </a:r>
+                      <a:r>
+                        <a:rPr lang="de-DE" dirty="0"/>
+                        <a:t>: 4.5</a:t>
+                      </a:r>
+                    </a:p>
+                  </a:txBody>
+                  <a:tcPr anchor="ctr">
+                    <a:lnL w="28575" cap="flat" cmpd="sng" algn="ctr">
+                      <a:solidFill>
+                        <a:schemeClr val="accent2">
+                          <a:lumMod val="75000"/>
+                        </a:schemeClr>
+                      </a:solidFill>
+                      <a:prstDash val="solid"/>
+                      <a:round/>
+                      <a:headEnd type="none" w="med" len="med"/>
+                      <a:tailEnd type="none" w="med" len="med"/>
+                    </a:lnL>
+                    <a:lnR w="28575" cap="flat" cmpd="sng" algn="ctr">
+                      <a:solidFill>
+                        <a:schemeClr val="accent2">
+                          <a:lumMod val="75000"/>
+                        </a:schemeClr>
+                      </a:solidFill>
+                      <a:prstDash val="solid"/>
+                      <a:round/>
+                      <a:headEnd type="none" w="med" len="med"/>
+                      <a:tailEnd type="none" w="med" len="med"/>
+                    </a:lnR>
+                    <a:lnT w="12700" cmpd="sng">
+                      <a:noFill/>
+                    </a:lnT>
+                    <a:lnB w="12700" cmpd="sng">
+                      <a:noFill/>
+                    </a:lnB>
+                    <a:lnTlToBr w="12700" cmpd="sng">
+                      <a:noFill/>
+                      <a:prstDash val="solid"/>
+                    </a:lnTlToBr>
+                    <a:lnBlToTr w="12700" cmpd="sng">
+                      <a:noFill/>
+                      <a:prstDash val="solid"/>
+                    </a:lnBlToTr>
+                    <a:solidFill>
+                      <a:schemeClr val="accent2">
+                        <a:lumMod val="40000"/>
+                        <a:lumOff val="60000"/>
+                      </a:schemeClr>
+                    </a:solidFill>
+                  </a:tcPr>
+                </a:tc>
+                <a:tc>
+                  <a:txBody>
+                    <a:bodyPr/>
+                    <a:lstStyle/>
+                    <a:p>
+                      <a:pPr marL="0" algn="ctr" defTabSz="914400" rtl="0" eaLnBrk="1" fontAlgn="b" latinLnBrk="0" hangingPunct="1"/>
+                      <a:r>
+                        <a:rPr lang="de-DE" sz="1800" b="0" i="0" u="none" strike="noStrike" kern="1200" dirty="0">
+                          <a:solidFill>
+                            <a:schemeClr val="accent2">
+                              <a:lumMod val="50000"/>
+                            </a:schemeClr>
+                          </a:solidFill>
+                          <a:effectLst/>
+                          <a:latin typeface="Calibri" panose="020F0502020204030204" pitchFamily="34" charset="0"/>
+                          <a:ea typeface="Calibri" panose="020F0502020204030204" pitchFamily="34" charset="0"/>
+                          <a:cs typeface="Calibri" panose="020F0502020204030204" pitchFamily="34" charset="0"/>
+                        </a:rPr>
+                        <a:t>16.44</a:t>
+                      </a:r>
+                    </a:p>
+                  </a:txBody>
+                  <a:tcPr marL="6350" marR="6350" marT="6350" marB="0" anchor="ctr">
+                    <a:lnL w="28575" cap="flat" cmpd="sng" algn="ctr">
+                      <a:solidFill>
+                        <a:schemeClr val="accent2">
+                          <a:lumMod val="75000"/>
+                        </a:schemeClr>
+                      </a:solidFill>
+                      <a:prstDash val="solid"/>
+                      <a:round/>
+                      <a:headEnd type="none" w="med" len="med"/>
+                      <a:tailEnd type="none" w="med" len="med"/>
+                    </a:lnL>
+                    <a:lnR w="6350" cap="flat" cmpd="sng" algn="ctr">
+                      <a:solidFill>
+                        <a:schemeClr val="accent2">
+                          <a:lumMod val="60000"/>
+                          <a:lumOff val="40000"/>
+                        </a:schemeClr>
+                      </a:solidFill>
+                      <a:prstDash val="solid"/>
+                      <a:round/>
+                      <a:headEnd type="none" w="med" len="med"/>
+                      <a:tailEnd type="none" w="med" len="med"/>
+                    </a:lnR>
+                    <a:lnT w="6350" cap="flat" cmpd="sng" algn="ctr">
+                      <a:solidFill>
+                        <a:schemeClr val="accent2">
+                          <a:lumMod val="60000"/>
+                          <a:lumOff val="40000"/>
+                        </a:schemeClr>
+                      </a:solidFill>
+                      <a:prstDash val="solid"/>
+                      <a:round/>
+                      <a:headEnd type="none" w="med" len="med"/>
+                      <a:tailEnd type="none" w="med" len="med"/>
+                    </a:lnT>
+                    <a:lnB w="6350" cap="flat" cmpd="sng" algn="ctr">
+                      <a:solidFill>
+                        <a:schemeClr val="accent2">
+                          <a:lumMod val="60000"/>
+                          <a:lumOff val="40000"/>
+                        </a:schemeClr>
+                      </a:solidFill>
+                      <a:prstDash val="solid"/>
+                      <a:round/>
+                      <a:headEnd type="none" w="med" len="med"/>
+                      <a:tailEnd type="none" w="med" len="med"/>
+                    </a:lnB>
+                    <a:lnTlToBr w="12700" cmpd="sng">
+                      <a:noFill/>
+                      <a:prstDash val="solid"/>
+                    </a:lnTlToBr>
+                    <a:lnBlToTr w="12700" cmpd="sng">
+                      <a:noFill/>
+                      <a:prstDash val="solid"/>
+                    </a:lnBlToTr>
+                    <a:solidFill>
+                      <a:schemeClr val="bg1">
+                        <a:lumMod val="95000"/>
+                      </a:schemeClr>
+                    </a:solidFill>
+                  </a:tcPr>
+                </a:tc>
+                <a:tc>
+                  <a:txBody>
+                    <a:bodyPr/>
+                    <a:lstStyle/>
+                    <a:p>
+                      <a:pPr marL="0" algn="ctr" defTabSz="914400" rtl="0" eaLnBrk="1" fontAlgn="b" latinLnBrk="0" hangingPunct="1"/>
+                      <a:r>
+                        <a:rPr lang="de-DE" sz="1800" b="0" i="0" u="none" strike="noStrike" kern="1200" dirty="0">
+                          <a:solidFill>
+                            <a:schemeClr val="accent2">
+                              <a:lumMod val="50000"/>
+                            </a:schemeClr>
+                          </a:solidFill>
+                          <a:effectLst/>
+                          <a:latin typeface="Calibri" panose="020F0502020204030204" pitchFamily="34" charset="0"/>
+                          <a:ea typeface="Calibri" panose="020F0502020204030204" pitchFamily="34" charset="0"/>
+                          <a:cs typeface="Calibri" panose="020F0502020204030204" pitchFamily="34" charset="0"/>
+                        </a:rPr>
+                        <a:t>8.89</a:t>
+                      </a:r>
+                    </a:p>
+                  </a:txBody>
+                  <a:tcPr marL="6350" marR="6350" marT="6350" marB="0" anchor="ctr">
+                    <a:lnL w="6350" cap="flat" cmpd="sng" algn="ctr">
+                      <a:solidFill>
+                        <a:schemeClr val="accent2">
+                          <a:lumMod val="60000"/>
+                          <a:lumOff val="40000"/>
+                        </a:schemeClr>
+                      </a:solidFill>
+                      <a:prstDash val="solid"/>
+                      <a:round/>
+                      <a:headEnd type="none" w="med" len="med"/>
+                      <a:tailEnd type="none" w="med" len="med"/>
+                    </a:lnL>
+                    <a:lnR w="6350" cap="flat" cmpd="sng" algn="ctr">
+                      <a:solidFill>
+                        <a:schemeClr val="accent2">
+                          <a:lumMod val="60000"/>
+                          <a:lumOff val="40000"/>
+                        </a:schemeClr>
+                      </a:solidFill>
+                      <a:prstDash val="solid"/>
+                      <a:round/>
+                      <a:headEnd type="none" w="med" len="med"/>
+                      <a:tailEnd type="none" w="med" len="med"/>
+                    </a:lnR>
+                    <a:lnT w="6350" cap="flat" cmpd="sng" algn="ctr">
+                      <a:solidFill>
+                        <a:schemeClr val="accent2">
+                          <a:lumMod val="60000"/>
+                          <a:lumOff val="40000"/>
+                        </a:schemeClr>
+                      </a:solidFill>
+                      <a:prstDash val="solid"/>
+                      <a:round/>
+                      <a:headEnd type="none" w="med" len="med"/>
+                      <a:tailEnd type="none" w="med" len="med"/>
+                    </a:lnT>
+                    <a:lnB w="6350" cap="flat" cmpd="sng" algn="ctr">
+                      <a:solidFill>
+                        <a:schemeClr val="accent2">
+                          <a:lumMod val="60000"/>
+                          <a:lumOff val="40000"/>
+                        </a:schemeClr>
+                      </a:solidFill>
+                      <a:prstDash val="solid"/>
+                      <a:round/>
+                      <a:headEnd type="none" w="med" len="med"/>
+                      <a:tailEnd type="none" w="med" len="med"/>
+                    </a:lnB>
+                    <a:lnTlToBr w="12700" cmpd="sng">
+                      <a:noFill/>
+                      <a:prstDash val="solid"/>
+                    </a:lnTlToBr>
+                    <a:lnBlToTr w="12700" cmpd="sng">
+                      <a:noFill/>
+                      <a:prstDash val="solid"/>
+                    </a:lnBlToTr>
+                    <a:solidFill>
+                      <a:schemeClr val="bg1">
+                        <a:lumMod val="95000"/>
+                      </a:schemeClr>
+                    </a:solidFill>
+                  </a:tcPr>
+                </a:tc>
+                <a:tc>
+                  <a:txBody>
+                    <a:bodyPr/>
+                    <a:lstStyle/>
+                    <a:p>
+                      <a:pPr marL="0" algn="ctr" defTabSz="914400" rtl="0" eaLnBrk="1" fontAlgn="b" latinLnBrk="0" hangingPunct="1"/>
+                      <a:r>
+                        <a:rPr lang="de-DE" sz="1800" b="0" i="0" u="none" strike="noStrike" kern="1200" dirty="0">
+                          <a:solidFill>
+                            <a:schemeClr val="accent2">
+                              <a:lumMod val="50000"/>
+                            </a:schemeClr>
+                          </a:solidFill>
+                          <a:effectLst/>
+                          <a:latin typeface="Calibri" panose="020F0502020204030204" pitchFamily="34" charset="0"/>
+                          <a:ea typeface="Calibri" panose="020F0502020204030204" pitchFamily="34" charset="0"/>
+                          <a:cs typeface="Calibri" panose="020F0502020204030204" pitchFamily="34" charset="0"/>
+                        </a:rPr>
+                        <a:t>1.33</a:t>
+                      </a:r>
+                    </a:p>
+                  </a:txBody>
+                  <a:tcPr marL="6350" marR="6350" marT="6350" marB="0" anchor="ctr">
+                    <a:lnL w="6350" cap="flat" cmpd="sng" algn="ctr">
+                      <a:solidFill>
+                        <a:schemeClr val="accent2">
+                          <a:lumMod val="60000"/>
+                          <a:lumOff val="40000"/>
+                        </a:schemeClr>
+                      </a:solidFill>
+                      <a:prstDash val="solid"/>
+                      <a:round/>
+                      <a:headEnd type="none" w="med" len="med"/>
+                      <a:tailEnd type="none" w="med" len="med"/>
+                    </a:lnL>
+                    <a:lnR w="28575" cap="flat" cmpd="sng" algn="ctr">
+                      <a:solidFill>
+                        <a:schemeClr val="accent2">
+                          <a:lumMod val="75000"/>
+                        </a:schemeClr>
+                      </a:solidFill>
+                      <a:prstDash val="solid"/>
+                      <a:round/>
+                      <a:headEnd type="none" w="med" len="med"/>
+                      <a:tailEnd type="none" w="med" len="med"/>
+                    </a:lnR>
+                    <a:lnT w="6350" cap="flat" cmpd="sng" algn="ctr">
+                      <a:solidFill>
+                        <a:schemeClr val="accent2">
+                          <a:lumMod val="60000"/>
+                          <a:lumOff val="40000"/>
+                        </a:schemeClr>
+                      </a:solidFill>
+                      <a:prstDash val="solid"/>
+                      <a:round/>
+                      <a:headEnd type="none" w="med" len="med"/>
+                      <a:tailEnd type="none" w="med" len="med"/>
+                    </a:lnT>
+                    <a:lnB w="6350" cap="flat" cmpd="sng" algn="ctr">
+                      <a:solidFill>
+                        <a:schemeClr val="accent2">
+                          <a:lumMod val="60000"/>
+                          <a:lumOff val="40000"/>
+                        </a:schemeClr>
+                      </a:solidFill>
+                      <a:prstDash val="solid"/>
+                      <a:round/>
+                      <a:headEnd type="none" w="med" len="med"/>
+                      <a:tailEnd type="none" w="med" len="med"/>
+                    </a:lnB>
+                    <a:lnTlToBr w="12700" cmpd="sng">
+                      <a:noFill/>
+                      <a:prstDash val="solid"/>
+                    </a:lnTlToBr>
+                    <a:lnBlToTr w="12700" cmpd="sng">
+                      <a:noFill/>
+                      <a:prstDash val="solid"/>
+                    </a:lnBlToTr>
+                    <a:solidFill>
+                      <a:schemeClr val="bg1">
+                        <a:lumMod val="95000"/>
+                      </a:schemeClr>
+                    </a:solidFill>
+                  </a:tcPr>
+                </a:tc>
+                <a:extLst>
+                  <a:ext uri="{0D108BD9-81ED-4DB2-BD59-A6C34878D82A}">
+                    <a16:rowId xmlns:a16="http://schemas.microsoft.com/office/drawing/2014/main" val="262747139"/>
+                  </a:ext>
+                </a:extLst>
+              </a:tr>
+              <a:tr h="403225">
+                <a:tc>
+                  <a:txBody>
+                    <a:bodyPr/>
+                    <a:lstStyle/>
+                    <a:p>
+                      <a:r>
+                        <a:rPr lang="de-DE" b="0" dirty="0"/>
+                        <a:t>Teiler</a:t>
+                      </a:r>
+                      <a:r>
+                        <a:rPr lang="de-DE" dirty="0"/>
+                        <a:t>: 5.5</a:t>
+                      </a:r>
+                    </a:p>
+                  </a:txBody>
+                  <a:tcPr anchor="ctr">
+                    <a:lnL w="28575" cap="flat" cmpd="sng" algn="ctr">
+                      <a:solidFill>
+                        <a:schemeClr val="accent2">
+                          <a:lumMod val="75000"/>
+                        </a:schemeClr>
+                      </a:solidFill>
+                      <a:prstDash val="solid"/>
+                      <a:round/>
+                      <a:headEnd type="none" w="med" len="med"/>
+                      <a:tailEnd type="none" w="med" len="med"/>
+                    </a:lnL>
+                    <a:lnR w="28575" cap="flat" cmpd="sng" algn="ctr">
+                      <a:solidFill>
+                        <a:schemeClr val="accent2">
+                          <a:lumMod val="75000"/>
+                        </a:schemeClr>
+                      </a:solidFill>
+                      <a:prstDash val="solid"/>
+                      <a:round/>
+                      <a:headEnd type="none" w="med" len="med"/>
+                      <a:tailEnd type="none" w="med" len="med"/>
+                    </a:lnR>
+                    <a:lnT w="12700" cmpd="sng">
+                      <a:noFill/>
+                    </a:lnT>
+                    <a:lnB w="12700" cmpd="sng">
+                      <a:noFill/>
+                    </a:lnB>
+                    <a:lnTlToBr w="12700" cmpd="sng">
+                      <a:noFill/>
+                      <a:prstDash val="solid"/>
+                    </a:lnTlToBr>
+                    <a:lnBlToTr w="12700" cmpd="sng">
+                      <a:noFill/>
+                      <a:prstDash val="solid"/>
+                    </a:lnBlToTr>
+                    <a:solidFill>
+                      <a:schemeClr val="accent2">
+                        <a:lumMod val="40000"/>
+                        <a:lumOff val="60000"/>
+                      </a:schemeClr>
+                    </a:solidFill>
+                  </a:tcPr>
+                </a:tc>
+                <a:tc>
+                  <a:txBody>
+                    <a:bodyPr/>
+                    <a:lstStyle/>
+                    <a:p>
+                      <a:pPr marL="0" algn="ctr" defTabSz="914400" rtl="0" eaLnBrk="1" fontAlgn="b" latinLnBrk="0" hangingPunct="1"/>
+                      <a:r>
+                        <a:rPr lang="de-DE" sz="1800" b="0" i="0" u="none" strike="noStrike" kern="1200" dirty="0">
+                          <a:solidFill>
+                            <a:schemeClr val="accent2">
+                              <a:lumMod val="50000"/>
+                            </a:schemeClr>
+                          </a:solidFill>
+                          <a:effectLst/>
+                          <a:latin typeface="Calibri" panose="020F0502020204030204" pitchFamily="34" charset="0"/>
+                          <a:ea typeface="Calibri" panose="020F0502020204030204" pitchFamily="34" charset="0"/>
+                          <a:cs typeface="Calibri" panose="020F0502020204030204" pitchFamily="34" charset="0"/>
+                        </a:rPr>
+                        <a:t>13.45</a:t>
+                      </a:r>
+                    </a:p>
+                  </a:txBody>
+                  <a:tcPr marL="6350" marR="6350" marT="6350" marB="0" anchor="ctr">
+                    <a:lnL w="28575" cap="flat" cmpd="sng" algn="ctr">
+                      <a:solidFill>
+                        <a:schemeClr val="accent2">
+                          <a:lumMod val="75000"/>
+                        </a:schemeClr>
+                      </a:solidFill>
+                      <a:prstDash val="solid"/>
+                      <a:round/>
+                      <a:headEnd type="none" w="med" len="med"/>
+                      <a:tailEnd type="none" w="med" len="med"/>
+                    </a:lnL>
+                    <a:lnR w="6350" cap="flat" cmpd="sng" algn="ctr">
+                      <a:solidFill>
+                        <a:schemeClr val="accent2">
+                          <a:lumMod val="60000"/>
+                          <a:lumOff val="40000"/>
+                        </a:schemeClr>
+                      </a:solidFill>
+                      <a:prstDash val="solid"/>
+                      <a:round/>
+                      <a:headEnd type="none" w="med" len="med"/>
+                      <a:tailEnd type="none" w="med" len="med"/>
+                    </a:lnR>
+                    <a:lnT w="6350" cap="flat" cmpd="sng" algn="ctr">
+                      <a:solidFill>
+                        <a:schemeClr val="accent2">
+                          <a:lumMod val="60000"/>
+                          <a:lumOff val="40000"/>
+                        </a:schemeClr>
+                      </a:solidFill>
+                      <a:prstDash val="solid"/>
+                      <a:round/>
+                      <a:headEnd type="none" w="med" len="med"/>
+                      <a:tailEnd type="none" w="med" len="med"/>
+                    </a:lnT>
+                    <a:lnB w="6350" cap="flat" cmpd="sng" algn="ctr">
+                      <a:solidFill>
+                        <a:schemeClr val="accent2">
+                          <a:lumMod val="60000"/>
+                          <a:lumOff val="40000"/>
+                        </a:schemeClr>
+                      </a:solidFill>
+                      <a:prstDash val="solid"/>
+                      <a:round/>
+                      <a:headEnd type="none" w="med" len="med"/>
+                      <a:tailEnd type="none" w="med" len="med"/>
+                    </a:lnB>
+                    <a:lnTlToBr w="12700" cmpd="sng">
+                      <a:noFill/>
+                      <a:prstDash val="solid"/>
+                    </a:lnTlToBr>
+                    <a:lnBlToTr w="12700" cmpd="sng">
+                      <a:noFill/>
+                      <a:prstDash val="solid"/>
+                    </a:lnBlToTr>
+                    <a:solidFill>
+                      <a:schemeClr val="bg1">
+                        <a:lumMod val="95000"/>
+                      </a:schemeClr>
+                    </a:solidFill>
+                  </a:tcPr>
+                </a:tc>
+                <a:tc>
+                  <a:txBody>
+                    <a:bodyPr/>
+                    <a:lstStyle/>
+                    <a:p>
+                      <a:pPr marL="0" algn="ctr" defTabSz="914400" rtl="0" eaLnBrk="1" fontAlgn="b" latinLnBrk="0" hangingPunct="1"/>
+                      <a:r>
+                        <a:rPr lang="de-DE" sz="1800" b="0" i="0" u="none" strike="noStrike" kern="1200" dirty="0">
+                          <a:solidFill>
+                            <a:schemeClr val="accent2">
+                              <a:lumMod val="50000"/>
+                            </a:schemeClr>
+                          </a:solidFill>
+                          <a:effectLst/>
+                          <a:latin typeface="Calibri" panose="020F0502020204030204" pitchFamily="34" charset="0"/>
+                          <a:ea typeface="Calibri" panose="020F0502020204030204" pitchFamily="34" charset="0"/>
+                          <a:cs typeface="Calibri" panose="020F0502020204030204" pitchFamily="34" charset="0"/>
+                        </a:rPr>
+                        <a:t>7.27</a:t>
+                      </a:r>
+                    </a:p>
+                  </a:txBody>
+                  <a:tcPr marL="6350" marR="6350" marT="6350" marB="0" anchor="ctr">
+                    <a:lnL w="6350" cap="flat" cmpd="sng" algn="ctr">
+                      <a:solidFill>
+                        <a:schemeClr val="accent2">
+                          <a:lumMod val="60000"/>
+                          <a:lumOff val="40000"/>
+                        </a:schemeClr>
+                      </a:solidFill>
+                      <a:prstDash val="solid"/>
+                      <a:round/>
+                      <a:headEnd type="none" w="med" len="med"/>
+                      <a:tailEnd type="none" w="med" len="med"/>
+                    </a:lnL>
+                    <a:lnR w="6350" cap="flat" cmpd="sng" algn="ctr">
+                      <a:solidFill>
+                        <a:schemeClr val="accent2">
+                          <a:lumMod val="60000"/>
+                          <a:lumOff val="40000"/>
+                        </a:schemeClr>
+                      </a:solidFill>
+                      <a:prstDash val="solid"/>
+                      <a:round/>
+                      <a:headEnd type="none" w="med" len="med"/>
+                      <a:tailEnd type="none" w="med" len="med"/>
+                    </a:lnR>
+                    <a:lnT w="6350" cap="flat" cmpd="sng" algn="ctr">
+                      <a:solidFill>
+                        <a:schemeClr val="accent2">
+                          <a:lumMod val="60000"/>
+                          <a:lumOff val="40000"/>
+                        </a:schemeClr>
+                      </a:solidFill>
+                      <a:prstDash val="solid"/>
+                      <a:round/>
+                      <a:headEnd type="none" w="med" len="med"/>
+                      <a:tailEnd type="none" w="med" len="med"/>
+                    </a:lnT>
+                    <a:lnB w="6350" cap="flat" cmpd="sng" algn="ctr">
+                      <a:solidFill>
+                        <a:schemeClr val="accent2">
+                          <a:lumMod val="60000"/>
+                          <a:lumOff val="40000"/>
+                        </a:schemeClr>
+                      </a:solidFill>
+                      <a:prstDash val="solid"/>
+                      <a:round/>
+                      <a:headEnd type="none" w="med" len="med"/>
+                      <a:tailEnd type="none" w="med" len="med"/>
+                    </a:lnB>
+                    <a:lnTlToBr w="12700" cmpd="sng">
+                      <a:noFill/>
+                      <a:prstDash val="solid"/>
+                    </a:lnTlToBr>
+                    <a:lnBlToTr w="12700" cmpd="sng">
+                      <a:noFill/>
+                      <a:prstDash val="solid"/>
+                    </a:lnBlToTr>
+                    <a:solidFill>
+                      <a:schemeClr val="bg1">
+                        <a:lumMod val="95000"/>
+                      </a:schemeClr>
+                    </a:solidFill>
+                  </a:tcPr>
+                </a:tc>
+                <a:tc>
+                  <a:txBody>
+                    <a:bodyPr/>
+                    <a:lstStyle/>
+                    <a:p>
+                      <a:pPr marL="0" algn="ctr" defTabSz="914400" rtl="0" eaLnBrk="1" fontAlgn="b" latinLnBrk="0" hangingPunct="1"/>
+                      <a:r>
+                        <a:rPr lang="de-DE" sz="1800" b="0" i="0" u="none" strike="noStrike" kern="1200" dirty="0">
+                          <a:solidFill>
+                            <a:schemeClr val="accent2">
+                              <a:lumMod val="50000"/>
+                            </a:schemeClr>
+                          </a:solidFill>
+                          <a:effectLst/>
+                          <a:latin typeface="Calibri" panose="020F0502020204030204" pitchFamily="34" charset="0"/>
+                          <a:ea typeface="Calibri" panose="020F0502020204030204" pitchFamily="34" charset="0"/>
+                          <a:cs typeface="Calibri" panose="020F0502020204030204" pitchFamily="34" charset="0"/>
+                        </a:rPr>
+                        <a:t>1.09</a:t>
+                      </a:r>
+                    </a:p>
+                  </a:txBody>
+                  <a:tcPr marL="6350" marR="6350" marT="6350" marB="0" anchor="ctr">
+                    <a:lnL w="6350" cap="flat" cmpd="sng" algn="ctr">
+                      <a:solidFill>
+                        <a:schemeClr val="accent2">
+                          <a:lumMod val="60000"/>
+                          <a:lumOff val="40000"/>
+                        </a:schemeClr>
+                      </a:solidFill>
+                      <a:prstDash val="solid"/>
+                      <a:round/>
+                      <a:headEnd type="none" w="med" len="med"/>
+                      <a:tailEnd type="none" w="med" len="med"/>
+                    </a:lnL>
+                    <a:lnR w="28575" cap="flat" cmpd="sng" algn="ctr">
+                      <a:solidFill>
+                        <a:schemeClr val="accent2">
+                          <a:lumMod val="75000"/>
+                        </a:schemeClr>
+                      </a:solidFill>
+                      <a:prstDash val="solid"/>
+                      <a:round/>
+                      <a:headEnd type="none" w="med" len="med"/>
+                      <a:tailEnd type="none" w="med" len="med"/>
+                    </a:lnR>
+                    <a:lnT w="6350" cap="flat" cmpd="sng" algn="ctr">
+                      <a:solidFill>
+                        <a:schemeClr val="accent2">
+                          <a:lumMod val="60000"/>
+                          <a:lumOff val="40000"/>
+                        </a:schemeClr>
+                      </a:solidFill>
+                      <a:prstDash val="solid"/>
+                      <a:round/>
+                      <a:headEnd type="none" w="med" len="med"/>
+                      <a:tailEnd type="none" w="med" len="med"/>
+                    </a:lnT>
+                    <a:lnB w="6350" cap="flat" cmpd="sng" algn="ctr">
+                      <a:solidFill>
+                        <a:schemeClr val="accent2">
+                          <a:lumMod val="60000"/>
+                          <a:lumOff val="40000"/>
+                        </a:schemeClr>
+                      </a:solidFill>
+                      <a:prstDash val="solid"/>
+                      <a:round/>
+                      <a:headEnd type="none" w="med" len="med"/>
+                      <a:tailEnd type="none" w="med" len="med"/>
+                    </a:lnB>
+                    <a:lnTlToBr w="12700" cmpd="sng">
+                      <a:noFill/>
+                      <a:prstDash val="solid"/>
+                    </a:lnTlToBr>
+                    <a:lnBlToTr w="12700" cmpd="sng">
+                      <a:noFill/>
+                      <a:prstDash val="solid"/>
+                    </a:lnBlToTr>
+                    <a:solidFill>
+                      <a:schemeClr val="bg1">
+                        <a:lumMod val="95000"/>
+                      </a:schemeClr>
+                    </a:solidFill>
+                  </a:tcPr>
+                </a:tc>
+                <a:extLst>
+                  <a:ext uri="{0D108BD9-81ED-4DB2-BD59-A6C34878D82A}">
+                    <a16:rowId xmlns:a16="http://schemas.microsoft.com/office/drawing/2014/main" val="450054135"/>
+                  </a:ext>
+                </a:extLst>
+              </a:tr>
+              <a:tr h="403225">
+                <a:tc>
+                  <a:txBody>
+                    <a:bodyPr/>
+                    <a:lstStyle/>
+                    <a:p>
+                      <a:r>
+                        <a:rPr lang="de-DE" b="0" dirty="0"/>
+                        <a:t>Teiler</a:t>
+                      </a:r>
+                      <a:r>
+                        <a:rPr lang="de-DE" dirty="0"/>
+                        <a:t>: 6.5</a:t>
+                      </a:r>
+                    </a:p>
+                  </a:txBody>
+                  <a:tcPr anchor="ctr">
+                    <a:lnL w="28575" cap="flat" cmpd="sng" algn="ctr">
+                      <a:solidFill>
+                        <a:schemeClr val="accent2">
+                          <a:lumMod val="75000"/>
+                        </a:schemeClr>
+                      </a:solidFill>
+                      <a:prstDash val="solid"/>
+                      <a:round/>
+                      <a:headEnd type="none" w="med" len="med"/>
+                      <a:tailEnd type="none" w="med" len="med"/>
+                    </a:lnL>
+                    <a:lnR w="28575" cap="flat" cmpd="sng" algn="ctr">
+                      <a:solidFill>
+                        <a:schemeClr val="accent2">
+                          <a:lumMod val="75000"/>
+                        </a:schemeClr>
+                      </a:solidFill>
+                      <a:prstDash val="solid"/>
+                      <a:round/>
+                      <a:headEnd type="none" w="med" len="med"/>
+                      <a:tailEnd type="none" w="med" len="med"/>
+                    </a:lnR>
+                    <a:lnT w="12700" cmpd="sng">
+                      <a:noFill/>
+                    </a:lnT>
+                    <a:lnB w="28575" cap="flat" cmpd="sng" algn="ctr">
+                      <a:solidFill>
+                        <a:schemeClr val="accent2">
+                          <a:lumMod val="75000"/>
+                        </a:schemeClr>
+                      </a:solidFill>
+                      <a:prstDash val="solid"/>
+                      <a:round/>
+                      <a:headEnd type="none" w="med" len="med"/>
+                      <a:tailEnd type="none" w="med" len="med"/>
+                    </a:lnB>
+                    <a:lnTlToBr w="12700" cmpd="sng">
+                      <a:noFill/>
+                      <a:prstDash val="solid"/>
+                    </a:lnTlToBr>
+                    <a:lnBlToTr w="12700" cmpd="sng">
+                      <a:noFill/>
+                      <a:prstDash val="solid"/>
+                    </a:lnBlToTr>
+                    <a:solidFill>
+                      <a:schemeClr val="accent2">
+                        <a:lumMod val="40000"/>
+                        <a:lumOff val="60000"/>
+                      </a:schemeClr>
+                    </a:solidFill>
+                  </a:tcPr>
+                </a:tc>
+                <a:tc>
+                  <a:txBody>
+                    <a:bodyPr/>
+                    <a:lstStyle/>
+                    <a:p>
+                      <a:pPr marL="0" algn="ctr" defTabSz="914400" rtl="0" eaLnBrk="1" fontAlgn="b" latinLnBrk="0" hangingPunct="1"/>
+                      <a:r>
+                        <a:rPr lang="de-DE" sz="1800" b="0" i="0" u="none" strike="noStrike" kern="1200" dirty="0">
+                          <a:solidFill>
+                            <a:schemeClr val="accent2">
+                              <a:lumMod val="50000"/>
+                            </a:schemeClr>
+                          </a:solidFill>
+                          <a:effectLst/>
+                          <a:latin typeface="Calibri" panose="020F0502020204030204" pitchFamily="34" charset="0"/>
+                          <a:ea typeface="Calibri" panose="020F0502020204030204" pitchFamily="34" charset="0"/>
+                          <a:cs typeface="Calibri" panose="020F0502020204030204" pitchFamily="34" charset="0"/>
+                        </a:rPr>
+                        <a:t>11.38</a:t>
+                      </a:r>
+                    </a:p>
+                  </a:txBody>
+                  <a:tcPr marL="6350" marR="6350" marT="6350" marB="0" anchor="ctr">
+                    <a:lnL w="28575" cap="flat" cmpd="sng" algn="ctr">
+                      <a:solidFill>
+                        <a:schemeClr val="accent2">
+                          <a:lumMod val="75000"/>
+                        </a:schemeClr>
+                      </a:solidFill>
+                      <a:prstDash val="solid"/>
+                      <a:round/>
+                      <a:headEnd type="none" w="med" len="med"/>
+                      <a:tailEnd type="none" w="med" len="med"/>
+                    </a:lnL>
+                    <a:lnR w="6350" cap="flat" cmpd="sng" algn="ctr">
+                      <a:solidFill>
+                        <a:schemeClr val="accent2">
+                          <a:lumMod val="60000"/>
+                          <a:lumOff val="40000"/>
+                        </a:schemeClr>
+                      </a:solidFill>
+                      <a:prstDash val="solid"/>
+                      <a:round/>
+                      <a:headEnd type="none" w="med" len="med"/>
+                      <a:tailEnd type="none" w="med" len="med"/>
+                    </a:lnR>
+                    <a:lnT w="6350" cap="flat" cmpd="sng" algn="ctr">
+                      <a:solidFill>
+                        <a:schemeClr val="accent2">
+                          <a:lumMod val="60000"/>
+                          <a:lumOff val="40000"/>
+                        </a:schemeClr>
+                      </a:solidFill>
+                      <a:prstDash val="solid"/>
+                      <a:round/>
+                      <a:headEnd type="none" w="med" len="med"/>
+                      <a:tailEnd type="none" w="med" len="med"/>
+                    </a:lnT>
+                    <a:lnB w="28575" cap="flat" cmpd="sng" algn="ctr">
+                      <a:solidFill>
+                        <a:schemeClr val="accent2">
+                          <a:lumMod val="75000"/>
+                        </a:schemeClr>
+                      </a:solidFill>
+                      <a:prstDash val="solid"/>
+                      <a:round/>
+                      <a:headEnd type="none" w="med" len="med"/>
+                      <a:tailEnd type="none" w="med" len="med"/>
+                    </a:lnB>
+                    <a:lnTlToBr w="12700" cmpd="sng">
+                      <a:noFill/>
+                      <a:prstDash val="solid"/>
+                    </a:lnTlToBr>
+                    <a:lnBlToTr w="12700" cmpd="sng">
+                      <a:noFill/>
+                      <a:prstDash val="solid"/>
+                    </a:lnBlToTr>
+                    <a:solidFill>
+                      <a:schemeClr val="bg1">
+                        <a:lumMod val="95000"/>
+                      </a:schemeClr>
+                    </a:solidFill>
+                  </a:tcPr>
+                </a:tc>
+                <a:tc>
+                  <a:txBody>
+                    <a:bodyPr/>
+                    <a:lstStyle/>
+                    <a:p>
+                      <a:pPr marL="0" algn="ctr" defTabSz="914400" rtl="0" eaLnBrk="1" fontAlgn="b" latinLnBrk="0" hangingPunct="1"/>
+                      <a:r>
+                        <a:rPr lang="de-DE" sz="1800" b="0" i="0" u="none" strike="noStrike" kern="1200" dirty="0">
+                          <a:solidFill>
+                            <a:schemeClr val="accent2">
+                              <a:lumMod val="50000"/>
+                            </a:schemeClr>
+                          </a:solidFill>
+                          <a:effectLst/>
+                          <a:latin typeface="Calibri" panose="020F0502020204030204" pitchFamily="34" charset="0"/>
+                          <a:ea typeface="Calibri" panose="020F0502020204030204" pitchFamily="34" charset="0"/>
+                          <a:cs typeface="Calibri" panose="020F0502020204030204" pitchFamily="34" charset="0"/>
+                        </a:rPr>
+                        <a:t>6.15</a:t>
+                      </a:r>
+                    </a:p>
+                  </a:txBody>
+                  <a:tcPr marL="6350" marR="6350" marT="6350" marB="0" anchor="ctr">
+                    <a:lnL w="6350" cap="flat" cmpd="sng" algn="ctr">
+                      <a:solidFill>
+                        <a:schemeClr val="accent2">
+                          <a:lumMod val="60000"/>
+                          <a:lumOff val="40000"/>
+                        </a:schemeClr>
+                      </a:solidFill>
+                      <a:prstDash val="solid"/>
+                      <a:round/>
+                      <a:headEnd type="none" w="med" len="med"/>
+                      <a:tailEnd type="none" w="med" len="med"/>
+                    </a:lnL>
+                    <a:lnR w="6350" cap="flat" cmpd="sng" algn="ctr">
+                      <a:solidFill>
+                        <a:schemeClr val="accent2">
+                          <a:lumMod val="60000"/>
+                          <a:lumOff val="40000"/>
+                        </a:schemeClr>
+                      </a:solidFill>
+                      <a:prstDash val="solid"/>
+                      <a:round/>
+                      <a:headEnd type="none" w="med" len="med"/>
+                      <a:tailEnd type="none" w="med" len="med"/>
+                    </a:lnR>
+                    <a:lnT w="6350" cap="flat" cmpd="sng" algn="ctr">
+                      <a:solidFill>
+                        <a:schemeClr val="accent2">
+                          <a:lumMod val="60000"/>
+                          <a:lumOff val="40000"/>
+                        </a:schemeClr>
+                      </a:solidFill>
+                      <a:prstDash val="solid"/>
+                      <a:round/>
+                      <a:headEnd type="none" w="med" len="med"/>
+                      <a:tailEnd type="none" w="med" len="med"/>
+                    </a:lnT>
+                    <a:lnB w="28575" cap="flat" cmpd="sng" algn="ctr">
+                      <a:solidFill>
+                        <a:schemeClr val="accent2">
+                          <a:lumMod val="75000"/>
+                        </a:schemeClr>
+                      </a:solidFill>
+                      <a:prstDash val="solid"/>
+                      <a:round/>
+                      <a:headEnd type="none" w="med" len="med"/>
+                      <a:tailEnd type="none" w="med" len="med"/>
+                    </a:lnB>
+                    <a:lnTlToBr w="12700" cmpd="sng">
+                      <a:noFill/>
+                      <a:prstDash val="solid"/>
+                    </a:lnTlToBr>
+                    <a:lnBlToTr w="12700" cmpd="sng">
+                      <a:noFill/>
+                      <a:prstDash val="solid"/>
+                    </a:lnBlToTr>
+                    <a:solidFill>
+                      <a:schemeClr val="bg1">
+                        <a:lumMod val="95000"/>
+                      </a:schemeClr>
+                    </a:solidFill>
+                  </a:tcPr>
+                </a:tc>
+                <a:tc>
+                  <a:txBody>
+                    <a:bodyPr/>
+                    <a:lstStyle/>
+                    <a:p>
+                      <a:pPr marL="0" algn="ctr" defTabSz="914400" rtl="0" eaLnBrk="1" fontAlgn="b" latinLnBrk="0" hangingPunct="1"/>
+                      <a:r>
+                        <a:rPr lang="de-DE" sz="1800" b="0" i="0" u="none" strike="noStrike" kern="1200" dirty="0">
+                          <a:solidFill>
+                            <a:schemeClr val="accent2">
+                              <a:lumMod val="50000"/>
+                            </a:schemeClr>
+                          </a:solidFill>
+                          <a:effectLst/>
+                          <a:latin typeface="Calibri" panose="020F0502020204030204" pitchFamily="34" charset="0"/>
+                          <a:ea typeface="Calibri" panose="020F0502020204030204" pitchFamily="34" charset="0"/>
+                          <a:cs typeface="Calibri" panose="020F0502020204030204" pitchFamily="34" charset="0"/>
+                        </a:rPr>
+                        <a:t>0.92</a:t>
+                      </a:r>
+                    </a:p>
+                  </a:txBody>
+                  <a:tcPr marL="6350" marR="6350" marT="6350" marB="0" anchor="ctr">
+                    <a:lnL w="6350" cap="flat" cmpd="sng" algn="ctr">
+                      <a:solidFill>
+                        <a:schemeClr val="accent2">
+                          <a:lumMod val="60000"/>
+                          <a:lumOff val="40000"/>
+                        </a:schemeClr>
+                      </a:solidFill>
+                      <a:prstDash val="solid"/>
+                      <a:round/>
+                      <a:headEnd type="none" w="med" len="med"/>
+                      <a:tailEnd type="none" w="med" len="med"/>
+                    </a:lnL>
+                    <a:lnR w="28575" cap="flat" cmpd="sng" algn="ctr">
+                      <a:solidFill>
+                        <a:schemeClr val="accent2">
+                          <a:lumMod val="75000"/>
+                        </a:schemeClr>
+                      </a:solidFill>
+                      <a:prstDash val="solid"/>
+                      <a:round/>
+                      <a:headEnd type="none" w="med" len="med"/>
+                      <a:tailEnd type="none" w="med" len="med"/>
+                    </a:lnR>
+                    <a:lnT w="6350" cap="flat" cmpd="sng" algn="ctr">
+                      <a:solidFill>
+                        <a:schemeClr val="accent2">
+                          <a:lumMod val="60000"/>
+                          <a:lumOff val="40000"/>
+                        </a:schemeClr>
+                      </a:solidFill>
+                      <a:prstDash val="solid"/>
+                      <a:round/>
+                      <a:headEnd type="none" w="med" len="med"/>
+                      <a:tailEnd type="none" w="med" len="med"/>
+                    </a:lnT>
+                    <a:lnB w="28575" cap="flat" cmpd="sng" algn="ctr">
+                      <a:solidFill>
+                        <a:schemeClr val="accent2">
+                          <a:lumMod val="75000"/>
+                        </a:schemeClr>
+                      </a:solidFill>
+                      <a:prstDash val="solid"/>
+                      <a:round/>
+                      <a:headEnd type="none" w="med" len="med"/>
+                      <a:tailEnd type="none" w="med" len="med"/>
+                    </a:lnB>
+                    <a:lnTlToBr w="12700" cmpd="sng">
+                      <a:noFill/>
+                      <a:prstDash val="solid"/>
+                    </a:lnTlToBr>
+                    <a:lnBlToTr w="12700" cmpd="sng">
+                      <a:noFill/>
+                      <a:prstDash val="solid"/>
+                    </a:lnBlToTr>
+                    <a:solidFill>
+                      <a:schemeClr val="bg1">
+                        <a:lumMod val="95000"/>
+                      </a:schemeClr>
+                    </a:solidFill>
+                  </a:tcPr>
+                </a:tc>
+                <a:extLst>
+                  <a:ext uri="{0D108BD9-81ED-4DB2-BD59-A6C34878D82A}">
+                    <a16:rowId xmlns:a16="http://schemas.microsoft.com/office/drawing/2014/main" val="2424594642"/>
+                  </a:ext>
+                </a:extLst>
+              </a:tr>
+            </a:tbl>
+          </a:graphicData>
+        </a:graphic>
+      </p:graphicFrame>
+      <p:sp>
+        <p:nvSpPr>
+          <p:cNvPr id="5" name="Textfeld 4">
+            <a:extLst>
+              <a:ext uri="{FF2B5EF4-FFF2-40B4-BE49-F238E27FC236}">
+                <a16:creationId xmlns:a16="http://schemas.microsoft.com/office/drawing/2014/main" id="{8717E5E6-D92F-6764-5C2C-6207B9ADB650}"/>
+              </a:ext>
+            </a:extLst>
+          </p:cNvPr>
+          <p:cNvSpPr txBox="1"/>
+          <p:nvPr/>
+        </p:nvSpPr>
+        <p:spPr>
+          <a:xfrm>
+            <a:off x="5862320" y="1666240"/>
+            <a:ext cx="237566" cy="369332"/>
+          </a:xfrm>
+          <a:prstGeom prst="rect">
+            <a:avLst/>
+          </a:prstGeom>
+          <a:noFill/>
+        </p:spPr>
+        <p:txBody>
+          <a:bodyPr wrap="none" rtlCol="0">
+            <a:spAutoFit/>
+          </a:bodyPr>
+          <a:lstStyle/>
+          <a:p>
+            <a:r>
+              <a:rPr lang="de-DE" dirty="0"/>
+              <a:t> </a:t>
+            </a:r>
+          </a:p>
+        </p:txBody>
+      </p:sp>
+    </p:spTree>
+    <p:extLst>
+      <p:ext uri="{BB962C8B-B14F-4D97-AF65-F5344CB8AC3E}">
+        <p14:creationId xmlns:p14="http://schemas.microsoft.com/office/powerpoint/2010/main" val="3839700685"/>
+      </p:ext>
+    </p:extLst>
+  </p:cSld>
+  <p:clrMapOvr>
+    <a:masterClrMapping/>
+  </p:clrMapOvr>
+</p:sld>
+</file>
+
+<file path=ppt/slides/slide19.xml><?xml version="1.0" encoding="utf-8"?>
+<p:sld xmlns:a="http://schemas.openxmlformats.org/drawingml/2006/main" xmlns:r="http://schemas.openxmlformats.org/officeDocument/2006/relationships" xmlns:p="http://schemas.openxmlformats.org/presentationml/2006/main">
+  <p:cSld>
+    <p:spTree>
+      <p:nvGrpSpPr>
+        <p:cNvPr id="1" name=""/>
+        <p:cNvGrpSpPr/>
+        <p:nvPr/>
+      </p:nvGrpSpPr>
+      <p:grpSpPr>
+        <a:xfrm>
+          <a:off x="0" y="0"/>
+          <a:ext cx="0" cy="0"/>
+          <a:chOff x="0" y="0"/>
+          <a:chExt cx="0" cy="0"/>
+        </a:xfrm>
+      </p:grpSpPr>
+      <p:graphicFrame>
+        <p:nvGraphicFramePr>
+          <p:cNvPr id="4" name="Tabelle 4">
+            <a:extLst>
+              <a:ext uri="{FF2B5EF4-FFF2-40B4-BE49-F238E27FC236}">
+                <a16:creationId xmlns:a16="http://schemas.microsoft.com/office/drawing/2014/main" id="{65D4F47C-2AEF-DC14-555B-A85F2CE094E8}"/>
+              </a:ext>
+            </a:extLst>
+          </p:cNvPr>
+          <p:cNvGraphicFramePr>
+            <a:graphicFrameLocks noGrp="1"/>
+          </p:cNvGraphicFramePr>
+          <p:nvPr>
+            <p:extLst>
+              <p:ext uri="{D42A27DB-BD31-4B8C-83A1-F6EECF244321}">
+                <p14:modId xmlns:p14="http://schemas.microsoft.com/office/powerpoint/2010/main" val="3021972715"/>
+              </p:ext>
+            </p:extLst>
+          </p:nvPr>
+        </p:nvGraphicFramePr>
+        <p:xfrm>
+          <a:off x="1889760" y="894080"/>
+          <a:ext cx="5354320" cy="3279775"/>
+        </p:xfrm>
+        <a:graphic>
+          <a:graphicData uri="http://schemas.openxmlformats.org/drawingml/2006/table">
+            <a:tbl>
+              <a:tblPr firstRow="1" firstCol="1" bandRow="1">
+                <a:tableStyleId>{0505E3EF-67EA-436B-97B2-0124C06EBD24}</a:tableStyleId>
+              </a:tblPr>
+              <a:tblGrid>
+                <a:gridCol w="1534160">
+                  <a:extLst>
+                    <a:ext uri="{9D8B030D-6E8A-4147-A177-3AD203B41FA5}">
+                      <a16:colId xmlns:a16="http://schemas.microsoft.com/office/drawing/2014/main" val="165236384"/>
+                    </a:ext>
+                  </a:extLst>
+                </a:gridCol>
+                <a:gridCol w="1143000">
+                  <a:extLst>
+                    <a:ext uri="{9D8B030D-6E8A-4147-A177-3AD203B41FA5}">
+                      <a16:colId xmlns:a16="http://schemas.microsoft.com/office/drawing/2014/main" val="757273108"/>
+                    </a:ext>
+                  </a:extLst>
+                </a:gridCol>
+                <a:gridCol w="1338580">
+                  <a:extLst>
+                    <a:ext uri="{9D8B030D-6E8A-4147-A177-3AD203B41FA5}">
+                      <a16:colId xmlns:a16="http://schemas.microsoft.com/office/drawing/2014/main" val="2630518519"/>
+                    </a:ext>
+                  </a:extLst>
+                </a:gridCol>
+                <a:gridCol w="1338580">
+                  <a:extLst>
+                    <a:ext uri="{9D8B030D-6E8A-4147-A177-3AD203B41FA5}">
+                      <a16:colId xmlns:a16="http://schemas.microsoft.com/office/drawing/2014/main" val="2804499025"/>
+                    </a:ext>
+                  </a:extLst>
+                </a:gridCol>
+              </a:tblGrid>
+              <a:tr h="436880">
+                <a:tc>
+                  <a:txBody>
+                    <a:bodyPr/>
+                    <a:lstStyle/>
+                    <a:p>
+                      <a:r>
+                        <a:rPr lang="de-DE" dirty="0">
+                          <a:solidFill>
+                            <a:schemeClr val="tx1">
+                              <a:lumMod val="85000"/>
+                              <a:lumOff val="15000"/>
+                            </a:schemeClr>
+                          </a:solidFill>
+                        </a:rPr>
+                        <a:t>Wahlergebnis</a:t>
+                      </a:r>
+                    </a:p>
+                  </a:txBody>
+                  <a:tcPr anchor="ctr">
+                    <a:lnL w="28575" cap="flat" cmpd="sng" algn="ctr">
+                      <a:solidFill>
+                        <a:schemeClr val="accent2">
+                          <a:lumMod val="75000"/>
+                        </a:schemeClr>
+                      </a:solidFill>
+                      <a:prstDash val="solid"/>
+                      <a:round/>
+                      <a:headEnd type="none" w="med" len="med"/>
+                      <a:tailEnd type="none" w="med" len="med"/>
+                    </a:lnL>
+                    <a:lnR w="12700" cmpd="sng">
+                      <a:noFill/>
+                    </a:lnR>
+                    <a:lnT w="28575" cap="flat" cmpd="sng" algn="ctr">
+                      <a:solidFill>
+                        <a:schemeClr val="accent2">
+                          <a:lumMod val="75000"/>
+                        </a:schemeClr>
+                      </a:solidFill>
+                      <a:prstDash val="solid"/>
+                      <a:round/>
+                      <a:headEnd type="none" w="med" len="med"/>
+                      <a:tailEnd type="none" w="med" len="med"/>
+                    </a:lnT>
+                    <a:lnB w="28575" cap="flat" cmpd="sng" algn="ctr">
+                      <a:solidFill>
+                        <a:schemeClr val="accent2">
+                          <a:lumMod val="75000"/>
+                        </a:schemeClr>
+                      </a:solidFill>
+                      <a:prstDash val="solid"/>
+                      <a:round/>
+                      <a:headEnd type="none" w="med" len="med"/>
+                      <a:tailEnd type="none" w="med" len="med"/>
+                    </a:lnB>
+                    <a:lnTlToBr w="12700" cmpd="sng">
+                      <a:noFill/>
+                      <a:prstDash val="solid"/>
+                    </a:lnTlToBr>
+                    <a:lnBlToTr w="12700" cmpd="sng">
+                      <a:noFill/>
+                      <a:prstDash val="solid"/>
+                    </a:lnBlToTr>
+                    <a:solidFill>
+                      <a:schemeClr val="accent2">
+                        <a:lumMod val="60000"/>
+                        <a:lumOff val="40000"/>
+                      </a:schemeClr>
+                    </a:solidFill>
+                  </a:tcPr>
+                </a:tc>
+                <a:tc>
+                  <a:txBody>
+                    <a:bodyPr/>
+                    <a:lstStyle/>
+                    <a:p>
+                      <a:pPr algn="ctr"/>
+                      <a:r>
+                        <a:rPr lang="de-DE" sz="2400" dirty="0">
+                          <a:solidFill>
+                            <a:schemeClr val="tx1">
+                              <a:lumMod val="85000"/>
+                              <a:lumOff val="15000"/>
+                            </a:schemeClr>
+                          </a:solidFill>
+                        </a:rPr>
+                        <a:t>74</a:t>
+                      </a:r>
+                    </a:p>
+                  </a:txBody>
+                  <a:tcPr>
+                    <a:lnL w="12700" cmpd="sng">
+                      <a:noFill/>
+                    </a:lnL>
+                    <a:lnR w="12700" cmpd="sng">
+                      <a:noFill/>
+                    </a:lnR>
+                    <a:lnT w="28575" cap="flat" cmpd="sng" algn="ctr">
+                      <a:solidFill>
+                        <a:schemeClr val="accent2">
+                          <a:lumMod val="75000"/>
+                        </a:schemeClr>
+                      </a:solidFill>
+                      <a:prstDash val="solid"/>
+                      <a:round/>
+                      <a:headEnd type="none" w="med" len="med"/>
+                      <a:tailEnd type="none" w="med" len="med"/>
+                    </a:lnT>
+                    <a:lnB w="28575" cap="flat" cmpd="sng" algn="ctr">
+                      <a:solidFill>
+                        <a:schemeClr val="accent2">
+                          <a:lumMod val="75000"/>
+                        </a:schemeClr>
+                      </a:solidFill>
+                      <a:prstDash val="solid"/>
+                      <a:round/>
+                      <a:headEnd type="none" w="med" len="med"/>
+                      <a:tailEnd type="none" w="med" len="med"/>
+                    </a:lnB>
+                    <a:lnTlToBr w="12700" cmpd="sng">
+                      <a:noFill/>
+                      <a:prstDash val="solid"/>
+                    </a:lnTlToBr>
+                    <a:lnBlToTr w="12700" cmpd="sng">
+                      <a:noFill/>
+                      <a:prstDash val="solid"/>
+                    </a:lnBlToTr>
+                    <a:solidFill>
+                      <a:schemeClr val="accent2">
+                        <a:lumMod val="60000"/>
+                        <a:lumOff val="40000"/>
+                      </a:schemeClr>
+                    </a:solidFill>
+                  </a:tcPr>
+                </a:tc>
+                <a:tc>
+                  <a:txBody>
+                    <a:bodyPr/>
+                    <a:lstStyle/>
+                    <a:p>
+                      <a:pPr algn="ctr"/>
+                      <a:r>
+                        <a:rPr lang="de-DE" sz="2400" dirty="0">
+                          <a:solidFill>
+                            <a:schemeClr val="tx1">
+                              <a:lumMod val="85000"/>
+                              <a:lumOff val="15000"/>
+                            </a:schemeClr>
+                          </a:solidFill>
+                        </a:rPr>
+                        <a:t>40</a:t>
+                      </a:r>
+                    </a:p>
+                  </a:txBody>
+                  <a:tcPr>
+                    <a:lnL w="12700" cmpd="sng">
+                      <a:noFill/>
+                    </a:lnL>
+                    <a:lnR w="12700" cmpd="sng">
+                      <a:noFill/>
+                    </a:lnR>
+                    <a:lnT w="28575" cap="flat" cmpd="sng" algn="ctr">
+                      <a:solidFill>
+                        <a:schemeClr val="accent2">
+                          <a:lumMod val="75000"/>
+                        </a:schemeClr>
+                      </a:solidFill>
+                      <a:prstDash val="solid"/>
+                      <a:round/>
+                      <a:headEnd type="none" w="med" len="med"/>
+                      <a:tailEnd type="none" w="med" len="med"/>
+                    </a:lnT>
+                    <a:lnB w="28575" cap="flat" cmpd="sng" algn="ctr">
+                      <a:solidFill>
+                        <a:schemeClr val="accent2">
+                          <a:lumMod val="75000"/>
+                        </a:schemeClr>
+                      </a:solidFill>
+                      <a:prstDash val="solid"/>
+                      <a:round/>
+                      <a:headEnd type="none" w="med" len="med"/>
+                      <a:tailEnd type="none" w="med" len="med"/>
+                    </a:lnB>
+                    <a:lnTlToBr w="12700" cmpd="sng">
+                      <a:noFill/>
+                      <a:prstDash val="solid"/>
+                    </a:lnTlToBr>
+                    <a:lnBlToTr w="12700" cmpd="sng">
+                      <a:noFill/>
+                      <a:prstDash val="solid"/>
+                    </a:lnBlToTr>
+                    <a:solidFill>
+                      <a:schemeClr val="accent2">
+                        <a:lumMod val="60000"/>
+                        <a:lumOff val="40000"/>
+                      </a:schemeClr>
+                    </a:solidFill>
+                  </a:tcPr>
+                </a:tc>
+                <a:tc>
+                  <a:txBody>
+                    <a:bodyPr/>
+                    <a:lstStyle/>
+                    <a:p>
+                      <a:pPr algn="ctr"/>
+                      <a:r>
+                        <a:rPr lang="de-DE" sz="2400" dirty="0">
+                          <a:solidFill>
+                            <a:schemeClr val="tx1">
+                              <a:lumMod val="85000"/>
+                              <a:lumOff val="15000"/>
+                            </a:schemeClr>
+                          </a:solidFill>
+                        </a:rPr>
+                        <a:t>6</a:t>
+                      </a:r>
+                    </a:p>
+                  </a:txBody>
+                  <a:tcPr>
+                    <a:lnL w="12700" cmpd="sng">
+                      <a:noFill/>
+                    </a:lnL>
+                    <a:lnR w="28575" cap="flat" cmpd="sng" algn="ctr">
+                      <a:solidFill>
+                        <a:schemeClr val="accent2">
+                          <a:lumMod val="75000"/>
+                        </a:schemeClr>
+                      </a:solidFill>
+                      <a:prstDash val="solid"/>
+                      <a:round/>
+                      <a:headEnd type="none" w="med" len="med"/>
+                      <a:tailEnd type="none" w="med" len="med"/>
+                    </a:lnR>
+                    <a:lnT w="28575" cap="flat" cmpd="sng" algn="ctr">
+                      <a:solidFill>
+                        <a:schemeClr val="accent2">
+                          <a:lumMod val="75000"/>
+                        </a:schemeClr>
+                      </a:solidFill>
+                      <a:prstDash val="solid"/>
+                      <a:round/>
+                      <a:headEnd type="none" w="med" len="med"/>
+                      <a:tailEnd type="none" w="med" len="med"/>
+                    </a:lnT>
+                    <a:lnB w="28575" cap="flat" cmpd="sng" algn="ctr">
+                      <a:solidFill>
+                        <a:schemeClr val="accent2">
+                          <a:lumMod val="75000"/>
+                        </a:schemeClr>
+                      </a:solidFill>
+                      <a:prstDash val="solid"/>
+                      <a:round/>
+                      <a:headEnd type="none" w="med" len="med"/>
+                      <a:tailEnd type="none" w="med" len="med"/>
+                    </a:lnB>
+                    <a:lnTlToBr w="12700" cmpd="sng">
+                      <a:noFill/>
+                      <a:prstDash val="solid"/>
+                    </a:lnTlToBr>
+                    <a:lnBlToTr w="12700" cmpd="sng">
+                      <a:noFill/>
+                      <a:prstDash val="solid"/>
+                    </a:lnBlToTr>
+                    <a:solidFill>
+                      <a:schemeClr val="accent2">
+                        <a:lumMod val="60000"/>
+                        <a:lumOff val="40000"/>
+                      </a:schemeClr>
+                    </a:solidFill>
+                  </a:tcPr>
+                </a:tc>
+                <a:extLst>
+                  <a:ext uri="{0D108BD9-81ED-4DB2-BD59-A6C34878D82A}">
+                    <a16:rowId xmlns:a16="http://schemas.microsoft.com/office/drawing/2014/main" val="3157480115"/>
+                  </a:ext>
+                </a:extLst>
+              </a:tr>
+              <a:tr h="403225">
+                <a:tc>
+                  <a:txBody>
+                    <a:bodyPr/>
+                    <a:lstStyle/>
+                    <a:p>
+                      <a:r>
+                        <a:rPr lang="de-DE" b="0" dirty="0"/>
+                        <a:t>Teiler</a:t>
+                      </a:r>
+                      <a:r>
+                        <a:rPr lang="de-DE" dirty="0"/>
+                        <a:t>: 1</a:t>
+                      </a:r>
+                    </a:p>
+                  </a:txBody>
+                  <a:tcPr anchor="ctr">
+                    <a:lnL w="28575" cap="flat" cmpd="sng" algn="ctr">
+                      <a:solidFill>
+                        <a:schemeClr val="accent2">
+                          <a:lumMod val="75000"/>
+                        </a:schemeClr>
+                      </a:solidFill>
+                      <a:prstDash val="solid"/>
+                      <a:round/>
+                      <a:headEnd type="none" w="med" len="med"/>
+                      <a:tailEnd type="none" w="med" len="med"/>
+                    </a:lnL>
+                    <a:lnR w="28575" cap="flat" cmpd="sng" algn="ctr">
+                      <a:solidFill>
+                        <a:schemeClr val="accent2">
+                          <a:lumMod val="75000"/>
+                        </a:schemeClr>
+                      </a:solidFill>
+                      <a:prstDash val="solid"/>
+                      <a:round/>
+                      <a:headEnd type="none" w="med" len="med"/>
+                      <a:tailEnd type="none" w="med" len="med"/>
+                    </a:lnR>
+                    <a:lnT w="28575" cap="flat" cmpd="sng" algn="ctr">
+                      <a:solidFill>
+                        <a:schemeClr val="accent2">
+                          <a:lumMod val="75000"/>
+                        </a:schemeClr>
+                      </a:solidFill>
+                      <a:prstDash val="solid"/>
+                      <a:round/>
+                      <a:headEnd type="none" w="med" len="med"/>
+                      <a:tailEnd type="none" w="med" len="med"/>
+                    </a:lnT>
+                    <a:lnB w="12700" cmpd="sng">
+                      <a:noFill/>
+                    </a:lnB>
+                    <a:lnTlToBr w="12700" cmpd="sng">
+                      <a:noFill/>
+                      <a:prstDash val="solid"/>
+                    </a:lnTlToBr>
+                    <a:lnBlToTr w="12700" cmpd="sng">
+                      <a:noFill/>
+                      <a:prstDash val="solid"/>
+                    </a:lnBlToTr>
+                    <a:solidFill>
+                      <a:schemeClr val="accent2">
+                        <a:lumMod val="40000"/>
+                        <a:lumOff val="60000"/>
+                      </a:schemeClr>
+                    </a:solidFill>
+                  </a:tcPr>
+                </a:tc>
+                <a:tc>
+                  <a:txBody>
+                    <a:bodyPr/>
+                    <a:lstStyle/>
+                    <a:p>
+                      <a:pPr algn="ctr" fontAlgn="b"/>
+                      <a:r>
+                        <a:rPr lang="de-DE" sz="1800" b="0" i="0" u="none" strike="noStrike" dirty="0">
+                          <a:solidFill>
+                            <a:schemeClr val="accent2">
+                              <a:lumMod val="50000"/>
+                            </a:schemeClr>
+                          </a:solidFill>
+                          <a:effectLst/>
+                          <a:latin typeface="Calibri" panose="020F0502020204030204" pitchFamily="34" charset="0"/>
+                          <a:ea typeface="Calibri" panose="020F0502020204030204" pitchFamily="34" charset="0"/>
+                          <a:cs typeface="Calibri" panose="020F0502020204030204" pitchFamily="34" charset="0"/>
+                        </a:rPr>
+                        <a:t>74</a:t>
+                      </a:r>
+                    </a:p>
+                  </a:txBody>
+                  <a:tcPr marL="6350" marR="6350" marT="6350" marB="0" anchor="ctr">
+                    <a:lnL w="28575" cap="flat" cmpd="sng" algn="ctr">
+                      <a:solidFill>
+                        <a:schemeClr val="accent2">
+                          <a:lumMod val="75000"/>
+                        </a:schemeClr>
+                      </a:solidFill>
+                      <a:prstDash val="solid"/>
+                      <a:round/>
+                      <a:headEnd type="none" w="med" len="med"/>
+                      <a:tailEnd type="none" w="med" len="med"/>
+                    </a:lnL>
+                    <a:lnR w="6350" cap="flat" cmpd="sng" algn="ctr">
+                      <a:solidFill>
+                        <a:schemeClr val="accent2">
+                          <a:lumMod val="60000"/>
+                          <a:lumOff val="40000"/>
+                        </a:schemeClr>
+                      </a:solidFill>
+                      <a:prstDash val="solid"/>
+                      <a:round/>
+                      <a:headEnd type="none" w="med" len="med"/>
+                      <a:tailEnd type="none" w="med" len="med"/>
+                    </a:lnR>
+                    <a:lnT w="28575" cap="flat" cmpd="sng" algn="ctr">
+                      <a:solidFill>
+                        <a:schemeClr val="accent2">
+                          <a:lumMod val="75000"/>
+                        </a:schemeClr>
+                      </a:solidFill>
+                      <a:prstDash val="solid"/>
+                      <a:round/>
+                      <a:headEnd type="none" w="med" len="med"/>
+                      <a:tailEnd type="none" w="med" len="med"/>
+                    </a:lnT>
+                    <a:lnB w="6350" cap="flat" cmpd="sng" algn="ctr">
+                      <a:solidFill>
+                        <a:schemeClr val="accent2">
+                          <a:lumMod val="60000"/>
+                          <a:lumOff val="40000"/>
+                        </a:schemeClr>
+                      </a:solidFill>
+                      <a:prstDash val="solid"/>
+                      <a:round/>
+                      <a:headEnd type="none" w="med" len="med"/>
+                      <a:tailEnd type="none" w="med" len="med"/>
+                    </a:lnB>
+                    <a:lnTlToBr w="12700" cmpd="sng">
+                      <a:noFill/>
+                      <a:prstDash val="solid"/>
+                    </a:lnTlToBr>
+                    <a:lnBlToTr w="12700" cmpd="sng">
+                      <a:noFill/>
+                      <a:prstDash val="solid"/>
+                    </a:lnBlToTr>
+                    <a:solidFill>
+                      <a:schemeClr val="bg1">
+                        <a:lumMod val="95000"/>
+                      </a:schemeClr>
+                    </a:solidFill>
+                  </a:tcPr>
+                </a:tc>
+                <a:tc>
+                  <a:txBody>
+                    <a:bodyPr/>
+                    <a:lstStyle/>
+                    <a:p>
+                      <a:pPr algn="ctr" fontAlgn="b"/>
+                      <a:r>
+                        <a:rPr lang="de-DE" sz="1800" b="0" i="0" u="none" strike="noStrike">
+                          <a:solidFill>
+                            <a:schemeClr val="accent2">
+                              <a:lumMod val="50000"/>
+                            </a:schemeClr>
+                          </a:solidFill>
+                          <a:effectLst/>
+                          <a:latin typeface="Calibri" panose="020F0502020204030204" pitchFamily="34" charset="0"/>
+                          <a:ea typeface="Calibri" panose="020F0502020204030204" pitchFamily="34" charset="0"/>
+                          <a:cs typeface="Calibri" panose="020F0502020204030204" pitchFamily="34" charset="0"/>
+                        </a:rPr>
+                        <a:t>40</a:t>
+                      </a:r>
+                    </a:p>
+                  </a:txBody>
+                  <a:tcPr marL="6350" marR="6350" marT="6350" marB="0" anchor="ctr">
+                    <a:lnL w="6350" cap="flat" cmpd="sng" algn="ctr">
+                      <a:solidFill>
+                        <a:schemeClr val="accent2">
+                          <a:lumMod val="60000"/>
+                          <a:lumOff val="40000"/>
+                        </a:schemeClr>
+                      </a:solidFill>
+                      <a:prstDash val="solid"/>
+                      <a:round/>
+                      <a:headEnd type="none" w="med" len="med"/>
+                      <a:tailEnd type="none" w="med" len="med"/>
+                    </a:lnL>
+                    <a:lnR w="6350" cap="flat" cmpd="sng" algn="ctr">
+                      <a:solidFill>
+                        <a:schemeClr val="accent2">
+                          <a:lumMod val="60000"/>
+                          <a:lumOff val="40000"/>
+                        </a:schemeClr>
+                      </a:solidFill>
+                      <a:prstDash val="solid"/>
+                      <a:round/>
+                      <a:headEnd type="none" w="med" len="med"/>
+                      <a:tailEnd type="none" w="med" len="med"/>
+                    </a:lnR>
+                    <a:lnT w="28575" cap="flat" cmpd="sng" algn="ctr">
+                      <a:solidFill>
+                        <a:schemeClr val="accent2">
+                          <a:lumMod val="75000"/>
+                        </a:schemeClr>
+                      </a:solidFill>
+                      <a:prstDash val="solid"/>
+                      <a:round/>
+                      <a:headEnd type="none" w="med" len="med"/>
+                      <a:tailEnd type="none" w="med" len="med"/>
+                    </a:lnT>
+                    <a:lnB w="6350" cap="flat" cmpd="sng" algn="ctr">
+                      <a:solidFill>
+                        <a:schemeClr val="accent2">
+                          <a:lumMod val="60000"/>
+                          <a:lumOff val="40000"/>
+                        </a:schemeClr>
+                      </a:solidFill>
+                      <a:prstDash val="solid"/>
+                      <a:round/>
+                      <a:headEnd type="none" w="med" len="med"/>
+                      <a:tailEnd type="none" w="med" len="med"/>
+                    </a:lnB>
+                    <a:lnTlToBr w="12700" cmpd="sng">
+                      <a:noFill/>
+                      <a:prstDash val="solid"/>
+                    </a:lnTlToBr>
+                    <a:lnBlToTr w="12700" cmpd="sng">
+                      <a:noFill/>
+                      <a:prstDash val="solid"/>
+                    </a:lnBlToTr>
+                    <a:solidFill>
+                      <a:schemeClr val="bg1">
+                        <a:lumMod val="95000"/>
+                      </a:schemeClr>
+                    </a:solidFill>
+                  </a:tcPr>
+                </a:tc>
+                <a:tc>
+                  <a:txBody>
+                    <a:bodyPr/>
+                    <a:lstStyle/>
+                    <a:p>
+                      <a:pPr algn="ctr" fontAlgn="b"/>
+                      <a:r>
+                        <a:rPr lang="de-DE" sz="1800" b="0" i="0" u="none" strike="noStrike">
+                          <a:solidFill>
+                            <a:schemeClr val="accent2">
+                              <a:lumMod val="50000"/>
+                            </a:schemeClr>
+                          </a:solidFill>
+                          <a:effectLst/>
+                          <a:latin typeface="Calibri" panose="020F0502020204030204" pitchFamily="34" charset="0"/>
+                          <a:ea typeface="Calibri" panose="020F0502020204030204" pitchFamily="34" charset="0"/>
+                          <a:cs typeface="Calibri" panose="020F0502020204030204" pitchFamily="34" charset="0"/>
+                        </a:rPr>
+                        <a:t>6</a:t>
+                      </a:r>
+                    </a:p>
+                  </a:txBody>
+                  <a:tcPr marL="6350" marR="6350" marT="6350" marB="0" anchor="ctr">
+                    <a:lnL w="6350" cap="flat" cmpd="sng" algn="ctr">
+                      <a:solidFill>
+                        <a:schemeClr val="accent2">
+                          <a:lumMod val="60000"/>
+                          <a:lumOff val="40000"/>
+                        </a:schemeClr>
+                      </a:solidFill>
+                      <a:prstDash val="solid"/>
+                      <a:round/>
+                      <a:headEnd type="none" w="med" len="med"/>
+                      <a:tailEnd type="none" w="med" len="med"/>
+                    </a:lnL>
+                    <a:lnR w="28575" cap="flat" cmpd="sng" algn="ctr">
+                      <a:solidFill>
+                        <a:schemeClr val="accent2">
+                          <a:lumMod val="75000"/>
+                        </a:schemeClr>
+                      </a:solidFill>
+                      <a:prstDash val="solid"/>
+                      <a:round/>
+                      <a:headEnd type="none" w="med" len="med"/>
+                      <a:tailEnd type="none" w="med" len="med"/>
+                    </a:lnR>
+                    <a:lnT w="28575" cap="flat" cmpd="sng" algn="ctr">
+                      <a:solidFill>
+                        <a:schemeClr val="accent2">
+                          <a:lumMod val="75000"/>
+                        </a:schemeClr>
+                      </a:solidFill>
+                      <a:prstDash val="solid"/>
+                      <a:round/>
+                      <a:headEnd type="none" w="med" len="med"/>
+                      <a:tailEnd type="none" w="med" len="med"/>
+                    </a:lnT>
+                    <a:lnB w="6350" cap="flat" cmpd="sng" algn="ctr">
+                      <a:solidFill>
+                        <a:schemeClr val="accent2">
+                          <a:lumMod val="60000"/>
+                          <a:lumOff val="40000"/>
+                        </a:schemeClr>
+                      </a:solidFill>
+                      <a:prstDash val="solid"/>
+                      <a:round/>
+                      <a:headEnd type="none" w="med" len="med"/>
+                      <a:tailEnd type="none" w="med" len="med"/>
+                    </a:lnB>
+                    <a:lnTlToBr w="12700" cmpd="sng">
+                      <a:noFill/>
+                      <a:prstDash val="solid"/>
+                    </a:lnTlToBr>
+                    <a:lnBlToTr w="12700" cmpd="sng">
+                      <a:noFill/>
+                      <a:prstDash val="solid"/>
+                    </a:lnBlToTr>
+                    <a:solidFill>
+                      <a:schemeClr val="bg1">
+                        <a:lumMod val="95000"/>
+                      </a:schemeClr>
+                    </a:solidFill>
+                  </a:tcPr>
+                </a:tc>
+                <a:extLst>
+                  <a:ext uri="{0D108BD9-81ED-4DB2-BD59-A6C34878D82A}">
+                    <a16:rowId xmlns:a16="http://schemas.microsoft.com/office/drawing/2014/main" val="2969617481"/>
+                  </a:ext>
+                </a:extLst>
+              </a:tr>
+              <a:tr h="403225">
+                <a:tc>
+                  <a:txBody>
+                    <a:bodyPr/>
+                    <a:lstStyle/>
+                    <a:p>
+                      <a:r>
+                        <a:rPr lang="de-DE" b="0" dirty="0"/>
+                        <a:t>Teiler</a:t>
+                      </a:r>
+                      <a:r>
+                        <a:rPr lang="de-DE" dirty="0"/>
+                        <a:t>: 2</a:t>
+                      </a:r>
+                    </a:p>
+                  </a:txBody>
+                  <a:tcPr anchor="ctr">
+                    <a:lnL w="28575" cap="flat" cmpd="sng" algn="ctr">
+                      <a:solidFill>
+                        <a:schemeClr val="accent2">
+                          <a:lumMod val="75000"/>
+                        </a:schemeClr>
+                      </a:solidFill>
+                      <a:prstDash val="solid"/>
+                      <a:round/>
+                      <a:headEnd type="none" w="med" len="med"/>
+                      <a:tailEnd type="none" w="med" len="med"/>
+                    </a:lnL>
+                    <a:lnR w="28575" cap="flat" cmpd="sng" algn="ctr">
+                      <a:solidFill>
+                        <a:schemeClr val="accent2">
+                          <a:lumMod val="75000"/>
+                        </a:schemeClr>
+                      </a:solidFill>
+                      <a:prstDash val="solid"/>
+                      <a:round/>
+                      <a:headEnd type="none" w="med" len="med"/>
+                      <a:tailEnd type="none" w="med" len="med"/>
+                    </a:lnR>
+                    <a:lnT w="12700" cmpd="sng">
+                      <a:noFill/>
+                    </a:lnT>
+                    <a:lnB w="12700" cmpd="sng">
+                      <a:noFill/>
+                    </a:lnB>
+                    <a:lnTlToBr w="12700" cmpd="sng">
+                      <a:noFill/>
+                      <a:prstDash val="solid"/>
+                    </a:lnTlToBr>
+                    <a:lnBlToTr w="12700" cmpd="sng">
+                      <a:noFill/>
+                      <a:prstDash val="solid"/>
+                    </a:lnBlToTr>
+                    <a:solidFill>
+                      <a:schemeClr val="accent2">
+                        <a:lumMod val="40000"/>
+                        <a:lumOff val="60000"/>
+                      </a:schemeClr>
+                    </a:solidFill>
+                  </a:tcPr>
+                </a:tc>
+                <a:tc>
+                  <a:txBody>
+                    <a:bodyPr/>
+                    <a:lstStyle/>
+                    <a:p>
+                      <a:pPr algn="ctr" fontAlgn="b"/>
+                      <a:r>
+                        <a:rPr lang="de-DE" sz="1800" b="0" i="0" u="none" strike="noStrike" dirty="0">
+                          <a:solidFill>
+                            <a:schemeClr val="accent2">
+                              <a:lumMod val="50000"/>
+                            </a:schemeClr>
+                          </a:solidFill>
+                          <a:effectLst/>
+                          <a:latin typeface="Calibri" panose="020F0502020204030204" pitchFamily="34" charset="0"/>
+                          <a:ea typeface="Calibri" panose="020F0502020204030204" pitchFamily="34" charset="0"/>
+                          <a:cs typeface="Calibri" panose="020F0502020204030204" pitchFamily="34" charset="0"/>
+                        </a:rPr>
+                        <a:t>37</a:t>
+                      </a:r>
+                    </a:p>
+                  </a:txBody>
+                  <a:tcPr marL="6350" marR="6350" marT="6350" marB="0" anchor="ctr">
+                    <a:lnL w="28575" cap="flat" cmpd="sng" algn="ctr">
+                      <a:solidFill>
+                        <a:schemeClr val="accent2">
+                          <a:lumMod val="75000"/>
+                        </a:schemeClr>
+                      </a:solidFill>
+                      <a:prstDash val="solid"/>
+                      <a:round/>
+                      <a:headEnd type="none" w="med" len="med"/>
+                      <a:tailEnd type="none" w="med" len="med"/>
+                    </a:lnL>
+                    <a:lnR w="6350" cap="flat" cmpd="sng" algn="ctr">
+                      <a:solidFill>
+                        <a:schemeClr val="accent2">
+                          <a:lumMod val="60000"/>
+                          <a:lumOff val="40000"/>
+                        </a:schemeClr>
+                      </a:solidFill>
+                      <a:prstDash val="solid"/>
+                      <a:round/>
+                      <a:headEnd type="none" w="med" len="med"/>
+                      <a:tailEnd type="none" w="med" len="med"/>
+                    </a:lnR>
+                    <a:lnT w="6350" cap="flat" cmpd="sng" algn="ctr">
+                      <a:solidFill>
+                        <a:schemeClr val="accent2">
+                          <a:lumMod val="60000"/>
+                          <a:lumOff val="40000"/>
+                        </a:schemeClr>
+                      </a:solidFill>
+                      <a:prstDash val="solid"/>
+                      <a:round/>
+                      <a:headEnd type="none" w="med" len="med"/>
+                      <a:tailEnd type="none" w="med" len="med"/>
+                    </a:lnT>
+                    <a:lnB w="6350" cap="flat" cmpd="sng" algn="ctr">
+                      <a:solidFill>
+                        <a:schemeClr val="accent2">
+                          <a:lumMod val="60000"/>
+                          <a:lumOff val="40000"/>
+                        </a:schemeClr>
+                      </a:solidFill>
+                      <a:prstDash val="solid"/>
+                      <a:round/>
+                      <a:headEnd type="none" w="med" len="med"/>
+                      <a:tailEnd type="none" w="med" len="med"/>
+                    </a:lnB>
+                    <a:lnTlToBr w="12700" cmpd="sng">
+                      <a:noFill/>
+                      <a:prstDash val="solid"/>
+                    </a:lnTlToBr>
+                    <a:lnBlToTr w="12700" cmpd="sng">
+                      <a:noFill/>
+                      <a:prstDash val="solid"/>
+                    </a:lnBlToTr>
+                    <a:solidFill>
+                      <a:schemeClr val="bg1">
+                        <a:lumMod val="95000"/>
+                      </a:schemeClr>
+                    </a:solidFill>
+                  </a:tcPr>
+                </a:tc>
+                <a:tc>
+                  <a:txBody>
+                    <a:bodyPr/>
+                    <a:lstStyle/>
+                    <a:p>
+                      <a:pPr algn="ctr" fontAlgn="b"/>
+                      <a:r>
+                        <a:rPr lang="de-DE" sz="1800" b="0" i="0" u="none" strike="noStrike" dirty="0">
+                          <a:solidFill>
+                            <a:schemeClr val="accent2">
+                              <a:lumMod val="50000"/>
+                            </a:schemeClr>
+                          </a:solidFill>
+                          <a:effectLst/>
+                          <a:latin typeface="Calibri" panose="020F0502020204030204" pitchFamily="34" charset="0"/>
+                          <a:ea typeface="Calibri" panose="020F0502020204030204" pitchFamily="34" charset="0"/>
+                          <a:cs typeface="Calibri" panose="020F0502020204030204" pitchFamily="34" charset="0"/>
+                        </a:rPr>
+                        <a:t>20</a:t>
+                      </a:r>
+                    </a:p>
+                  </a:txBody>
+                  <a:tcPr marL="6350" marR="6350" marT="6350" marB="0" anchor="ctr">
+                    <a:lnL w="6350" cap="flat" cmpd="sng" algn="ctr">
+                      <a:solidFill>
+                        <a:schemeClr val="accent2">
+                          <a:lumMod val="60000"/>
+                          <a:lumOff val="40000"/>
+                        </a:schemeClr>
+                      </a:solidFill>
+                      <a:prstDash val="solid"/>
+                      <a:round/>
+                      <a:headEnd type="none" w="med" len="med"/>
+                      <a:tailEnd type="none" w="med" len="med"/>
+                    </a:lnL>
+                    <a:lnR w="6350" cap="flat" cmpd="sng" algn="ctr">
+                      <a:solidFill>
+                        <a:schemeClr val="accent2">
+                          <a:lumMod val="60000"/>
+                          <a:lumOff val="40000"/>
+                        </a:schemeClr>
+                      </a:solidFill>
+                      <a:prstDash val="solid"/>
+                      <a:round/>
+                      <a:headEnd type="none" w="med" len="med"/>
+                      <a:tailEnd type="none" w="med" len="med"/>
+                    </a:lnR>
+                    <a:lnT w="6350" cap="flat" cmpd="sng" algn="ctr">
+                      <a:solidFill>
+                        <a:schemeClr val="accent2">
+                          <a:lumMod val="60000"/>
+                          <a:lumOff val="40000"/>
+                        </a:schemeClr>
+                      </a:solidFill>
+                      <a:prstDash val="solid"/>
+                      <a:round/>
+                      <a:headEnd type="none" w="med" len="med"/>
+                      <a:tailEnd type="none" w="med" len="med"/>
+                    </a:lnT>
+                    <a:lnB w="6350" cap="flat" cmpd="sng" algn="ctr">
+                      <a:solidFill>
+                        <a:schemeClr val="accent2">
+                          <a:lumMod val="60000"/>
+                          <a:lumOff val="40000"/>
+                        </a:schemeClr>
+                      </a:solidFill>
+                      <a:prstDash val="solid"/>
+                      <a:round/>
+                      <a:headEnd type="none" w="med" len="med"/>
+                      <a:tailEnd type="none" w="med" len="med"/>
+                    </a:lnB>
+                    <a:lnTlToBr w="12700" cmpd="sng">
+                      <a:noFill/>
+                      <a:prstDash val="solid"/>
+                    </a:lnTlToBr>
+                    <a:lnBlToTr w="12700" cmpd="sng">
+                      <a:noFill/>
+                      <a:prstDash val="solid"/>
+                    </a:lnBlToTr>
+                    <a:solidFill>
+                      <a:schemeClr val="bg1">
+                        <a:lumMod val="95000"/>
+                      </a:schemeClr>
+                    </a:solidFill>
+                  </a:tcPr>
+                </a:tc>
+                <a:tc>
+                  <a:txBody>
+                    <a:bodyPr/>
+                    <a:lstStyle/>
+                    <a:p>
+                      <a:pPr algn="ctr" fontAlgn="b"/>
+                      <a:r>
+                        <a:rPr lang="de-DE" sz="1800" b="0" i="0" u="none" strike="noStrike">
+                          <a:solidFill>
+                            <a:schemeClr val="accent2">
+                              <a:lumMod val="50000"/>
+                            </a:schemeClr>
+                          </a:solidFill>
+                          <a:effectLst/>
+                          <a:latin typeface="Calibri" panose="020F0502020204030204" pitchFamily="34" charset="0"/>
+                          <a:ea typeface="Calibri" panose="020F0502020204030204" pitchFamily="34" charset="0"/>
+                          <a:cs typeface="Calibri" panose="020F0502020204030204" pitchFamily="34" charset="0"/>
+                        </a:rPr>
+                        <a:t>3</a:t>
+                      </a:r>
+                    </a:p>
+                  </a:txBody>
+                  <a:tcPr marL="6350" marR="6350" marT="6350" marB="0" anchor="ctr">
+                    <a:lnL w="6350" cap="flat" cmpd="sng" algn="ctr">
+                      <a:solidFill>
+                        <a:schemeClr val="accent2">
+                          <a:lumMod val="60000"/>
+                          <a:lumOff val="40000"/>
+                        </a:schemeClr>
+                      </a:solidFill>
+                      <a:prstDash val="solid"/>
+                      <a:round/>
+                      <a:headEnd type="none" w="med" len="med"/>
+                      <a:tailEnd type="none" w="med" len="med"/>
+                    </a:lnL>
+                    <a:lnR w="28575" cap="flat" cmpd="sng" algn="ctr">
+                      <a:solidFill>
+                        <a:schemeClr val="accent2">
+                          <a:lumMod val="75000"/>
+                        </a:schemeClr>
+                      </a:solidFill>
+                      <a:prstDash val="solid"/>
+                      <a:round/>
+                      <a:headEnd type="none" w="med" len="med"/>
+                      <a:tailEnd type="none" w="med" len="med"/>
+                    </a:lnR>
+                    <a:lnT w="6350" cap="flat" cmpd="sng" algn="ctr">
+                      <a:solidFill>
+                        <a:schemeClr val="accent2">
+                          <a:lumMod val="60000"/>
+                          <a:lumOff val="40000"/>
+                        </a:schemeClr>
+                      </a:solidFill>
+                      <a:prstDash val="solid"/>
+                      <a:round/>
+                      <a:headEnd type="none" w="med" len="med"/>
+                      <a:tailEnd type="none" w="med" len="med"/>
+                    </a:lnT>
+                    <a:lnB w="6350" cap="flat" cmpd="sng" algn="ctr">
+                      <a:solidFill>
+                        <a:schemeClr val="accent2">
+                          <a:lumMod val="60000"/>
+                          <a:lumOff val="40000"/>
+                        </a:schemeClr>
+                      </a:solidFill>
+                      <a:prstDash val="solid"/>
+                      <a:round/>
+                      <a:headEnd type="none" w="med" len="med"/>
+                      <a:tailEnd type="none" w="med" len="med"/>
+                    </a:lnB>
+                    <a:lnTlToBr w="12700" cmpd="sng">
+                      <a:noFill/>
+                      <a:prstDash val="solid"/>
+                    </a:lnTlToBr>
+                    <a:lnBlToTr w="12700" cmpd="sng">
+                      <a:noFill/>
+                      <a:prstDash val="solid"/>
+                    </a:lnBlToTr>
+                    <a:solidFill>
+                      <a:schemeClr val="bg1">
+                        <a:lumMod val="95000"/>
+                      </a:schemeClr>
+                    </a:solidFill>
+                  </a:tcPr>
+                </a:tc>
+                <a:extLst>
+                  <a:ext uri="{0D108BD9-81ED-4DB2-BD59-A6C34878D82A}">
+                    <a16:rowId xmlns:a16="http://schemas.microsoft.com/office/drawing/2014/main" val="852952321"/>
+                  </a:ext>
+                </a:extLst>
+              </a:tr>
+              <a:tr h="403225">
+                <a:tc>
+                  <a:txBody>
+                    <a:bodyPr/>
+                    <a:lstStyle/>
+                    <a:p>
+                      <a:r>
+                        <a:rPr lang="de-DE" b="0" dirty="0"/>
+                        <a:t>Teiler</a:t>
+                      </a:r>
+                      <a:r>
+                        <a:rPr lang="de-DE" dirty="0"/>
+                        <a:t>: 3</a:t>
+                      </a:r>
+                    </a:p>
+                  </a:txBody>
+                  <a:tcPr anchor="ctr">
+                    <a:lnL w="28575" cap="flat" cmpd="sng" algn="ctr">
+                      <a:solidFill>
+                        <a:schemeClr val="accent2">
+                          <a:lumMod val="75000"/>
+                        </a:schemeClr>
+                      </a:solidFill>
+                      <a:prstDash val="solid"/>
+                      <a:round/>
+                      <a:headEnd type="none" w="med" len="med"/>
+                      <a:tailEnd type="none" w="med" len="med"/>
+                    </a:lnL>
+                    <a:lnR w="28575" cap="flat" cmpd="sng" algn="ctr">
+                      <a:solidFill>
+                        <a:schemeClr val="accent2">
+                          <a:lumMod val="75000"/>
+                        </a:schemeClr>
+                      </a:solidFill>
+                      <a:prstDash val="solid"/>
+                      <a:round/>
+                      <a:headEnd type="none" w="med" len="med"/>
+                      <a:tailEnd type="none" w="med" len="med"/>
+                    </a:lnR>
+                    <a:lnT w="12700" cmpd="sng">
+                      <a:noFill/>
+                    </a:lnT>
+                    <a:lnB w="12700" cmpd="sng">
+                      <a:noFill/>
+                    </a:lnB>
+                    <a:lnTlToBr w="12700" cmpd="sng">
+                      <a:noFill/>
+                      <a:prstDash val="solid"/>
+                    </a:lnTlToBr>
+                    <a:lnBlToTr w="12700" cmpd="sng">
+                      <a:noFill/>
+                      <a:prstDash val="solid"/>
+                    </a:lnBlToTr>
+                    <a:solidFill>
+                      <a:schemeClr val="accent2">
+                        <a:lumMod val="40000"/>
+                        <a:lumOff val="60000"/>
+                      </a:schemeClr>
+                    </a:solidFill>
+                  </a:tcPr>
+                </a:tc>
+                <a:tc>
+                  <a:txBody>
+                    <a:bodyPr/>
+                    <a:lstStyle/>
+                    <a:p>
+                      <a:pPr algn="ctr" fontAlgn="b"/>
+                      <a:r>
+                        <a:rPr lang="de-DE" sz="1800" b="0" i="0" u="none" strike="noStrike" dirty="0">
+                          <a:solidFill>
+                            <a:schemeClr val="accent2">
+                              <a:lumMod val="50000"/>
+                            </a:schemeClr>
+                          </a:solidFill>
+                          <a:effectLst/>
+                          <a:latin typeface="Calibri" panose="020F0502020204030204" pitchFamily="34" charset="0"/>
+                          <a:ea typeface="Calibri" panose="020F0502020204030204" pitchFamily="34" charset="0"/>
+                          <a:cs typeface="Calibri" panose="020F0502020204030204" pitchFamily="34" charset="0"/>
+                        </a:rPr>
+                        <a:t>24.67</a:t>
+                      </a:r>
+                    </a:p>
+                  </a:txBody>
+                  <a:tcPr marL="6350" marR="6350" marT="6350" marB="0" anchor="ctr">
+                    <a:lnL w="28575" cap="flat" cmpd="sng" algn="ctr">
+                      <a:solidFill>
+                        <a:schemeClr val="accent2">
+                          <a:lumMod val="75000"/>
+                        </a:schemeClr>
+                      </a:solidFill>
+                      <a:prstDash val="solid"/>
+                      <a:round/>
+                      <a:headEnd type="none" w="med" len="med"/>
+                      <a:tailEnd type="none" w="med" len="med"/>
+                    </a:lnL>
+                    <a:lnR w="6350" cap="flat" cmpd="sng" algn="ctr">
+                      <a:solidFill>
+                        <a:schemeClr val="accent2">
+                          <a:lumMod val="60000"/>
+                          <a:lumOff val="40000"/>
+                        </a:schemeClr>
+                      </a:solidFill>
+                      <a:prstDash val="solid"/>
+                      <a:round/>
+                      <a:headEnd type="none" w="med" len="med"/>
+                      <a:tailEnd type="none" w="med" len="med"/>
+                    </a:lnR>
+                    <a:lnT w="6350" cap="flat" cmpd="sng" algn="ctr">
+                      <a:solidFill>
+                        <a:schemeClr val="accent2">
+                          <a:lumMod val="60000"/>
+                          <a:lumOff val="40000"/>
+                        </a:schemeClr>
+                      </a:solidFill>
+                      <a:prstDash val="solid"/>
+                      <a:round/>
+                      <a:headEnd type="none" w="med" len="med"/>
+                      <a:tailEnd type="none" w="med" len="med"/>
+                    </a:lnT>
+                    <a:lnB w="6350" cap="flat" cmpd="sng" algn="ctr">
+                      <a:solidFill>
+                        <a:schemeClr val="accent2">
+                          <a:lumMod val="60000"/>
+                          <a:lumOff val="40000"/>
+                        </a:schemeClr>
+                      </a:solidFill>
+                      <a:prstDash val="solid"/>
+                      <a:round/>
+                      <a:headEnd type="none" w="med" len="med"/>
+                      <a:tailEnd type="none" w="med" len="med"/>
+                    </a:lnB>
+                    <a:lnTlToBr w="12700" cmpd="sng">
+                      <a:noFill/>
+                      <a:prstDash val="solid"/>
+                    </a:lnTlToBr>
+                    <a:lnBlToTr w="12700" cmpd="sng">
+                      <a:noFill/>
+                      <a:prstDash val="solid"/>
+                    </a:lnBlToTr>
+                    <a:solidFill>
+                      <a:schemeClr val="bg1">
+                        <a:lumMod val="95000"/>
+                      </a:schemeClr>
+                    </a:solidFill>
+                  </a:tcPr>
+                </a:tc>
+                <a:tc>
+                  <a:txBody>
+                    <a:bodyPr/>
+                    <a:lstStyle/>
+                    <a:p>
+                      <a:pPr algn="ctr" fontAlgn="b"/>
+                      <a:r>
+                        <a:rPr lang="de-DE" sz="1800" b="0" i="0" u="none" strike="noStrike" dirty="0">
+                          <a:solidFill>
+                            <a:schemeClr val="accent2">
+                              <a:lumMod val="50000"/>
+                            </a:schemeClr>
+                          </a:solidFill>
+                          <a:effectLst/>
+                          <a:latin typeface="Calibri" panose="020F0502020204030204" pitchFamily="34" charset="0"/>
+                          <a:ea typeface="Calibri" panose="020F0502020204030204" pitchFamily="34" charset="0"/>
+                          <a:cs typeface="Calibri" panose="020F0502020204030204" pitchFamily="34" charset="0"/>
+                        </a:rPr>
+                        <a:t>13.33</a:t>
+                      </a:r>
+                    </a:p>
+                  </a:txBody>
+                  <a:tcPr marL="6350" marR="6350" marT="6350" marB="0" anchor="ctr">
+                    <a:lnL w="6350" cap="flat" cmpd="sng" algn="ctr">
+                      <a:solidFill>
+                        <a:schemeClr val="accent2">
+                          <a:lumMod val="60000"/>
+                          <a:lumOff val="40000"/>
+                        </a:schemeClr>
+                      </a:solidFill>
+                      <a:prstDash val="solid"/>
+                      <a:round/>
+                      <a:headEnd type="none" w="med" len="med"/>
+                      <a:tailEnd type="none" w="med" len="med"/>
+                    </a:lnL>
+                    <a:lnR w="6350" cap="flat" cmpd="sng" algn="ctr">
+                      <a:solidFill>
+                        <a:schemeClr val="accent2">
+                          <a:lumMod val="60000"/>
+                          <a:lumOff val="40000"/>
+                        </a:schemeClr>
+                      </a:solidFill>
+                      <a:prstDash val="solid"/>
+                      <a:round/>
+                      <a:headEnd type="none" w="med" len="med"/>
+                      <a:tailEnd type="none" w="med" len="med"/>
+                    </a:lnR>
+                    <a:lnT w="6350" cap="flat" cmpd="sng" algn="ctr">
+                      <a:solidFill>
+                        <a:schemeClr val="accent2">
+                          <a:lumMod val="60000"/>
+                          <a:lumOff val="40000"/>
+                        </a:schemeClr>
+                      </a:solidFill>
+                      <a:prstDash val="solid"/>
+                      <a:round/>
+                      <a:headEnd type="none" w="med" len="med"/>
+                      <a:tailEnd type="none" w="med" len="med"/>
+                    </a:lnT>
+                    <a:lnB w="6350" cap="flat" cmpd="sng" algn="ctr">
+                      <a:solidFill>
+                        <a:schemeClr val="accent2">
+                          <a:lumMod val="60000"/>
+                          <a:lumOff val="40000"/>
+                        </a:schemeClr>
+                      </a:solidFill>
+                      <a:prstDash val="solid"/>
+                      <a:round/>
+                      <a:headEnd type="none" w="med" len="med"/>
+                      <a:tailEnd type="none" w="med" len="med"/>
+                    </a:lnB>
+                    <a:lnTlToBr w="12700" cmpd="sng">
+                      <a:noFill/>
+                      <a:prstDash val="solid"/>
+                    </a:lnTlToBr>
+                    <a:lnBlToTr w="12700" cmpd="sng">
+                      <a:noFill/>
+                      <a:prstDash val="solid"/>
+                    </a:lnBlToTr>
+                    <a:solidFill>
+                      <a:schemeClr val="bg1">
+                        <a:lumMod val="95000"/>
+                      </a:schemeClr>
+                    </a:solidFill>
+                  </a:tcPr>
+                </a:tc>
+                <a:tc>
+                  <a:txBody>
+                    <a:bodyPr/>
+                    <a:lstStyle/>
+                    <a:p>
+                      <a:pPr algn="ctr" fontAlgn="b"/>
+                      <a:r>
+                        <a:rPr lang="de-DE" sz="1800" b="0" i="0" u="none" strike="noStrike" dirty="0">
+                          <a:solidFill>
+                            <a:schemeClr val="accent2">
+                              <a:lumMod val="50000"/>
+                            </a:schemeClr>
+                          </a:solidFill>
+                          <a:effectLst/>
+                          <a:latin typeface="Calibri" panose="020F0502020204030204" pitchFamily="34" charset="0"/>
+                          <a:ea typeface="Calibri" panose="020F0502020204030204" pitchFamily="34" charset="0"/>
+                          <a:cs typeface="Calibri" panose="020F0502020204030204" pitchFamily="34" charset="0"/>
+                        </a:rPr>
+                        <a:t>2</a:t>
+                      </a:r>
+                    </a:p>
+                  </a:txBody>
+                  <a:tcPr marL="6350" marR="6350" marT="6350" marB="0" anchor="ctr">
+                    <a:lnL w="6350" cap="flat" cmpd="sng" algn="ctr">
+                      <a:solidFill>
+                        <a:schemeClr val="accent2">
+                          <a:lumMod val="60000"/>
+                          <a:lumOff val="40000"/>
+                        </a:schemeClr>
+                      </a:solidFill>
+                      <a:prstDash val="solid"/>
+                      <a:round/>
+                      <a:headEnd type="none" w="med" len="med"/>
+                      <a:tailEnd type="none" w="med" len="med"/>
+                    </a:lnL>
+                    <a:lnR w="28575" cap="flat" cmpd="sng" algn="ctr">
+                      <a:solidFill>
+                        <a:schemeClr val="accent2">
+                          <a:lumMod val="75000"/>
+                        </a:schemeClr>
+                      </a:solidFill>
+                      <a:prstDash val="solid"/>
+                      <a:round/>
+                      <a:headEnd type="none" w="med" len="med"/>
+                      <a:tailEnd type="none" w="med" len="med"/>
+                    </a:lnR>
+                    <a:lnT w="6350" cap="flat" cmpd="sng" algn="ctr">
+                      <a:solidFill>
+                        <a:schemeClr val="accent2">
+                          <a:lumMod val="60000"/>
+                          <a:lumOff val="40000"/>
+                        </a:schemeClr>
+                      </a:solidFill>
+                      <a:prstDash val="solid"/>
+                      <a:round/>
+                      <a:headEnd type="none" w="med" len="med"/>
+                      <a:tailEnd type="none" w="med" len="med"/>
+                    </a:lnT>
+                    <a:lnB w="6350" cap="flat" cmpd="sng" algn="ctr">
+                      <a:solidFill>
+                        <a:schemeClr val="accent2">
+                          <a:lumMod val="60000"/>
+                          <a:lumOff val="40000"/>
+                        </a:schemeClr>
+                      </a:solidFill>
+                      <a:prstDash val="solid"/>
+                      <a:round/>
+                      <a:headEnd type="none" w="med" len="med"/>
+                      <a:tailEnd type="none" w="med" len="med"/>
+                    </a:lnB>
+                    <a:lnTlToBr w="12700" cmpd="sng">
+                      <a:noFill/>
+                      <a:prstDash val="solid"/>
+                    </a:lnTlToBr>
+                    <a:lnBlToTr w="12700" cmpd="sng">
+                      <a:noFill/>
+                      <a:prstDash val="solid"/>
+                    </a:lnBlToTr>
+                    <a:solidFill>
+                      <a:schemeClr val="bg1">
+                        <a:lumMod val="95000"/>
+                      </a:schemeClr>
+                    </a:solidFill>
+                  </a:tcPr>
+                </a:tc>
+                <a:extLst>
+                  <a:ext uri="{0D108BD9-81ED-4DB2-BD59-A6C34878D82A}">
+                    <a16:rowId xmlns:a16="http://schemas.microsoft.com/office/drawing/2014/main" val="87273936"/>
+                  </a:ext>
+                </a:extLst>
+              </a:tr>
+              <a:tr h="403225">
+                <a:tc>
+                  <a:txBody>
+                    <a:bodyPr/>
+                    <a:lstStyle/>
+                    <a:p>
+                      <a:r>
+                        <a:rPr lang="de-DE" b="0" dirty="0"/>
+                        <a:t>Teiler</a:t>
+                      </a:r>
+                      <a:r>
+                        <a:rPr lang="de-DE" dirty="0"/>
+                        <a:t>: 4</a:t>
+                      </a:r>
+                    </a:p>
+                  </a:txBody>
+                  <a:tcPr anchor="ctr">
+                    <a:lnL w="28575" cap="flat" cmpd="sng" algn="ctr">
+                      <a:solidFill>
+                        <a:schemeClr val="accent2">
+                          <a:lumMod val="75000"/>
+                        </a:schemeClr>
+                      </a:solidFill>
+                      <a:prstDash val="solid"/>
+                      <a:round/>
+                      <a:headEnd type="none" w="med" len="med"/>
+                      <a:tailEnd type="none" w="med" len="med"/>
+                    </a:lnL>
+                    <a:lnR w="28575" cap="flat" cmpd="sng" algn="ctr">
+                      <a:solidFill>
+                        <a:schemeClr val="accent2">
+                          <a:lumMod val="75000"/>
+                        </a:schemeClr>
+                      </a:solidFill>
+                      <a:prstDash val="solid"/>
+                      <a:round/>
+                      <a:headEnd type="none" w="med" len="med"/>
+                      <a:tailEnd type="none" w="med" len="med"/>
+                    </a:lnR>
+                    <a:lnT w="12700" cmpd="sng">
+                      <a:noFill/>
+                    </a:lnT>
+                    <a:lnB w="12700" cmpd="sng">
+                      <a:noFill/>
+                    </a:lnB>
+                    <a:lnTlToBr w="12700" cmpd="sng">
+                      <a:noFill/>
+                      <a:prstDash val="solid"/>
+                    </a:lnTlToBr>
+                    <a:lnBlToTr w="12700" cmpd="sng">
+                      <a:noFill/>
+                      <a:prstDash val="solid"/>
+                    </a:lnBlToTr>
+                    <a:solidFill>
+                      <a:schemeClr val="accent2">
+                        <a:lumMod val="40000"/>
+                        <a:lumOff val="60000"/>
+                      </a:schemeClr>
+                    </a:solidFill>
+                  </a:tcPr>
+                </a:tc>
+                <a:tc>
+                  <a:txBody>
+                    <a:bodyPr/>
+                    <a:lstStyle/>
+                    <a:p>
+                      <a:pPr algn="ctr" fontAlgn="b"/>
+                      <a:r>
+                        <a:rPr lang="de-DE" sz="1800" b="0" i="0" u="none" strike="noStrike" dirty="0">
+                          <a:solidFill>
+                            <a:schemeClr val="accent2">
+                              <a:lumMod val="50000"/>
+                            </a:schemeClr>
+                          </a:solidFill>
+                          <a:effectLst/>
+                          <a:latin typeface="Calibri" panose="020F0502020204030204" pitchFamily="34" charset="0"/>
+                          <a:ea typeface="Calibri" panose="020F0502020204030204" pitchFamily="34" charset="0"/>
+                          <a:cs typeface="Calibri" panose="020F0502020204030204" pitchFamily="34" charset="0"/>
+                        </a:rPr>
+                        <a:t>18.5</a:t>
+                      </a:r>
+                    </a:p>
+                  </a:txBody>
+                  <a:tcPr marL="6350" marR="6350" marT="6350" marB="0" anchor="ctr">
+                    <a:lnL w="28575" cap="flat" cmpd="sng" algn="ctr">
+                      <a:solidFill>
+                        <a:schemeClr val="accent2">
+                          <a:lumMod val="75000"/>
+                        </a:schemeClr>
+                      </a:solidFill>
+                      <a:prstDash val="solid"/>
+                      <a:round/>
+                      <a:headEnd type="none" w="med" len="med"/>
+                      <a:tailEnd type="none" w="med" len="med"/>
+                    </a:lnL>
+                    <a:lnR w="6350" cap="flat" cmpd="sng" algn="ctr">
+                      <a:solidFill>
+                        <a:schemeClr val="accent2">
+                          <a:lumMod val="60000"/>
+                          <a:lumOff val="40000"/>
+                        </a:schemeClr>
+                      </a:solidFill>
+                      <a:prstDash val="solid"/>
+                      <a:round/>
+                      <a:headEnd type="none" w="med" len="med"/>
+                      <a:tailEnd type="none" w="med" len="med"/>
+                    </a:lnR>
+                    <a:lnT w="6350" cap="flat" cmpd="sng" algn="ctr">
+                      <a:solidFill>
+                        <a:schemeClr val="accent2">
+                          <a:lumMod val="60000"/>
+                          <a:lumOff val="40000"/>
+                        </a:schemeClr>
+                      </a:solidFill>
+                      <a:prstDash val="solid"/>
+                      <a:round/>
+                      <a:headEnd type="none" w="med" len="med"/>
+                      <a:tailEnd type="none" w="med" len="med"/>
+                    </a:lnT>
+                    <a:lnB w="6350" cap="flat" cmpd="sng" algn="ctr">
+                      <a:solidFill>
+                        <a:schemeClr val="accent2">
+                          <a:lumMod val="60000"/>
+                          <a:lumOff val="40000"/>
+                        </a:schemeClr>
+                      </a:solidFill>
+                      <a:prstDash val="solid"/>
+                      <a:round/>
+                      <a:headEnd type="none" w="med" len="med"/>
+                      <a:tailEnd type="none" w="med" len="med"/>
+                    </a:lnB>
+                    <a:lnTlToBr w="12700" cmpd="sng">
+                      <a:noFill/>
+                      <a:prstDash val="solid"/>
+                    </a:lnTlToBr>
+                    <a:lnBlToTr w="12700" cmpd="sng">
+                      <a:noFill/>
+                      <a:prstDash val="solid"/>
+                    </a:lnBlToTr>
+                    <a:solidFill>
+                      <a:schemeClr val="bg1">
+                        <a:lumMod val="95000"/>
+                      </a:schemeClr>
+                    </a:solidFill>
+                  </a:tcPr>
+                </a:tc>
+                <a:tc>
+                  <a:txBody>
+                    <a:bodyPr/>
+                    <a:lstStyle/>
+                    <a:p>
+                      <a:pPr algn="ctr" fontAlgn="b"/>
+                      <a:r>
+                        <a:rPr lang="de-DE" sz="1800" b="0" i="0" u="none" strike="noStrike" dirty="0">
+                          <a:solidFill>
+                            <a:schemeClr val="accent2">
+                              <a:lumMod val="50000"/>
+                            </a:schemeClr>
+                          </a:solidFill>
+                          <a:effectLst/>
+                          <a:latin typeface="Calibri" panose="020F0502020204030204" pitchFamily="34" charset="0"/>
+                          <a:ea typeface="Calibri" panose="020F0502020204030204" pitchFamily="34" charset="0"/>
+                          <a:cs typeface="Calibri" panose="020F0502020204030204" pitchFamily="34" charset="0"/>
+                        </a:rPr>
+                        <a:t>10</a:t>
+                      </a:r>
+                    </a:p>
+                  </a:txBody>
+                  <a:tcPr marL="6350" marR="6350" marT="6350" marB="0" anchor="ctr">
+                    <a:lnL w="6350" cap="flat" cmpd="sng" algn="ctr">
+                      <a:solidFill>
+                        <a:schemeClr val="accent2">
+                          <a:lumMod val="60000"/>
+                          <a:lumOff val="40000"/>
+                        </a:schemeClr>
+                      </a:solidFill>
+                      <a:prstDash val="solid"/>
+                      <a:round/>
+                      <a:headEnd type="none" w="med" len="med"/>
+                      <a:tailEnd type="none" w="med" len="med"/>
+                    </a:lnL>
+                    <a:lnR w="6350" cap="flat" cmpd="sng" algn="ctr">
+                      <a:solidFill>
+                        <a:schemeClr val="accent2">
+                          <a:lumMod val="60000"/>
+                          <a:lumOff val="40000"/>
+                        </a:schemeClr>
+                      </a:solidFill>
+                      <a:prstDash val="solid"/>
+                      <a:round/>
+                      <a:headEnd type="none" w="med" len="med"/>
+                      <a:tailEnd type="none" w="med" len="med"/>
+                    </a:lnR>
+                    <a:lnT w="6350" cap="flat" cmpd="sng" algn="ctr">
+                      <a:solidFill>
+                        <a:schemeClr val="accent2">
+                          <a:lumMod val="60000"/>
+                          <a:lumOff val="40000"/>
+                        </a:schemeClr>
+                      </a:solidFill>
+                      <a:prstDash val="solid"/>
+                      <a:round/>
+                      <a:headEnd type="none" w="med" len="med"/>
+                      <a:tailEnd type="none" w="med" len="med"/>
+                    </a:lnT>
+                    <a:lnB w="6350" cap="flat" cmpd="sng" algn="ctr">
+                      <a:solidFill>
+                        <a:schemeClr val="accent2">
+                          <a:lumMod val="60000"/>
+                          <a:lumOff val="40000"/>
+                        </a:schemeClr>
+                      </a:solidFill>
+                      <a:prstDash val="solid"/>
+                      <a:round/>
+                      <a:headEnd type="none" w="med" len="med"/>
+                      <a:tailEnd type="none" w="med" len="med"/>
+                    </a:lnB>
+                    <a:lnTlToBr w="12700" cmpd="sng">
+                      <a:noFill/>
+                      <a:prstDash val="solid"/>
+                    </a:lnTlToBr>
+                    <a:lnBlToTr w="12700" cmpd="sng">
+                      <a:noFill/>
+                      <a:prstDash val="solid"/>
+                    </a:lnBlToTr>
+                    <a:solidFill>
+                      <a:schemeClr val="bg1">
+                        <a:lumMod val="95000"/>
+                      </a:schemeClr>
+                    </a:solidFill>
+                  </a:tcPr>
+                </a:tc>
+                <a:tc>
+                  <a:txBody>
+                    <a:bodyPr/>
+                    <a:lstStyle/>
+                    <a:p>
+                      <a:pPr algn="ctr" fontAlgn="b"/>
+                      <a:r>
+                        <a:rPr lang="de-DE" sz="1800" b="0" i="0" u="none" strike="noStrike" dirty="0">
+                          <a:solidFill>
+                            <a:schemeClr val="accent2">
+                              <a:lumMod val="50000"/>
+                            </a:schemeClr>
+                          </a:solidFill>
+                          <a:effectLst/>
+                          <a:latin typeface="Calibri" panose="020F0502020204030204" pitchFamily="34" charset="0"/>
+                          <a:ea typeface="Calibri" panose="020F0502020204030204" pitchFamily="34" charset="0"/>
+                          <a:cs typeface="Calibri" panose="020F0502020204030204" pitchFamily="34" charset="0"/>
+                        </a:rPr>
+                        <a:t>1.5</a:t>
+                      </a:r>
+                    </a:p>
+                  </a:txBody>
+                  <a:tcPr marL="6350" marR="6350" marT="6350" marB="0" anchor="ctr">
+                    <a:lnL w="6350" cap="flat" cmpd="sng" algn="ctr">
+                      <a:solidFill>
+                        <a:schemeClr val="accent2">
+                          <a:lumMod val="60000"/>
+                          <a:lumOff val="40000"/>
+                        </a:schemeClr>
+                      </a:solidFill>
+                      <a:prstDash val="solid"/>
+                      <a:round/>
+                      <a:headEnd type="none" w="med" len="med"/>
+                      <a:tailEnd type="none" w="med" len="med"/>
+                    </a:lnL>
+                    <a:lnR w="28575" cap="flat" cmpd="sng" algn="ctr">
+                      <a:solidFill>
+                        <a:schemeClr val="accent2">
+                          <a:lumMod val="75000"/>
+                        </a:schemeClr>
+                      </a:solidFill>
+                      <a:prstDash val="solid"/>
+                      <a:round/>
+                      <a:headEnd type="none" w="med" len="med"/>
+                      <a:tailEnd type="none" w="med" len="med"/>
+                    </a:lnR>
+                    <a:lnT w="6350" cap="flat" cmpd="sng" algn="ctr">
+                      <a:solidFill>
+                        <a:schemeClr val="accent2">
+                          <a:lumMod val="60000"/>
+                          <a:lumOff val="40000"/>
+                        </a:schemeClr>
+                      </a:solidFill>
+                      <a:prstDash val="solid"/>
+                      <a:round/>
+                      <a:headEnd type="none" w="med" len="med"/>
+                      <a:tailEnd type="none" w="med" len="med"/>
+                    </a:lnT>
+                    <a:lnB w="6350" cap="flat" cmpd="sng" algn="ctr">
+                      <a:solidFill>
+                        <a:schemeClr val="accent2">
+                          <a:lumMod val="60000"/>
+                          <a:lumOff val="40000"/>
+                        </a:schemeClr>
+                      </a:solidFill>
+                      <a:prstDash val="solid"/>
+                      <a:round/>
+                      <a:headEnd type="none" w="med" len="med"/>
+                      <a:tailEnd type="none" w="med" len="med"/>
+                    </a:lnB>
+                    <a:lnTlToBr w="12700" cmpd="sng">
+                      <a:noFill/>
+                      <a:prstDash val="solid"/>
+                    </a:lnTlToBr>
+                    <a:lnBlToTr w="12700" cmpd="sng">
+                      <a:noFill/>
+                      <a:prstDash val="solid"/>
+                    </a:lnBlToTr>
+                    <a:solidFill>
+                      <a:schemeClr val="bg1">
+                        <a:lumMod val="95000"/>
+                      </a:schemeClr>
+                    </a:solidFill>
+                  </a:tcPr>
+                </a:tc>
+                <a:extLst>
+                  <a:ext uri="{0D108BD9-81ED-4DB2-BD59-A6C34878D82A}">
+                    <a16:rowId xmlns:a16="http://schemas.microsoft.com/office/drawing/2014/main" val="603571528"/>
+                  </a:ext>
+                </a:extLst>
+              </a:tr>
+              <a:tr h="403225">
+                <a:tc>
+                  <a:txBody>
+                    <a:bodyPr/>
+                    <a:lstStyle/>
+                    <a:p>
+                      <a:r>
+                        <a:rPr lang="de-DE" b="0" dirty="0"/>
+                        <a:t>Teiler</a:t>
+                      </a:r>
+                      <a:r>
+                        <a:rPr lang="de-DE" dirty="0"/>
+                        <a:t>: 5</a:t>
+                      </a:r>
+                    </a:p>
+                  </a:txBody>
+                  <a:tcPr anchor="ctr">
+                    <a:lnL w="28575" cap="flat" cmpd="sng" algn="ctr">
+                      <a:solidFill>
+                        <a:schemeClr val="accent2">
+                          <a:lumMod val="75000"/>
+                        </a:schemeClr>
+                      </a:solidFill>
+                      <a:prstDash val="solid"/>
+                      <a:round/>
+                      <a:headEnd type="none" w="med" len="med"/>
+                      <a:tailEnd type="none" w="med" len="med"/>
+                    </a:lnL>
+                    <a:lnR w="28575" cap="flat" cmpd="sng" algn="ctr">
+                      <a:solidFill>
+                        <a:schemeClr val="accent2">
+                          <a:lumMod val="75000"/>
+                        </a:schemeClr>
+                      </a:solidFill>
+                      <a:prstDash val="solid"/>
+                      <a:round/>
+                      <a:headEnd type="none" w="med" len="med"/>
+                      <a:tailEnd type="none" w="med" len="med"/>
+                    </a:lnR>
+                    <a:lnT w="12700" cmpd="sng">
+                      <a:noFill/>
+                    </a:lnT>
+                    <a:lnB w="12700" cmpd="sng">
+                      <a:noFill/>
+                    </a:lnB>
+                    <a:lnTlToBr w="12700" cmpd="sng">
+                      <a:noFill/>
+                      <a:prstDash val="solid"/>
+                    </a:lnTlToBr>
+                    <a:lnBlToTr w="12700" cmpd="sng">
+                      <a:noFill/>
+                      <a:prstDash val="solid"/>
+                    </a:lnBlToTr>
+                    <a:solidFill>
+                      <a:schemeClr val="accent2">
+                        <a:lumMod val="40000"/>
+                        <a:lumOff val="60000"/>
+                      </a:schemeClr>
+                    </a:solidFill>
+                  </a:tcPr>
+                </a:tc>
+                <a:tc>
+                  <a:txBody>
+                    <a:bodyPr/>
+                    <a:lstStyle/>
+                    <a:p>
+                      <a:pPr algn="ctr" fontAlgn="b"/>
+                      <a:r>
+                        <a:rPr lang="de-DE" sz="1800" b="0" i="0" u="none" strike="noStrike">
+                          <a:solidFill>
+                            <a:schemeClr val="accent2">
+                              <a:lumMod val="50000"/>
+                            </a:schemeClr>
+                          </a:solidFill>
+                          <a:effectLst/>
+                          <a:latin typeface="Calibri" panose="020F0502020204030204" pitchFamily="34" charset="0"/>
+                          <a:ea typeface="Calibri" panose="020F0502020204030204" pitchFamily="34" charset="0"/>
+                          <a:cs typeface="Calibri" panose="020F0502020204030204" pitchFamily="34" charset="0"/>
+                        </a:rPr>
+                        <a:t>14.8</a:t>
+                      </a:r>
+                    </a:p>
+                  </a:txBody>
+                  <a:tcPr marL="6350" marR="6350" marT="6350" marB="0" anchor="ctr">
+                    <a:lnL w="28575" cap="flat" cmpd="sng" algn="ctr">
+                      <a:solidFill>
+                        <a:schemeClr val="accent2">
+                          <a:lumMod val="75000"/>
+                        </a:schemeClr>
+                      </a:solidFill>
+                      <a:prstDash val="solid"/>
+                      <a:round/>
+                      <a:headEnd type="none" w="med" len="med"/>
+                      <a:tailEnd type="none" w="med" len="med"/>
+                    </a:lnL>
+                    <a:lnR w="6350" cap="flat" cmpd="sng" algn="ctr">
+                      <a:solidFill>
+                        <a:schemeClr val="accent2">
+                          <a:lumMod val="60000"/>
+                          <a:lumOff val="40000"/>
+                        </a:schemeClr>
+                      </a:solidFill>
+                      <a:prstDash val="solid"/>
+                      <a:round/>
+                      <a:headEnd type="none" w="med" len="med"/>
+                      <a:tailEnd type="none" w="med" len="med"/>
+                    </a:lnR>
+                    <a:lnT w="6350" cap="flat" cmpd="sng" algn="ctr">
+                      <a:solidFill>
+                        <a:schemeClr val="accent2">
+                          <a:lumMod val="60000"/>
+                          <a:lumOff val="40000"/>
+                        </a:schemeClr>
+                      </a:solidFill>
+                      <a:prstDash val="solid"/>
+                      <a:round/>
+                      <a:headEnd type="none" w="med" len="med"/>
+                      <a:tailEnd type="none" w="med" len="med"/>
+                    </a:lnT>
+                    <a:lnB w="6350" cap="flat" cmpd="sng" algn="ctr">
+                      <a:solidFill>
+                        <a:schemeClr val="accent2">
+                          <a:lumMod val="60000"/>
+                          <a:lumOff val="40000"/>
+                        </a:schemeClr>
+                      </a:solidFill>
+                      <a:prstDash val="solid"/>
+                      <a:round/>
+                      <a:headEnd type="none" w="med" len="med"/>
+                      <a:tailEnd type="none" w="med" len="med"/>
+                    </a:lnB>
+                    <a:lnTlToBr w="12700" cmpd="sng">
+                      <a:noFill/>
+                      <a:prstDash val="solid"/>
+                    </a:lnTlToBr>
+                    <a:lnBlToTr w="12700" cmpd="sng">
+                      <a:noFill/>
+                      <a:prstDash val="solid"/>
+                    </a:lnBlToTr>
+                    <a:solidFill>
+                      <a:schemeClr val="bg1">
+                        <a:lumMod val="95000"/>
+                      </a:schemeClr>
+                    </a:solidFill>
+                  </a:tcPr>
+                </a:tc>
+                <a:tc>
+                  <a:txBody>
+                    <a:bodyPr/>
+                    <a:lstStyle/>
+                    <a:p>
+                      <a:pPr algn="ctr" fontAlgn="b"/>
+                      <a:r>
+                        <a:rPr lang="de-DE" sz="1800" b="0" i="0" u="none" strike="noStrike" dirty="0">
+                          <a:solidFill>
+                            <a:schemeClr val="accent2">
+                              <a:lumMod val="50000"/>
+                            </a:schemeClr>
+                          </a:solidFill>
+                          <a:effectLst/>
+                          <a:latin typeface="Calibri" panose="020F0502020204030204" pitchFamily="34" charset="0"/>
+                          <a:ea typeface="Calibri" panose="020F0502020204030204" pitchFamily="34" charset="0"/>
+                          <a:cs typeface="Calibri" panose="020F0502020204030204" pitchFamily="34" charset="0"/>
+                        </a:rPr>
+                        <a:t>8</a:t>
+                      </a:r>
+                    </a:p>
+                  </a:txBody>
+                  <a:tcPr marL="6350" marR="6350" marT="6350" marB="0" anchor="ctr">
+                    <a:lnL w="6350" cap="flat" cmpd="sng" algn="ctr">
+                      <a:solidFill>
+                        <a:schemeClr val="accent2">
+                          <a:lumMod val="60000"/>
+                          <a:lumOff val="40000"/>
+                        </a:schemeClr>
+                      </a:solidFill>
+                      <a:prstDash val="solid"/>
+                      <a:round/>
+                      <a:headEnd type="none" w="med" len="med"/>
+                      <a:tailEnd type="none" w="med" len="med"/>
+                    </a:lnL>
+                    <a:lnR w="6350" cap="flat" cmpd="sng" algn="ctr">
+                      <a:solidFill>
+                        <a:schemeClr val="accent2">
+                          <a:lumMod val="60000"/>
+                          <a:lumOff val="40000"/>
+                        </a:schemeClr>
+                      </a:solidFill>
+                      <a:prstDash val="solid"/>
+                      <a:round/>
+                      <a:headEnd type="none" w="med" len="med"/>
+                      <a:tailEnd type="none" w="med" len="med"/>
+                    </a:lnR>
+                    <a:lnT w="6350" cap="flat" cmpd="sng" algn="ctr">
+                      <a:solidFill>
+                        <a:schemeClr val="accent2">
+                          <a:lumMod val="60000"/>
+                          <a:lumOff val="40000"/>
+                        </a:schemeClr>
+                      </a:solidFill>
+                      <a:prstDash val="solid"/>
+                      <a:round/>
+                      <a:headEnd type="none" w="med" len="med"/>
+                      <a:tailEnd type="none" w="med" len="med"/>
+                    </a:lnT>
+                    <a:lnB w="6350" cap="flat" cmpd="sng" algn="ctr">
+                      <a:solidFill>
+                        <a:schemeClr val="accent2">
+                          <a:lumMod val="60000"/>
+                          <a:lumOff val="40000"/>
+                        </a:schemeClr>
+                      </a:solidFill>
+                      <a:prstDash val="solid"/>
+                      <a:round/>
+                      <a:headEnd type="none" w="med" len="med"/>
+                      <a:tailEnd type="none" w="med" len="med"/>
+                    </a:lnB>
+                    <a:lnTlToBr w="12700" cmpd="sng">
+                      <a:noFill/>
+                      <a:prstDash val="solid"/>
+                    </a:lnTlToBr>
+                    <a:lnBlToTr w="12700" cmpd="sng">
+                      <a:noFill/>
+                      <a:prstDash val="solid"/>
+                    </a:lnBlToTr>
+                    <a:solidFill>
+                      <a:schemeClr val="bg1">
+                        <a:lumMod val="95000"/>
+                      </a:schemeClr>
+                    </a:solidFill>
+                  </a:tcPr>
+                </a:tc>
+                <a:tc>
+                  <a:txBody>
+                    <a:bodyPr/>
+                    <a:lstStyle/>
+                    <a:p>
+                      <a:pPr algn="ctr" fontAlgn="b"/>
+                      <a:r>
+                        <a:rPr lang="de-DE" sz="1800" b="0" i="0" u="none" strike="noStrike" dirty="0">
+                          <a:solidFill>
+                            <a:schemeClr val="accent2">
+                              <a:lumMod val="50000"/>
+                            </a:schemeClr>
+                          </a:solidFill>
+                          <a:effectLst/>
+                          <a:latin typeface="Calibri" panose="020F0502020204030204" pitchFamily="34" charset="0"/>
+                          <a:ea typeface="Calibri" panose="020F0502020204030204" pitchFamily="34" charset="0"/>
+                          <a:cs typeface="Calibri" panose="020F0502020204030204" pitchFamily="34" charset="0"/>
+                        </a:rPr>
+                        <a:t>1.2</a:t>
+                      </a:r>
+                    </a:p>
+                  </a:txBody>
+                  <a:tcPr marL="6350" marR="6350" marT="6350" marB="0" anchor="ctr">
+                    <a:lnL w="6350" cap="flat" cmpd="sng" algn="ctr">
+                      <a:solidFill>
+                        <a:schemeClr val="accent2">
+                          <a:lumMod val="60000"/>
+                          <a:lumOff val="40000"/>
+                        </a:schemeClr>
+                      </a:solidFill>
+                      <a:prstDash val="solid"/>
+                      <a:round/>
+                      <a:headEnd type="none" w="med" len="med"/>
+                      <a:tailEnd type="none" w="med" len="med"/>
+                    </a:lnL>
+                    <a:lnR w="28575" cap="flat" cmpd="sng" algn="ctr">
+                      <a:solidFill>
+                        <a:schemeClr val="accent2">
+                          <a:lumMod val="75000"/>
+                        </a:schemeClr>
+                      </a:solidFill>
+                      <a:prstDash val="solid"/>
+                      <a:round/>
+                      <a:headEnd type="none" w="med" len="med"/>
+                      <a:tailEnd type="none" w="med" len="med"/>
+                    </a:lnR>
+                    <a:lnT w="6350" cap="flat" cmpd="sng" algn="ctr">
+                      <a:solidFill>
+                        <a:schemeClr val="accent2">
+                          <a:lumMod val="60000"/>
+                          <a:lumOff val="40000"/>
+                        </a:schemeClr>
+                      </a:solidFill>
+                      <a:prstDash val="solid"/>
+                      <a:round/>
+                      <a:headEnd type="none" w="med" len="med"/>
+                      <a:tailEnd type="none" w="med" len="med"/>
+                    </a:lnT>
+                    <a:lnB w="6350" cap="flat" cmpd="sng" algn="ctr">
+                      <a:solidFill>
+                        <a:schemeClr val="accent2">
+                          <a:lumMod val="60000"/>
+                          <a:lumOff val="40000"/>
+                        </a:schemeClr>
+                      </a:solidFill>
+                      <a:prstDash val="solid"/>
+                      <a:round/>
+                      <a:headEnd type="none" w="med" len="med"/>
+                      <a:tailEnd type="none" w="med" len="med"/>
+                    </a:lnB>
+                    <a:lnTlToBr w="12700" cmpd="sng">
+                      <a:noFill/>
+                      <a:prstDash val="solid"/>
+                    </a:lnTlToBr>
+                    <a:lnBlToTr w="12700" cmpd="sng">
+                      <a:noFill/>
+                      <a:prstDash val="solid"/>
+                    </a:lnBlToTr>
+                    <a:solidFill>
+                      <a:schemeClr val="bg1">
+                        <a:lumMod val="95000"/>
+                      </a:schemeClr>
+                    </a:solidFill>
+                  </a:tcPr>
+                </a:tc>
+                <a:extLst>
+                  <a:ext uri="{0D108BD9-81ED-4DB2-BD59-A6C34878D82A}">
+                    <a16:rowId xmlns:a16="http://schemas.microsoft.com/office/drawing/2014/main" val="262747139"/>
+                  </a:ext>
+                </a:extLst>
+              </a:tr>
+              <a:tr h="403225">
+                <a:tc>
+                  <a:txBody>
+                    <a:bodyPr/>
+                    <a:lstStyle/>
+                    <a:p>
+                      <a:r>
+                        <a:rPr lang="de-DE" b="0" dirty="0"/>
+                        <a:t>Teiler</a:t>
+                      </a:r>
+                      <a:r>
+                        <a:rPr lang="de-DE" dirty="0"/>
+                        <a:t>: 6</a:t>
+                      </a:r>
+                    </a:p>
+                  </a:txBody>
+                  <a:tcPr anchor="ctr">
+                    <a:lnL w="28575" cap="flat" cmpd="sng" algn="ctr">
+                      <a:solidFill>
+                        <a:schemeClr val="accent2">
+                          <a:lumMod val="75000"/>
+                        </a:schemeClr>
+                      </a:solidFill>
+                      <a:prstDash val="solid"/>
+                      <a:round/>
+                      <a:headEnd type="none" w="med" len="med"/>
+                      <a:tailEnd type="none" w="med" len="med"/>
+                    </a:lnL>
+                    <a:lnR w="28575" cap="flat" cmpd="sng" algn="ctr">
+                      <a:solidFill>
+                        <a:schemeClr val="accent2">
+                          <a:lumMod val="75000"/>
+                        </a:schemeClr>
+                      </a:solidFill>
+                      <a:prstDash val="solid"/>
+                      <a:round/>
+                      <a:headEnd type="none" w="med" len="med"/>
+                      <a:tailEnd type="none" w="med" len="med"/>
+                    </a:lnR>
+                    <a:lnT w="12700" cmpd="sng">
+                      <a:noFill/>
+                    </a:lnT>
+                    <a:lnB w="12700" cmpd="sng">
+                      <a:noFill/>
+                    </a:lnB>
+                    <a:lnTlToBr w="12700" cmpd="sng">
+                      <a:noFill/>
+                      <a:prstDash val="solid"/>
+                    </a:lnTlToBr>
+                    <a:lnBlToTr w="12700" cmpd="sng">
+                      <a:noFill/>
+                      <a:prstDash val="solid"/>
+                    </a:lnBlToTr>
+                    <a:solidFill>
+                      <a:schemeClr val="accent2">
+                        <a:lumMod val="40000"/>
+                        <a:lumOff val="60000"/>
+                      </a:schemeClr>
+                    </a:solidFill>
+                  </a:tcPr>
+                </a:tc>
+                <a:tc>
+                  <a:txBody>
+                    <a:bodyPr/>
+                    <a:lstStyle/>
+                    <a:p>
+                      <a:pPr algn="ctr" fontAlgn="b"/>
+                      <a:r>
+                        <a:rPr lang="de-DE" sz="1800" b="0" i="0" u="none" strike="noStrike" dirty="0">
+                          <a:solidFill>
+                            <a:schemeClr val="accent2">
+                              <a:lumMod val="50000"/>
+                            </a:schemeClr>
+                          </a:solidFill>
+                          <a:effectLst/>
+                          <a:latin typeface="Calibri" panose="020F0502020204030204" pitchFamily="34" charset="0"/>
+                          <a:ea typeface="Calibri" panose="020F0502020204030204" pitchFamily="34" charset="0"/>
+                          <a:cs typeface="Calibri" panose="020F0502020204030204" pitchFamily="34" charset="0"/>
+                        </a:rPr>
+                        <a:t>12.33</a:t>
+                      </a:r>
+                    </a:p>
+                  </a:txBody>
+                  <a:tcPr marL="6350" marR="6350" marT="6350" marB="0" anchor="ctr">
+                    <a:lnL w="28575" cap="flat" cmpd="sng" algn="ctr">
+                      <a:solidFill>
+                        <a:schemeClr val="accent2">
+                          <a:lumMod val="75000"/>
+                        </a:schemeClr>
+                      </a:solidFill>
+                      <a:prstDash val="solid"/>
+                      <a:round/>
+                      <a:headEnd type="none" w="med" len="med"/>
+                      <a:tailEnd type="none" w="med" len="med"/>
+                    </a:lnL>
+                    <a:lnR w="6350" cap="flat" cmpd="sng" algn="ctr">
+                      <a:solidFill>
+                        <a:schemeClr val="accent2">
+                          <a:lumMod val="60000"/>
+                          <a:lumOff val="40000"/>
+                        </a:schemeClr>
+                      </a:solidFill>
+                      <a:prstDash val="solid"/>
+                      <a:round/>
+                      <a:headEnd type="none" w="med" len="med"/>
+                      <a:tailEnd type="none" w="med" len="med"/>
+                    </a:lnR>
+                    <a:lnT w="6350" cap="flat" cmpd="sng" algn="ctr">
+                      <a:solidFill>
+                        <a:schemeClr val="accent2">
+                          <a:lumMod val="60000"/>
+                          <a:lumOff val="40000"/>
+                        </a:schemeClr>
+                      </a:solidFill>
+                      <a:prstDash val="solid"/>
+                      <a:round/>
+                      <a:headEnd type="none" w="med" len="med"/>
+                      <a:tailEnd type="none" w="med" len="med"/>
+                    </a:lnT>
+                    <a:lnB w="6350" cap="flat" cmpd="sng" algn="ctr">
+                      <a:solidFill>
+                        <a:schemeClr val="accent2">
+                          <a:lumMod val="60000"/>
+                          <a:lumOff val="40000"/>
+                        </a:schemeClr>
+                      </a:solidFill>
+                      <a:prstDash val="solid"/>
+                      <a:round/>
+                      <a:headEnd type="none" w="med" len="med"/>
+                      <a:tailEnd type="none" w="med" len="med"/>
+                    </a:lnB>
+                    <a:lnTlToBr w="12700" cmpd="sng">
+                      <a:noFill/>
+                      <a:prstDash val="solid"/>
+                    </a:lnTlToBr>
+                    <a:lnBlToTr w="12700" cmpd="sng">
+                      <a:noFill/>
+                      <a:prstDash val="solid"/>
+                    </a:lnBlToTr>
+                    <a:solidFill>
+                      <a:schemeClr val="bg1">
+                        <a:lumMod val="95000"/>
+                      </a:schemeClr>
+                    </a:solidFill>
+                  </a:tcPr>
+                </a:tc>
+                <a:tc>
+                  <a:txBody>
+                    <a:bodyPr/>
+                    <a:lstStyle/>
+                    <a:p>
+                      <a:pPr algn="ctr" fontAlgn="b"/>
+                      <a:r>
+                        <a:rPr lang="de-DE" sz="1800" b="0" i="0" u="none" strike="noStrike" dirty="0">
+                          <a:solidFill>
+                            <a:schemeClr val="accent2">
+                              <a:lumMod val="50000"/>
+                            </a:schemeClr>
+                          </a:solidFill>
+                          <a:effectLst/>
+                          <a:latin typeface="Calibri" panose="020F0502020204030204" pitchFamily="34" charset="0"/>
+                          <a:ea typeface="Calibri" panose="020F0502020204030204" pitchFamily="34" charset="0"/>
+                          <a:cs typeface="Calibri" panose="020F0502020204030204" pitchFamily="34" charset="0"/>
+                        </a:rPr>
+                        <a:t>6.67</a:t>
+                      </a:r>
+                    </a:p>
+                  </a:txBody>
+                  <a:tcPr marL="6350" marR="6350" marT="6350" marB="0" anchor="ctr">
+                    <a:lnL w="6350" cap="flat" cmpd="sng" algn="ctr">
+                      <a:solidFill>
+                        <a:schemeClr val="accent2">
+                          <a:lumMod val="60000"/>
+                          <a:lumOff val="40000"/>
+                        </a:schemeClr>
+                      </a:solidFill>
+                      <a:prstDash val="solid"/>
+                      <a:round/>
+                      <a:headEnd type="none" w="med" len="med"/>
+                      <a:tailEnd type="none" w="med" len="med"/>
+                    </a:lnL>
+                    <a:lnR w="6350" cap="flat" cmpd="sng" algn="ctr">
+                      <a:solidFill>
+                        <a:schemeClr val="accent2">
+                          <a:lumMod val="60000"/>
+                          <a:lumOff val="40000"/>
+                        </a:schemeClr>
+                      </a:solidFill>
+                      <a:prstDash val="solid"/>
+                      <a:round/>
+                      <a:headEnd type="none" w="med" len="med"/>
+                      <a:tailEnd type="none" w="med" len="med"/>
+                    </a:lnR>
+                    <a:lnT w="6350" cap="flat" cmpd="sng" algn="ctr">
+                      <a:solidFill>
+                        <a:schemeClr val="accent2">
+                          <a:lumMod val="60000"/>
+                          <a:lumOff val="40000"/>
+                        </a:schemeClr>
+                      </a:solidFill>
+                      <a:prstDash val="solid"/>
+                      <a:round/>
+                      <a:headEnd type="none" w="med" len="med"/>
+                      <a:tailEnd type="none" w="med" len="med"/>
+                    </a:lnT>
+                    <a:lnB w="6350" cap="flat" cmpd="sng" algn="ctr">
+                      <a:solidFill>
+                        <a:schemeClr val="accent2">
+                          <a:lumMod val="60000"/>
+                          <a:lumOff val="40000"/>
+                        </a:schemeClr>
+                      </a:solidFill>
+                      <a:prstDash val="solid"/>
+                      <a:round/>
+                      <a:headEnd type="none" w="med" len="med"/>
+                      <a:tailEnd type="none" w="med" len="med"/>
+                    </a:lnB>
+                    <a:lnTlToBr w="12700" cmpd="sng">
+                      <a:noFill/>
+                      <a:prstDash val="solid"/>
+                    </a:lnTlToBr>
+                    <a:lnBlToTr w="12700" cmpd="sng">
+                      <a:noFill/>
+                      <a:prstDash val="solid"/>
+                    </a:lnBlToTr>
+                    <a:solidFill>
+                      <a:schemeClr val="bg1">
+                        <a:lumMod val="95000"/>
+                      </a:schemeClr>
+                    </a:solidFill>
+                  </a:tcPr>
+                </a:tc>
+                <a:tc>
+                  <a:txBody>
+                    <a:bodyPr/>
+                    <a:lstStyle/>
+                    <a:p>
+                      <a:pPr algn="ctr" fontAlgn="b"/>
+                      <a:r>
+                        <a:rPr lang="de-DE" sz="1800" b="0" i="0" u="none" strike="noStrike" dirty="0">
+                          <a:solidFill>
+                            <a:schemeClr val="accent2">
+                              <a:lumMod val="50000"/>
+                            </a:schemeClr>
+                          </a:solidFill>
+                          <a:effectLst/>
+                          <a:latin typeface="Calibri" panose="020F0502020204030204" pitchFamily="34" charset="0"/>
+                          <a:ea typeface="Calibri" panose="020F0502020204030204" pitchFamily="34" charset="0"/>
+                          <a:cs typeface="Calibri" panose="020F0502020204030204" pitchFamily="34" charset="0"/>
+                        </a:rPr>
+                        <a:t>1</a:t>
+                      </a:r>
+                    </a:p>
+                  </a:txBody>
+                  <a:tcPr marL="6350" marR="6350" marT="6350" marB="0" anchor="ctr">
+                    <a:lnL w="6350" cap="flat" cmpd="sng" algn="ctr">
+                      <a:solidFill>
+                        <a:schemeClr val="accent2">
+                          <a:lumMod val="60000"/>
+                          <a:lumOff val="40000"/>
+                        </a:schemeClr>
+                      </a:solidFill>
+                      <a:prstDash val="solid"/>
+                      <a:round/>
+                      <a:headEnd type="none" w="med" len="med"/>
+                      <a:tailEnd type="none" w="med" len="med"/>
+                    </a:lnL>
+                    <a:lnR w="28575" cap="flat" cmpd="sng" algn="ctr">
+                      <a:solidFill>
+                        <a:schemeClr val="accent2">
+                          <a:lumMod val="75000"/>
+                        </a:schemeClr>
+                      </a:solidFill>
+                      <a:prstDash val="solid"/>
+                      <a:round/>
+                      <a:headEnd type="none" w="med" len="med"/>
+                      <a:tailEnd type="none" w="med" len="med"/>
+                    </a:lnR>
+                    <a:lnT w="6350" cap="flat" cmpd="sng" algn="ctr">
+                      <a:solidFill>
+                        <a:schemeClr val="accent2">
+                          <a:lumMod val="60000"/>
+                          <a:lumOff val="40000"/>
+                        </a:schemeClr>
+                      </a:solidFill>
+                      <a:prstDash val="solid"/>
+                      <a:round/>
+                      <a:headEnd type="none" w="med" len="med"/>
+                      <a:tailEnd type="none" w="med" len="med"/>
+                    </a:lnT>
+                    <a:lnB w="6350" cap="flat" cmpd="sng" algn="ctr">
+                      <a:solidFill>
+                        <a:schemeClr val="accent2">
+                          <a:lumMod val="60000"/>
+                          <a:lumOff val="40000"/>
+                        </a:schemeClr>
+                      </a:solidFill>
+                      <a:prstDash val="solid"/>
+                      <a:round/>
+                      <a:headEnd type="none" w="med" len="med"/>
+                      <a:tailEnd type="none" w="med" len="med"/>
+                    </a:lnB>
+                    <a:lnTlToBr w="12700" cmpd="sng">
+                      <a:noFill/>
+                      <a:prstDash val="solid"/>
+                    </a:lnTlToBr>
+                    <a:lnBlToTr w="12700" cmpd="sng">
+                      <a:noFill/>
+                      <a:prstDash val="solid"/>
+                    </a:lnBlToTr>
+                    <a:solidFill>
+                      <a:schemeClr val="bg1">
+                        <a:lumMod val="95000"/>
+                      </a:schemeClr>
+                    </a:solidFill>
+                  </a:tcPr>
+                </a:tc>
+                <a:extLst>
+                  <a:ext uri="{0D108BD9-81ED-4DB2-BD59-A6C34878D82A}">
+                    <a16:rowId xmlns:a16="http://schemas.microsoft.com/office/drawing/2014/main" val="450054135"/>
+                  </a:ext>
+                </a:extLst>
+              </a:tr>
+              <a:tr h="403225">
+                <a:tc>
+                  <a:txBody>
+                    <a:bodyPr/>
+                    <a:lstStyle/>
+                    <a:p>
+                      <a:r>
+                        <a:rPr lang="de-DE" b="0" dirty="0"/>
+                        <a:t>Teiler</a:t>
+                      </a:r>
+                      <a:r>
+                        <a:rPr lang="de-DE" dirty="0"/>
+                        <a:t>: 7</a:t>
+                      </a:r>
+                    </a:p>
+                  </a:txBody>
+                  <a:tcPr anchor="ctr">
+                    <a:lnL w="28575" cap="flat" cmpd="sng" algn="ctr">
+                      <a:solidFill>
+                        <a:schemeClr val="accent2">
+                          <a:lumMod val="75000"/>
+                        </a:schemeClr>
+                      </a:solidFill>
+                      <a:prstDash val="solid"/>
+                      <a:round/>
+                      <a:headEnd type="none" w="med" len="med"/>
+                      <a:tailEnd type="none" w="med" len="med"/>
+                    </a:lnL>
+                    <a:lnR w="28575" cap="flat" cmpd="sng" algn="ctr">
+                      <a:solidFill>
+                        <a:schemeClr val="accent2">
+                          <a:lumMod val="75000"/>
+                        </a:schemeClr>
+                      </a:solidFill>
+                      <a:prstDash val="solid"/>
+                      <a:round/>
+                      <a:headEnd type="none" w="med" len="med"/>
+                      <a:tailEnd type="none" w="med" len="med"/>
+                    </a:lnR>
+                    <a:lnT w="12700" cmpd="sng">
+                      <a:noFill/>
+                    </a:lnT>
+                    <a:lnB w="28575" cap="flat" cmpd="sng" algn="ctr">
+                      <a:solidFill>
+                        <a:schemeClr val="accent2">
+                          <a:lumMod val="75000"/>
+                        </a:schemeClr>
+                      </a:solidFill>
+                      <a:prstDash val="solid"/>
+                      <a:round/>
+                      <a:headEnd type="none" w="med" len="med"/>
+                      <a:tailEnd type="none" w="med" len="med"/>
+                    </a:lnB>
+                    <a:lnTlToBr w="12700" cmpd="sng">
+                      <a:noFill/>
+                      <a:prstDash val="solid"/>
+                    </a:lnTlToBr>
+                    <a:lnBlToTr w="12700" cmpd="sng">
+                      <a:noFill/>
+                      <a:prstDash val="solid"/>
+                    </a:lnBlToTr>
+                    <a:solidFill>
+                      <a:schemeClr val="accent2">
+                        <a:lumMod val="40000"/>
+                        <a:lumOff val="60000"/>
+                      </a:schemeClr>
+                    </a:solidFill>
+                  </a:tcPr>
+                </a:tc>
+                <a:tc>
+                  <a:txBody>
+                    <a:bodyPr/>
+                    <a:lstStyle/>
+                    <a:p>
+                      <a:pPr algn="ctr" fontAlgn="b"/>
+                      <a:r>
+                        <a:rPr lang="de-DE" sz="1800" b="0" i="0" u="none" strike="noStrike" dirty="0">
+                          <a:solidFill>
+                            <a:schemeClr val="accent2">
+                              <a:lumMod val="50000"/>
+                            </a:schemeClr>
+                          </a:solidFill>
+                          <a:effectLst/>
+                          <a:latin typeface="Calibri" panose="020F0502020204030204" pitchFamily="34" charset="0"/>
+                          <a:ea typeface="Calibri" panose="020F0502020204030204" pitchFamily="34" charset="0"/>
+                          <a:cs typeface="Calibri" panose="020F0502020204030204" pitchFamily="34" charset="0"/>
+                        </a:rPr>
+                        <a:t>10.57</a:t>
+                      </a:r>
+                    </a:p>
+                  </a:txBody>
+                  <a:tcPr marL="6350" marR="6350" marT="6350" marB="0" anchor="ctr">
+                    <a:lnL w="28575" cap="flat" cmpd="sng" algn="ctr">
+                      <a:solidFill>
+                        <a:schemeClr val="accent2">
+                          <a:lumMod val="75000"/>
+                        </a:schemeClr>
+                      </a:solidFill>
+                      <a:prstDash val="solid"/>
+                      <a:round/>
+                      <a:headEnd type="none" w="med" len="med"/>
+                      <a:tailEnd type="none" w="med" len="med"/>
+                    </a:lnL>
+                    <a:lnR w="6350" cap="flat" cmpd="sng" algn="ctr">
+                      <a:solidFill>
+                        <a:schemeClr val="accent2">
+                          <a:lumMod val="60000"/>
+                          <a:lumOff val="40000"/>
+                        </a:schemeClr>
+                      </a:solidFill>
+                      <a:prstDash val="solid"/>
+                      <a:round/>
+                      <a:headEnd type="none" w="med" len="med"/>
+                      <a:tailEnd type="none" w="med" len="med"/>
+                    </a:lnR>
+                    <a:lnT w="6350" cap="flat" cmpd="sng" algn="ctr">
+                      <a:solidFill>
+                        <a:schemeClr val="accent2">
+                          <a:lumMod val="60000"/>
+                          <a:lumOff val="40000"/>
+                        </a:schemeClr>
+                      </a:solidFill>
+                      <a:prstDash val="solid"/>
+                      <a:round/>
+                      <a:headEnd type="none" w="med" len="med"/>
+                      <a:tailEnd type="none" w="med" len="med"/>
+                    </a:lnT>
+                    <a:lnB w="28575" cap="flat" cmpd="sng" algn="ctr">
+                      <a:solidFill>
+                        <a:schemeClr val="accent2">
+                          <a:lumMod val="75000"/>
+                        </a:schemeClr>
+                      </a:solidFill>
+                      <a:prstDash val="solid"/>
+                      <a:round/>
+                      <a:headEnd type="none" w="med" len="med"/>
+                      <a:tailEnd type="none" w="med" len="med"/>
+                    </a:lnB>
+                    <a:lnTlToBr w="12700" cmpd="sng">
+                      <a:noFill/>
+                      <a:prstDash val="solid"/>
+                    </a:lnTlToBr>
+                    <a:lnBlToTr w="12700" cmpd="sng">
+                      <a:noFill/>
+                      <a:prstDash val="solid"/>
+                    </a:lnBlToTr>
+                    <a:solidFill>
+                      <a:schemeClr val="bg1">
+                        <a:lumMod val="95000"/>
+                      </a:schemeClr>
+                    </a:solidFill>
+                  </a:tcPr>
+                </a:tc>
+                <a:tc>
+                  <a:txBody>
+                    <a:bodyPr/>
+                    <a:lstStyle/>
+                    <a:p>
+                      <a:pPr algn="ctr" fontAlgn="b"/>
+                      <a:r>
+                        <a:rPr lang="de-DE" sz="1800" b="0" i="0" u="none" strike="noStrike" dirty="0">
+                          <a:solidFill>
+                            <a:schemeClr val="accent2">
+                              <a:lumMod val="50000"/>
+                            </a:schemeClr>
+                          </a:solidFill>
+                          <a:effectLst/>
+                          <a:latin typeface="Calibri" panose="020F0502020204030204" pitchFamily="34" charset="0"/>
+                          <a:ea typeface="Calibri" panose="020F0502020204030204" pitchFamily="34" charset="0"/>
+                          <a:cs typeface="Calibri" panose="020F0502020204030204" pitchFamily="34" charset="0"/>
+                        </a:rPr>
+                        <a:t>5.71</a:t>
+                      </a:r>
+                    </a:p>
+                  </a:txBody>
+                  <a:tcPr marL="6350" marR="6350" marT="6350" marB="0" anchor="ctr">
+                    <a:lnL w="6350" cap="flat" cmpd="sng" algn="ctr">
+                      <a:solidFill>
+                        <a:schemeClr val="accent2">
+                          <a:lumMod val="60000"/>
+                          <a:lumOff val="40000"/>
+                        </a:schemeClr>
+                      </a:solidFill>
+                      <a:prstDash val="solid"/>
+                      <a:round/>
+                      <a:headEnd type="none" w="med" len="med"/>
+                      <a:tailEnd type="none" w="med" len="med"/>
+                    </a:lnL>
+                    <a:lnR w="6350" cap="flat" cmpd="sng" algn="ctr">
+                      <a:solidFill>
+                        <a:schemeClr val="accent2">
+                          <a:lumMod val="60000"/>
+                          <a:lumOff val="40000"/>
+                        </a:schemeClr>
+                      </a:solidFill>
+                      <a:prstDash val="solid"/>
+                      <a:round/>
+                      <a:headEnd type="none" w="med" len="med"/>
+                      <a:tailEnd type="none" w="med" len="med"/>
+                    </a:lnR>
+                    <a:lnT w="6350" cap="flat" cmpd="sng" algn="ctr">
+                      <a:solidFill>
+                        <a:schemeClr val="accent2">
+                          <a:lumMod val="60000"/>
+                          <a:lumOff val="40000"/>
+                        </a:schemeClr>
+                      </a:solidFill>
+                      <a:prstDash val="solid"/>
+                      <a:round/>
+                      <a:headEnd type="none" w="med" len="med"/>
+                      <a:tailEnd type="none" w="med" len="med"/>
+                    </a:lnT>
+                    <a:lnB w="28575" cap="flat" cmpd="sng" algn="ctr">
+                      <a:solidFill>
+                        <a:schemeClr val="accent2">
+                          <a:lumMod val="75000"/>
+                        </a:schemeClr>
+                      </a:solidFill>
+                      <a:prstDash val="solid"/>
+                      <a:round/>
+                      <a:headEnd type="none" w="med" len="med"/>
+                      <a:tailEnd type="none" w="med" len="med"/>
+                    </a:lnB>
+                    <a:lnTlToBr w="12700" cmpd="sng">
+                      <a:noFill/>
+                      <a:prstDash val="solid"/>
+                    </a:lnTlToBr>
+                    <a:lnBlToTr w="12700" cmpd="sng">
+                      <a:noFill/>
+                      <a:prstDash val="solid"/>
+                    </a:lnBlToTr>
+                    <a:solidFill>
+                      <a:schemeClr val="bg1">
+                        <a:lumMod val="95000"/>
+                      </a:schemeClr>
+                    </a:solidFill>
+                  </a:tcPr>
+                </a:tc>
+                <a:tc>
+                  <a:txBody>
+                    <a:bodyPr/>
+                    <a:lstStyle/>
+                    <a:p>
+                      <a:pPr algn="ctr" fontAlgn="b"/>
+                      <a:r>
+                        <a:rPr lang="de-DE" sz="1800" b="0" i="0" u="none" strike="noStrike" dirty="0">
+                          <a:solidFill>
+                            <a:schemeClr val="accent2">
+                              <a:lumMod val="50000"/>
+                            </a:schemeClr>
+                          </a:solidFill>
+                          <a:effectLst/>
+                          <a:latin typeface="Calibri" panose="020F0502020204030204" pitchFamily="34" charset="0"/>
+                          <a:ea typeface="Calibri" panose="020F0502020204030204" pitchFamily="34" charset="0"/>
+                          <a:cs typeface="Calibri" panose="020F0502020204030204" pitchFamily="34" charset="0"/>
+                        </a:rPr>
+                        <a:t>0.86</a:t>
+                      </a:r>
+                    </a:p>
+                  </a:txBody>
+                  <a:tcPr marL="6350" marR="6350" marT="6350" marB="0" anchor="ctr">
+                    <a:lnL w="6350" cap="flat" cmpd="sng" algn="ctr">
+                      <a:solidFill>
+                        <a:schemeClr val="accent2">
+                          <a:lumMod val="60000"/>
+                          <a:lumOff val="40000"/>
+                        </a:schemeClr>
+                      </a:solidFill>
+                      <a:prstDash val="solid"/>
+                      <a:round/>
+                      <a:headEnd type="none" w="med" len="med"/>
+                      <a:tailEnd type="none" w="med" len="med"/>
+                    </a:lnL>
+                    <a:lnR w="28575" cap="flat" cmpd="sng" algn="ctr">
+                      <a:solidFill>
+                        <a:schemeClr val="accent2">
+                          <a:lumMod val="75000"/>
+                        </a:schemeClr>
+                      </a:solidFill>
+                      <a:prstDash val="solid"/>
+                      <a:round/>
+                      <a:headEnd type="none" w="med" len="med"/>
+                      <a:tailEnd type="none" w="med" len="med"/>
+                    </a:lnR>
+                    <a:lnT w="6350" cap="flat" cmpd="sng" algn="ctr">
+                      <a:solidFill>
+                        <a:schemeClr val="accent2">
+                          <a:lumMod val="60000"/>
+                          <a:lumOff val="40000"/>
+                        </a:schemeClr>
+                      </a:solidFill>
+                      <a:prstDash val="solid"/>
+                      <a:round/>
+                      <a:headEnd type="none" w="med" len="med"/>
+                      <a:tailEnd type="none" w="med" len="med"/>
+                    </a:lnT>
+                    <a:lnB w="28575" cap="flat" cmpd="sng" algn="ctr">
+                      <a:solidFill>
+                        <a:schemeClr val="accent2">
+                          <a:lumMod val="75000"/>
+                        </a:schemeClr>
+                      </a:solidFill>
+                      <a:prstDash val="solid"/>
+                      <a:round/>
+                      <a:headEnd type="none" w="med" len="med"/>
+                      <a:tailEnd type="none" w="med" len="med"/>
+                    </a:lnB>
+                    <a:lnTlToBr w="12700" cmpd="sng">
+                      <a:noFill/>
+                      <a:prstDash val="solid"/>
+                    </a:lnTlToBr>
+                    <a:lnBlToTr w="12700" cmpd="sng">
+                      <a:noFill/>
+                      <a:prstDash val="solid"/>
+                    </a:lnBlToTr>
+                    <a:solidFill>
+                      <a:schemeClr val="bg1">
+                        <a:lumMod val="95000"/>
+                      </a:schemeClr>
+                    </a:solidFill>
+                  </a:tcPr>
+                </a:tc>
+                <a:extLst>
+                  <a:ext uri="{0D108BD9-81ED-4DB2-BD59-A6C34878D82A}">
+                    <a16:rowId xmlns:a16="http://schemas.microsoft.com/office/drawing/2014/main" val="2424594642"/>
+                  </a:ext>
+                </a:extLst>
+              </a:tr>
+            </a:tbl>
+          </a:graphicData>
+        </a:graphic>
+      </p:graphicFrame>
+      <p:sp>
+        <p:nvSpPr>
+          <p:cNvPr id="2" name="Textfeld 1">
+            <a:extLst>
+              <a:ext uri="{FF2B5EF4-FFF2-40B4-BE49-F238E27FC236}">
+                <a16:creationId xmlns:a16="http://schemas.microsoft.com/office/drawing/2014/main" id="{C23EA1EA-754E-23C5-364A-B177C4859498}"/>
+              </a:ext>
+            </a:extLst>
+          </p:cNvPr>
+          <p:cNvSpPr txBox="1"/>
+          <p:nvPr/>
+        </p:nvSpPr>
+        <p:spPr>
+          <a:xfrm>
+            <a:off x="5862320" y="1666240"/>
+            <a:ext cx="237566" cy="369332"/>
+          </a:xfrm>
+          <a:prstGeom prst="rect">
+            <a:avLst/>
+          </a:prstGeom>
+          <a:noFill/>
+        </p:spPr>
+        <p:txBody>
+          <a:bodyPr wrap="none" rtlCol="0">
+            <a:spAutoFit/>
+          </a:bodyPr>
+          <a:lstStyle/>
+          <a:p>
+            <a:r>
+              <a:rPr lang="de-DE" dirty="0"/>
+              <a:t> </a:t>
+            </a:r>
+          </a:p>
+        </p:txBody>
+      </p:sp>
+    </p:spTree>
+    <p:extLst>
+      <p:ext uri="{BB962C8B-B14F-4D97-AF65-F5344CB8AC3E}">
+        <p14:creationId xmlns:p14="http://schemas.microsoft.com/office/powerpoint/2010/main" val="2231838737"/>
+      </p:ext>
+    </p:extLst>
+  </p:cSld>
+  <p:clrMapOvr>
+    <a:masterClrMapping/>
+  </p:clrMapOvr>
+</p:sld>
+</file>
+
 <file path=ppt/slides/slide2.xml><?xml version="1.0" encoding="utf-8"?>
 <p:sld xmlns:a="http://schemas.openxmlformats.org/drawingml/2006/main" xmlns:r="http://schemas.openxmlformats.org/officeDocument/2006/relationships" xmlns:p="http://schemas.openxmlformats.org/presentationml/2006/main">
   <p:cSld>
@@ -17448,7 +22806,7 @@
                 <a14:useLocalDpi xmlns:a14="http://schemas.microsoft.com/office/drawing/2010/main" val="0"/>
               </a:ext>
               <a:ext uri="{96DAC541-7B7A-43D3-8B79-37D633B846F1}">
-                <asvg:svgBlip xmlns="" xmlns:asvg="http://schemas.microsoft.com/office/drawing/2016/SVG/main" r:embed="rId3"/>
+                <asvg:svgBlip xmlns:asvg="http://schemas.microsoft.com/office/drawing/2016/SVG/main" r:embed="rId3"/>
               </a:ext>
             </a:extLst>
           </a:blip>
@@ -17558,7 +22916,7 @@
                 <a:hlinkClick r:id="rId5">
                   <a:extLst>
                     <a:ext uri="{A12FA001-AC4F-418D-AE19-62706E023703}">
-                      <ahyp:hlinkClr xmlns="" xmlns:ahyp="http://schemas.microsoft.com/office/drawing/2018/hyperlinkcolor" val="tx"/>
+                      <ahyp:hlinkClr xmlns:ahyp="http://schemas.microsoft.com/office/drawing/2018/hyperlinkcolor" val="tx"/>
                     </a:ext>
                   </a:extLst>
                 </a:hlinkClick>
@@ -18138,7 +23496,7 @@
                 <a14:useLocalDpi xmlns:a14="http://schemas.microsoft.com/office/drawing/2010/main" val="0"/>
               </a:ext>
               <a:ext uri="{837473B0-CC2E-450A-ABE3-18F120FF3D39}">
-                <a1611:picAttrSrcUrl xmlns="" xmlns:a1611="http://schemas.microsoft.com/office/drawing/2016/11/main" r:id="rId22"/>
+                <a1611:picAttrSrcUrl xmlns:a1611="http://schemas.microsoft.com/office/drawing/2016/11/main" r:id="rId22"/>
               </a:ext>
             </a:extLst>
           </a:blip>
@@ -18624,7 +23982,7 @@
                 <a14:useLocalDpi xmlns:a14="http://schemas.microsoft.com/office/drawing/2010/main" val="0"/>
               </a:ext>
               <a:ext uri="{96DAC541-7B7A-43D3-8B79-37D633B846F1}">
-                <asvg:svgBlip xmlns="" xmlns:asvg="http://schemas.microsoft.com/office/drawing/2016/SVG/main" r:embed="rId24"/>
+                <asvg:svgBlip xmlns:asvg="http://schemas.microsoft.com/office/drawing/2016/SVG/main" r:embed="rId24"/>
               </a:ext>
             </a:extLst>
           </a:blip>
@@ -18663,7 +24021,7 @@
                 <a14:useLocalDpi xmlns:a14="http://schemas.microsoft.com/office/drawing/2010/main" val="0"/>
               </a:ext>
               <a:ext uri="{96DAC541-7B7A-43D3-8B79-37D633B846F1}">
-                <asvg:svgBlip xmlns="" xmlns:asvg="http://schemas.microsoft.com/office/drawing/2016/SVG/main" r:embed="rId24"/>
+                <asvg:svgBlip xmlns:asvg="http://schemas.microsoft.com/office/drawing/2016/SVG/main" r:embed="rId24"/>
               </a:ext>
             </a:extLst>
           </a:blip>
@@ -18702,7 +24060,7 @@
                 <a14:useLocalDpi xmlns:a14="http://schemas.microsoft.com/office/drawing/2010/main" val="0"/>
               </a:ext>
               <a:ext uri="{96DAC541-7B7A-43D3-8B79-37D633B846F1}">
-                <asvg:svgBlip xmlns="" xmlns:asvg="http://schemas.microsoft.com/office/drawing/2016/SVG/main" r:embed="rId24"/>
+                <asvg:svgBlip xmlns:asvg="http://schemas.microsoft.com/office/drawing/2016/SVG/main" r:embed="rId24"/>
               </a:ext>
             </a:extLst>
           </a:blip>
@@ -18735,13 +24093,13 @@
           <p:nvPr/>
         </p:nvPicPr>
         <p:blipFill>
-          <a:blip r:embed="rId25">
+          <a:blip r:embed="rId23">
             <a:extLst>
               <a:ext uri="{28A0092B-C50C-407E-A947-70E740481C1C}">
                 <a14:useLocalDpi xmlns:a14="http://schemas.microsoft.com/office/drawing/2010/main" val="0"/>
               </a:ext>
               <a:ext uri="{96DAC541-7B7A-43D3-8B79-37D633B846F1}">
-                <asvg:svgBlip xmlns="" xmlns:asvg="http://schemas.microsoft.com/office/drawing/2016/SVG/main" r:embed="rId24"/>
+                <asvg:svgBlip xmlns:asvg="http://schemas.microsoft.com/office/drawing/2016/SVG/main" r:embed="rId24"/>
               </a:ext>
             </a:extLst>
           </a:blip>
@@ -18780,7 +24138,7 @@
                 <a14:useLocalDpi xmlns:a14="http://schemas.microsoft.com/office/drawing/2010/main" val="0"/>
               </a:ext>
               <a:ext uri="{96DAC541-7B7A-43D3-8B79-37D633B846F1}">
-                <asvg:svgBlip xmlns="" xmlns:asvg="http://schemas.microsoft.com/office/drawing/2016/SVG/main" r:embed="rId24"/>
+                <asvg:svgBlip xmlns:asvg="http://schemas.microsoft.com/office/drawing/2016/SVG/main" r:embed="rId24"/>
               </a:ext>
             </a:extLst>
           </a:blip>
@@ -18819,7 +24177,7 @@
                 <a14:useLocalDpi xmlns:a14="http://schemas.microsoft.com/office/drawing/2010/main" val="0"/>
               </a:ext>
               <a:ext uri="{96DAC541-7B7A-43D3-8B79-37D633B846F1}">
-                <asvg:svgBlip xmlns="" xmlns:asvg="http://schemas.microsoft.com/office/drawing/2016/SVG/main" r:embed="rId24"/>
+                <asvg:svgBlip xmlns:asvg="http://schemas.microsoft.com/office/drawing/2016/SVG/main" r:embed="rId24"/>
               </a:ext>
             </a:extLst>
           </a:blip>
@@ -18858,7 +24216,7 @@
                 <a14:useLocalDpi xmlns:a14="http://schemas.microsoft.com/office/drawing/2010/main" val="0"/>
               </a:ext>
               <a:ext uri="{96DAC541-7B7A-43D3-8B79-37D633B846F1}">
-                <asvg:svgBlip xmlns="" xmlns:asvg="http://schemas.microsoft.com/office/drawing/2016/SVG/main" r:embed="rId24"/>
+                <asvg:svgBlip xmlns:asvg="http://schemas.microsoft.com/office/drawing/2016/SVG/main" r:embed="rId24"/>
               </a:ext>
             </a:extLst>
           </a:blip>
@@ -18897,7 +24255,7 @@
                 <a14:useLocalDpi xmlns:a14="http://schemas.microsoft.com/office/drawing/2010/main" val="0"/>
               </a:ext>
               <a:ext uri="{96DAC541-7B7A-43D3-8B79-37D633B846F1}">
-                <asvg:svgBlip xmlns="" xmlns:asvg="http://schemas.microsoft.com/office/drawing/2016/SVG/main" r:embed="rId24"/>
+                <asvg:svgBlip xmlns:asvg="http://schemas.microsoft.com/office/drawing/2016/SVG/main" r:embed="rId24"/>
               </a:ext>
             </a:extLst>
           </a:blip>
@@ -18966,7 +24324,7 @@
                 <a14:useLocalDpi xmlns:a14="http://schemas.microsoft.com/office/drawing/2010/main" val="0"/>
               </a:ext>
               <a:ext uri="{96DAC541-7B7A-43D3-8B79-37D633B846F1}">
-                <asvg:svgBlip xmlns="" xmlns:asvg="http://schemas.microsoft.com/office/drawing/2016/SVG/main" r:embed="rId3"/>
+                <asvg:svgBlip xmlns:asvg="http://schemas.microsoft.com/office/drawing/2016/SVG/main" r:embed="rId3"/>
               </a:ext>
             </a:extLst>
           </a:blip>
@@ -19076,7 +24434,7 @@
                 <a:hlinkClick r:id="rId5">
                   <a:extLst>
                     <a:ext uri="{A12FA001-AC4F-418D-AE19-62706E023703}">
-                      <ahyp:hlinkClr xmlns="" xmlns:ahyp="http://schemas.microsoft.com/office/drawing/2018/hyperlinkcolor" val="tx"/>
+                      <ahyp:hlinkClr xmlns:ahyp="http://schemas.microsoft.com/office/drawing/2018/hyperlinkcolor" val="tx"/>
                     </a:ext>
                   </a:extLst>
                 </a:hlinkClick>
@@ -19656,7 +25014,7 @@
                 <a14:useLocalDpi xmlns:a14="http://schemas.microsoft.com/office/drawing/2010/main" val="0"/>
               </a:ext>
               <a:ext uri="{837473B0-CC2E-450A-ABE3-18F120FF3D39}">
-                <a1611:picAttrSrcUrl xmlns="" xmlns:a1611="http://schemas.microsoft.com/office/drawing/2016/11/main" r:id="rId22"/>
+                <a1611:picAttrSrcUrl xmlns:a1611="http://schemas.microsoft.com/office/drawing/2016/11/main" r:id="rId22"/>
               </a:ext>
             </a:extLst>
           </a:blip>
@@ -19750,7 +25108,7 @@
                 <a14:useLocalDpi xmlns:a14="http://schemas.microsoft.com/office/drawing/2010/main" val="0"/>
               </a:ext>
               <a:ext uri="{96DAC541-7B7A-43D3-8B79-37D633B846F1}">
-                <asvg:svgBlip xmlns="" xmlns:asvg="http://schemas.microsoft.com/office/drawing/2016/SVG/main" r:embed="rId24"/>
+                <asvg:svgBlip xmlns:asvg="http://schemas.microsoft.com/office/drawing/2016/SVG/main" r:embed="rId24"/>
               </a:ext>
             </a:extLst>
           </a:blip>
@@ -19845,7 +25203,7 @@
                 <a14:useLocalDpi xmlns:a14="http://schemas.microsoft.com/office/drawing/2010/main" val="0"/>
               </a:ext>
               <a:ext uri="{96DAC541-7B7A-43D3-8B79-37D633B846F1}">
-                <asvg:svgBlip xmlns="" xmlns:asvg="http://schemas.microsoft.com/office/drawing/2016/SVG/main" r:embed="rId24"/>
+                <asvg:svgBlip xmlns:asvg="http://schemas.microsoft.com/office/drawing/2016/SVG/main" r:embed="rId24"/>
               </a:ext>
             </a:extLst>
           </a:blip>
@@ -19940,7 +25298,7 @@
                 <a14:useLocalDpi xmlns:a14="http://schemas.microsoft.com/office/drawing/2010/main" val="0"/>
               </a:ext>
               <a:ext uri="{96DAC541-7B7A-43D3-8B79-37D633B846F1}">
-                <asvg:svgBlip xmlns="" xmlns:asvg="http://schemas.microsoft.com/office/drawing/2016/SVG/main" r:embed="rId24"/>
+                <asvg:svgBlip xmlns:asvg="http://schemas.microsoft.com/office/drawing/2016/SVG/main" r:embed="rId24"/>
               </a:ext>
             </a:extLst>
           </a:blip>
@@ -20009,7 +25367,7 @@
                 <a14:useLocalDpi xmlns:a14="http://schemas.microsoft.com/office/drawing/2010/main" val="0"/>
               </a:ext>
               <a:ext uri="{96DAC541-7B7A-43D3-8B79-37D633B846F1}">
-                <asvg:svgBlip xmlns="" xmlns:asvg="http://schemas.microsoft.com/office/drawing/2016/SVG/main" r:embed="rId3"/>
+                <asvg:svgBlip xmlns:asvg="http://schemas.microsoft.com/office/drawing/2016/SVG/main" r:embed="rId3"/>
               </a:ext>
             </a:extLst>
           </a:blip>
@@ -20119,7 +25477,7 @@
                 <a:hlinkClick r:id="rId5">
                   <a:extLst>
                     <a:ext uri="{A12FA001-AC4F-418D-AE19-62706E023703}">
-                      <ahyp:hlinkClr xmlns="" xmlns:ahyp="http://schemas.microsoft.com/office/drawing/2018/hyperlinkcolor" val="tx"/>
+                      <ahyp:hlinkClr xmlns:ahyp="http://schemas.microsoft.com/office/drawing/2018/hyperlinkcolor" val="tx"/>
                     </a:ext>
                   </a:extLst>
                 </a:hlinkClick>
@@ -20699,7 +26057,7 @@
                 <a14:useLocalDpi xmlns:a14="http://schemas.microsoft.com/office/drawing/2010/main" val="0"/>
               </a:ext>
               <a:ext uri="{837473B0-CC2E-450A-ABE3-18F120FF3D39}">
-                <a1611:picAttrSrcUrl xmlns="" xmlns:a1611="http://schemas.microsoft.com/office/drawing/2016/11/main" r:id="rId22"/>
+                <a1611:picAttrSrcUrl xmlns:a1611="http://schemas.microsoft.com/office/drawing/2016/11/main" r:id="rId22"/>
               </a:ext>
             </a:extLst>
           </a:blip>
@@ -20793,7 +26151,7 @@
                 <a14:useLocalDpi xmlns:a14="http://schemas.microsoft.com/office/drawing/2010/main" val="0"/>
               </a:ext>
               <a:ext uri="{96DAC541-7B7A-43D3-8B79-37D633B846F1}">
-                <asvg:svgBlip xmlns="" xmlns:asvg="http://schemas.microsoft.com/office/drawing/2016/SVG/main" r:embed="rId24"/>
+                <asvg:svgBlip xmlns:asvg="http://schemas.microsoft.com/office/drawing/2016/SVG/main" r:embed="rId24"/>
               </a:ext>
             </a:extLst>
           </a:blip>
@@ -20888,7 +26246,7 @@
                 <a14:useLocalDpi xmlns:a14="http://schemas.microsoft.com/office/drawing/2010/main" val="0"/>
               </a:ext>
               <a:ext uri="{96DAC541-7B7A-43D3-8B79-37D633B846F1}">
-                <asvg:svgBlip xmlns="" xmlns:asvg="http://schemas.microsoft.com/office/drawing/2016/SVG/main" r:embed="rId24"/>
+                <asvg:svgBlip xmlns:asvg="http://schemas.microsoft.com/office/drawing/2016/SVG/main" r:embed="rId24"/>
               </a:ext>
             </a:extLst>
           </a:blip>
@@ -20983,7 +26341,7 @@
                 <a14:useLocalDpi xmlns:a14="http://schemas.microsoft.com/office/drawing/2010/main" val="0"/>
               </a:ext>
               <a:ext uri="{96DAC541-7B7A-43D3-8B79-37D633B846F1}">
-                <asvg:svgBlip xmlns="" xmlns:asvg="http://schemas.microsoft.com/office/drawing/2016/SVG/main" r:embed="rId24"/>
+                <asvg:svgBlip xmlns:asvg="http://schemas.microsoft.com/office/drawing/2016/SVG/main" r:embed="rId24"/>
               </a:ext>
             </a:extLst>
           </a:blip>
@@ -21078,7 +26436,7 @@
                 <a14:useLocalDpi xmlns:a14="http://schemas.microsoft.com/office/drawing/2010/main" val="0"/>
               </a:ext>
               <a:ext uri="{96DAC541-7B7A-43D3-8B79-37D633B846F1}">
-                <asvg:svgBlip xmlns="" xmlns:asvg="http://schemas.microsoft.com/office/drawing/2016/SVG/main" r:embed="rId24"/>
+                <asvg:svgBlip xmlns:asvg="http://schemas.microsoft.com/office/drawing/2016/SVG/main" r:embed="rId24"/>
               </a:ext>
             </a:extLst>
           </a:blip>
@@ -21173,7 +26531,7 @@
                 <a14:useLocalDpi xmlns:a14="http://schemas.microsoft.com/office/drawing/2010/main" val="0"/>
               </a:ext>
               <a:ext uri="{96DAC541-7B7A-43D3-8B79-37D633B846F1}">
-                <asvg:svgBlip xmlns="" xmlns:asvg="http://schemas.microsoft.com/office/drawing/2016/SVG/main" r:embed="rId24"/>
+                <asvg:svgBlip xmlns:asvg="http://schemas.microsoft.com/office/drawing/2016/SVG/main" r:embed="rId24"/>
               </a:ext>
             </a:extLst>
           </a:blip>
@@ -21268,7 +26626,7 @@
                 <a14:useLocalDpi xmlns:a14="http://schemas.microsoft.com/office/drawing/2010/main" val="0"/>
               </a:ext>
               <a:ext uri="{96DAC541-7B7A-43D3-8B79-37D633B846F1}">
-                <asvg:svgBlip xmlns="" xmlns:asvg="http://schemas.microsoft.com/office/drawing/2016/SVG/main" r:embed="rId24"/>
+                <asvg:svgBlip xmlns:asvg="http://schemas.microsoft.com/office/drawing/2016/SVG/main" r:embed="rId24"/>
               </a:ext>
             </a:extLst>
           </a:blip>
@@ -21783,7 +27141,7 @@
                 <a14:useLocalDpi xmlns:a14="http://schemas.microsoft.com/office/drawing/2010/main" val="0"/>
               </a:ext>
               <a:ext uri="{96DAC541-7B7A-43D3-8B79-37D633B846F1}">
-                <asvg:svgBlip xmlns="" xmlns:asvg="http://schemas.microsoft.com/office/drawing/2016/SVG/main" r:embed="rId4"/>
+                <asvg:svgBlip xmlns:asvg="http://schemas.microsoft.com/office/drawing/2016/SVG/main" r:embed="rId4"/>
               </a:ext>
             </a:extLst>
           </a:blip>
@@ -21880,7 +27238,7 @@
                 <a14:useLocalDpi xmlns:a14="http://schemas.microsoft.com/office/drawing/2010/main" val="0"/>
               </a:ext>
               <a:ext uri="{96DAC541-7B7A-43D3-8B79-37D633B846F1}">
-                <asvg:svgBlip xmlns="" xmlns:asvg="http://schemas.microsoft.com/office/drawing/2016/SVG/main" r:embed="rId4"/>
+                <asvg:svgBlip xmlns:asvg="http://schemas.microsoft.com/office/drawing/2016/SVG/main" r:embed="rId4"/>
               </a:ext>
             </a:extLst>
           </a:blip>
